--- a/experiment/materials/images/economies/economies.pptx
+++ b/experiment/materials/images/economies/economies.pptx
@@ -2,20 +2,22 @@
 <file path=ppt/presentation.xml><?xml version="1.0" encoding="utf-8"?>
 <p:presentation xmlns:a="http://schemas.openxmlformats.org/drawingml/2006/main" xmlns:r="http://schemas.openxmlformats.org/officeDocument/2006/relationships" xmlns:p="http://schemas.openxmlformats.org/presentationml/2006/main" saveSubsetFonts="1" autoCompressPictures="0">
   <p:sldMasterIdLst>
-    <p:sldMasterId id="2147483660" r:id="rId1"/>
+    <p:sldMasterId id="2147483672" r:id="rId1"/>
   </p:sldMasterIdLst>
   <p:sldIdLst>
-    <p:sldId id="257" r:id="rId2"/>
+    <p:sldId id="263" r:id="rId2"/>
     <p:sldId id="258" r:id="rId3"/>
+    <p:sldId id="264" r:id="rId4"/>
+    <p:sldId id="265" r:id="rId5"/>
   </p:sldIdLst>
-  <p:sldSz cx="8421688" cy="2935288"/>
+  <p:sldSz cx="6665913" cy="987425"/>
   <p:notesSz cx="6858000" cy="9144000"/>
   <p:defaultTextStyle>
     <a:defPPr>
       <a:defRPr lang="en-US"/>
     </a:defPPr>
-    <a:lvl1pPr marL="0" algn="l" defTabSz="545074" rtl="0" eaLnBrk="1" latinLnBrk="0" hangingPunct="1">
-      <a:defRPr sz="1073" kern="1200">
+    <a:lvl1pPr marL="0" algn="l" defTabSz="367271" rtl="0" eaLnBrk="1" latinLnBrk="0" hangingPunct="1">
+      <a:defRPr sz="723" kern="1200">
         <a:solidFill>
           <a:schemeClr val="tx1"/>
         </a:solidFill>
@@ -24,8 +26,8 @@
         <a:cs typeface="+mn-cs"/>
       </a:defRPr>
     </a:lvl1pPr>
-    <a:lvl2pPr marL="272537" algn="l" defTabSz="545074" rtl="0" eaLnBrk="1" latinLnBrk="0" hangingPunct="1">
-      <a:defRPr sz="1073" kern="1200">
+    <a:lvl2pPr marL="183635" algn="l" defTabSz="367271" rtl="0" eaLnBrk="1" latinLnBrk="0" hangingPunct="1">
+      <a:defRPr sz="723" kern="1200">
         <a:solidFill>
           <a:schemeClr val="tx1"/>
         </a:solidFill>
@@ -34,8 +36,8 @@
         <a:cs typeface="+mn-cs"/>
       </a:defRPr>
     </a:lvl2pPr>
-    <a:lvl3pPr marL="545074" algn="l" defTabSz="545074" rtl="0" eaLnBrk="1" latinLnBrk="0" hangingPunct="1">
-      <a:defRPr sz="1073" kern="1200">
+    <a:lvl3pPr marL="367271" algn="l" defTabSz="367271" rtl="0" eaLnBrk="1" latinLnBrk="0" hangingPunct="1">
+      <a:defRPr sz="723" kern="1200">
         <a:solidFill>
           <a:schemeClr val="tx1"/>
         </a:solidFill>
@@ -44,8 +46,8 @@
         <a:cs typeface="+mn-cs"/>
       </a:defRPr>
     </a:lvl3pPr>
-    <a:lvl4pPr marL="817611" algn="l" defTabSz="545074" rtl="0" eaLnBrk="1" latinLnBrk="0" hangingPunct="1">
-      <a:defRPr sz="1073" kern="1200">
+    <a:lvl4pPr marL="550906" algn="l" defTabSz="367271" rtl="0" eaLnBrk="1" latinLnBrk="0" hangingPunct="1">
+      <a:defRPr sz="723" kern="1200">
         <a:solidFill>
           <a:schemeClr val="tx1"/>
         </a:solidFill>
@@ -54,8 +56,8 @@
         <a:cs typeface="+mn-cs"/>
       </a:defRPr>
     </a:lvl4pPr>
-    <a:lvl5pPr marL="1090148" algn="l" defTabSz="545074" rtl="0" eaLnBrk="1" latinLnBrk="0" hangingPunct="1">
-      <a:defRPr sz="1073" kern="1200">
+    <a:lvl5pPr marL="734542" algn="l" defTabSz="367271" rtl="0" eaLnBrk="1" latinLnBrk="0" hangingPunct="1">
+      <a:defRPr sz="723" kern="1200">
         <a:solidFill>
           <a:schemeClr val="tx1"/>
         </a:solidFill>
@@ -64,8 +66,8 @@
         <a:cs typeface="+mn-cs"/>
       </a:defRPr>
     </a:lvl5pPr>
-    <a:lvl6pPr marL="1362685" algn="l" defTabSz="545074" rtl="0" eaLnBrk="1" latinLnBrk="0" hangingPunct="1">
-      <a:defRPr sz="1073" kern="1200">
+    <a:lvl6pPr marL="918177" algn="l" defTabSz="367271" rtl="0" eaLnBrk="1" latinLnBrk="0" hangingPunct="1">
+      <a:defRPr sz="723" kern="1200">
         <a:solidFill>
           <a:schemeClr val="tx1"/>
         </a:solidFill>
@@ -74,8 +76,8 @@
         <a:cs typeface="+mn-cs"/>
       </a:defRPr>
     </a:lvl6pPr>
-    <a:lvl7pPr marL="1635222" algn="l" defTabSz="545074" rtl="0" eaLnBrk="1" latinLnBrk="0" hangingPunct="1">
-      <a:defRPr sz="1073" kern="1200">
+    <a:lvl7pPr marL="1101813" algn="l" defTabSz="367271" rtl="0" eaLnBrk="1" latinLnBrk="0" hangingPunct="1">
+      <a:defRPr sz="723" kern="1200">
         <a:solidFill>
           <a:schemeClr val="tx1"/>
         </a:solidFill>
@@ -84,8 +86,8 @@
         <a:cs typeface="+mn-cs"/>
       </a:defRPr>
     </a:lvl7pPr>
-    <a:lvl8pPr marL="1907758" algn="l" defTabSz="545074" rtl="0" eaLnBrk="1" latinLnBrk="0" hangingPunct="1">
-      <a:defRPr sz="1073" kern="1200">
+    <a:lvl8pPr marL="1285447" algn="l" defTabSz="367271" rtl="0" eaLnBrk="1" latinLnBrk="0" hangingPunct="1">
+      <a:defRPr sz="723" kern="1200">
         <a:solidFill>
           <a:schemeClr val="tx1"/>
         </a:solidFill>
@@ -94,8 +96,8 @@
         <a:cs typeface="+mn-cs"/>
       </a:defRPr>
     </a:lvl8pPr>
-    <a:lvl9pPr marL="2180295" algn="l" defTabSz="545074" rtl="0" eaLnBrk="1" latinLnBrk="0" hangingPunct="1">
-      <a:defRPr sz="1073" kern="1200">
+    <a:lvl9pPr marL="1469083" algn="l" defTabSz="367271" rtl="0" eaLnBrk="1" latinLnBrk="0" hangingPunct="1">
+      <a:defRPr sz="723" kern="1200">
         <a:solidFill>
           <a:schemeClr val="tx1"/>
         </a:solidFill>
@@ -105,6 +107,11 @@
       </a:defRPr>
     </a:lvl9pPr>
   </p:defaultTextStyle>
+  <p:extLst>
+    <p:ext uri="{EFAFB233-063F-42B5-8137-9DF3F51BA10A}">
+      <p15:sldGuideLst xmlns:p15="http://schemas.microsoft.com/office/powerpoint/2012/main"/>
+    </p:ext>
+  </p:extLst>
 </p:presentation>
 </file>
 
@@ -137,15 +144,15 @@
         </p:nvSpPr>
         <p:spPr>
           <a:xfrm>
-            <a:off x="1052711" y="480382"/>
-            <a:ext cx="6316266" cy="1021915"/>
+            <a:off x="833239" y="161600"/>
+            <a:ext cx="4999435" cy="343770"/>
           </a:xfrm>
         </p:spPr>
         <p:txBody>
           <a:bodyPr anchor="b"/>
           <a:lstStyle>
             <a:lvl1pPr algn="ctr">
-              <a:defRPr sz="2568"/>
+              <a:defRPr sz="864"/>
             </a:lvl1pPr>
           </a:lstStyle>
           <a:p>
@@ -169,8 +176,8 @@
         </p:nvSpPr>
         <p:spPr>
           <a:xfrm>
-            <a:off x="1052711" y="1541706"/>
-            <a:ext cx="6316266" cy="708682"/>
+            <a:off x="833239" y="518627"/>
+            <a:ext cx="4999435" cy="238399"/>
           </a:xfrm>
         </p:spPr>
         <p:txBody>
@@ -178,39 +185,39 @@
           <a:lstStyle>
             <a:lvl1pPr marL="0" indent="0" algn="ctr">
               <a:buNone/>
-              <a:defRPr sz="1027"/>
+              <a:defRPr sz="346"/>
             </a:lvl1pPr>
-            <a:lvl2pPr marL="195682" indent="0" algn="ctr">
-              <a:buNone/>
-              <a:defRPr sz="856"/>
+            <a:lvl2pPr marL="65837" indent="0" algn="ctr">
+              <a:buNone/>
+              <a:defRPr sz="288"/>
             </a:lvl2pPr>
-            <a:lvl3pPr marL="391363" indent="0" algn="ctr">
-              <a:buNone/>
-              <a:defRPr sz="770"/>
+            <a:lvl3pPr marL="131674" indent="0" algn="ctr">
+              <a:buNone/>
+              <a:defRPr sz="259"/>
             </a:lvl3pPr>
-            <a:lvl4pPr marL="587045" indent="0" algn="ctr">
-              <a:buNone/>
-              <a:defRPr sz="685"/>
+            <a:lvl4pPr marL="197510" indent="0" algn="ctr">
+              <a:buNone/>
+              <a:defRPr sz="230"/>
             </a:lvl4pPr>
-            <a:lvl5pPr marL="782726" indent="0" algn="ctr">
-              <a:buNone/>
-              <a:defRPr sz="685"/>
+            <a:lvl5pPr marL="263347" indent="0" algn="ctr">
+              <a:buNone/>
+              <a:defRPr sz="230"/>
             </a:lvl5pPr>
-            <a:lvl6pPr marL="978408" indent="0" algn="ctr">
-              <a:buNone/>
-              <a:defRPr sz="685"/>
+            <a:lvl6pPr marL="329184" indent="0" algn="ctr">
+              <a:buNone/>
+              <a:defRPr sz="230"/>
             </a:lvl6pPr>
-            <a:lvl7pPr marL="1174090" indent="0" algn="ctr">
-              <a:buNone/>
-              <a:defRPr sz="685"/>
+            <a:lvl7pPr marL="395021" indent="0" algn="ctr">
+              <a:buNone/>
+              <a:defRPr sz="230"/>
             </a:lvl7pPr>
-            <a:lvl8pPr marL="1369771" indent="0" algn="ctr">
-              <a:buNone/>
-              <a:defRPr sz="685"/>
+            <a:lvl8pPr marL="460858" indent="0" algn="ctr">
+              <a:buNone/>
+              <a:defRPr sz="230"/>
             </a:lvl8pPr>
-            <a:lvl9pPr marL="1565453" indent="0" algn="ctr">
-              <a:buNone/>
-              <a:defRPr sz="685"/>
+            <a:lvl9pPr marL="526694" indent="0" algn="ctr">
+              <a:buNone/>
+              <a:defRPr sz="230"/>
             </a:lvl9pPr>
           </a:lstStyle>
           <a:p>
@@ -290,7 +297,7 @@
     </p:spTree>
     <p:extLst>
       <p:ext uri="{BB962C8B-B14F-4D97-AF65-F5344CB8AC3E}">
-        <p14:creationId xmlns:p14="http://schemas.microsoft.com/office/powerpoint/2010/main" val="1761197519"/>
+        <p14:creationId xmlns:p14="http://schemas.microsoft.com/office/powerpoint/2010/main" val="2112723456"/>
       </p:ext>
     </p:extLst>
   </p:cSld>
@@ -460,7 +467,7 @@
     </p:spTree>
     <p:extLst>
       <p:ext uri="{BB962C8B-B14F-4D97-AF65-F5344CB8AC3E}">
-        <p14:creationId xmlns:p14="http://schemas.microsoft.com/office/powerpoint/2010/main" val="2660341743"/>
+        <p14:creationId xmlns:p14="http://schemas.microsoft.com/office/powerpoint/2010/main" val="3798498722"/>
       </p:ext>
     </p:extLst>
   </p:cSld>
@@ -499,8 +506,8 @@
         </p:nvSpPr>
         <p:spPr>
           <a:xfrm>
-            <a:off x="6026771" y="156277"/>
-            <a:ext cx="1815926" cy="2487521"/>
+            <a:off x="4770294" y="52571"/>
+            <a:ext cx="1437337" cy="836797"/>
           </a:xfrm>
         </p:spPr>
         <p:txBody>
@@ -527,8 +534,8 @@
         </p:nvSpPr>
         <p:spPr>
           <a:xfrm>
-            <a:off x="578991" y="156277"/>
-            <a:ext cx="5342508" cy="2487521"/>
+            <a:off x="458281" y="52571"/>
+            <a:ext cx="4228689" cy="836797"/>
           </a:xfrm>
         </p:spPr>
         <p:txBody>
@@ -640,7 +647,7 @@
     </p:spTree>
     <p:extLst>
       <p:ext uri="{BB962C8B-B14F-4D97-AF65-F5344CB8AC3E}">
-        <p14:creationId xmlns:p14="http://schemas.microsoft.com/office/powerpoint/2010/main" val="1944801760"/>
+        <p14:creationId xmlns:p14="http://schemas.microsoft.com/office/powerpoint/2010/main" val="1927940756"/>
       </p:ext>
     </p:extLst>
   </p:cSld>
@@ -810,7 +817,7 @@
     </p:spTree>
     <p:extLst>
       <p:ext uri="{BB962C8B-B14F-4D97-AF65-F5344CB8AC3E}">
-        <p14:creationId xmlns:p14="http://schemas.microsoft.com/office/powerpoint/2010/main" val="2039335905"/>
+        <p14:creationId xmlns:p14="http://schemas.microsoft.com/office/powerpoint/2010/main" val="3367126474"/>
       </p:ext>
     </p:extLst>
   </p:cSld>
@@ -849,15 +856,15 @@
         </p:nvSpPr>
         <p:spPr>
           <a:xfrm>
-            <a:off x="574605" y="731784"/>
-            <a:ext cx="7263706" cy="1220998"/>
+            <a:off x="454810" y="246171"/>
+            <a:ext cx="5749350" cy="410741"/>
           </a:xfrm>
         </p:spPr>
         <p:txBody>
           <a:bodyPr anchor="b"/>
           <a:lstStyle>
             <a:lvl1pPr>
-              <a:defRPr sz="2568"/>
+              <a:defRPr sz="864"/>
             </a:lvl1pPr>
           </a:lstStyle>
           <a:p>
@@ -881,8 +888,8 @@
         </p:nvSpPr>
         <p:spPr>
           <a:xfrm>
-            <a:off x="574605" y="1964333"/>
-            <a:ext cx="7263706" cy="642094"/>
+            <a:off x="454810" y="660798"/>
+            <a:ext cx="5749350" cy="215999"/>
           </a:xfrm>
         </p:spPr>
         <p:txBody>
@@ -890,7 +897,7 @@
           <a:lstStyle>
             <a:lvl1pPr marL="0" indent="0">
               <a:buNone/>
-              <a:defRPr sz="1027">
+              <a:defRPr sz="346">
                 <a:solidFill>
                   <a:schemeClr val="tx1">
                     <a:tint val="75000"/>
@@ -898,9 +905,9 @@
                 </a:solidFill>
               </a:defRPr>
             </a:lvl1pPr>
-            <a:lvl2pPr marL="195682" indent="0">
-              <a:buNone/>
-              <a:defRPr sz="856">
+            <a:lvl2pPr marL="65837" indent="0">
+              <a:buNone/>
+              <a:defRPr sz="288">
                 <a:solidFill>
                   <a:schemeClr val="tx1">
                     <a:tint val="75000"/>
@@ -908,9 +915,9 @@
                 </a:solidFill>
               </a:defRPr>
             </a:lvl2pPr>
-            <a:lvl3pPr marL="391363" indent="0">
-              <a:buNone/>
-              <a:defRPr sz="770">
+            <a:lvl3pPr marL="131674" indent="0">
+              <a:buNone/>
+              <a:defRPr sz="259">
                 <a:solidFill>
                   <a:schemeClr val="tx1">
                     <a:tint val="75000"/>
@@ -918,9 +925,9 @@
                 </a:solidFill>
               </a:defRPr>
             </a:lvl3pPr>
-            <a:lvl4pPr marL="587045" indent="0">
-              <a:buNone/>
-              <a:defRPr sz="685">
+            <a:lvl4pPr marL="197510" indent="0">
+              <a:buNone/>
+              <a:defRPr sz="230">
                 <a:solidFill>
                   <a:schemeClr val="tx1">
                     <a:tint val="75000"/>
@@ -928,9 +935,9 @@
                 </a:solidFill>
               </a:defRPr>
             </a:lvl4pPr>
-            <a:lvl5pPr marL="782726" indent="0">
-              <a:buNone/>
-              <a:defRPr sz="685">
+            <a:lvl5pPr marL="263347" indent="0">
+              <a:buNone/>
+              <a:defRPr sz="230">
                 <a:solidFill>
                   <a:schemeClr val="tx1">
                     <a:tint val="75000"/>
@@ -938,9 +945,9 @@
                 </a:solidFill>
               </a:defRPr>
             </a:lvl5pPr>
-            <a:lvl6pPr marL="978408" indent="0">
-              <a:buNone/>
-              <a:defRPr sz="685">
+            <a:lvl6pPr marL="329184" indent="0">
+              <a:buNone/>
+              <a:defRPr sz="230">
                 <a:solidFill>
                   <a:schemeClr val="tx1">
                     <a:tint val="75000"/>
@@ -948,9 +955,9 @@
                 </a:solidFill>
               </a:defRPr>
             </a:lvl6pPr>
-            <a:lvl7pPr marL="1174090" indent="0">
-              <a:buNone/>
-              <a:defRPr sz="685">
+            <a:lvl7pPr marL="395021" indent="0">
+              <a:buNone/>
+              <a:defRPr sz="230">
                 <a:solidFill>
                   <a:schemeClr val="tx1">
                     <a:tint val="75000"/>
@@ -958,9 +965,9 @@
                 </a:solidFill>
               </a:defRPr>
             </a:lvl7pPr>
-            <a:lvl8pPr marL="1369771" indent="0">
-              <a:buNone/>
-              <a:defRPr sz="685">
+            <a:lvl8pPr marL="460858" indent="0">
+              <a:buNone/>
+              <a:defRPr sz="230">
                 <a:solidFill>
                   <a:schemeClr val="tx1">
                     <a:tint val="75000"/>
@@ -968,9 +975,9 @@
                 </a:solidFill>
               </a:defRPr>
             </a:lvl8pPr>
-            <a:lvl9pPr marL="1565453" indent="0">
-              <a:buNone/>
-              <a:defRPr sz="685">
+            <a:lvl9pPr marL="526694" indent="0">
+              <a:buNone/>
+              <a:defRPr sz="230">
                 <a:solidFill>
                   <a:schemeClr val="tx1">
                     <a:tint val="75000"/>
@@ -1056,7 +1063,7 @@
     </p:spTree>
     <p:extLst>
       <p:ext uri="{BB962C8B-B14F-4D97-AF65-F5344CB8AC3E}">
-        <p14:creationId xmlns:p14="http://schemas.microsoft.com/office/powerpoint/2010/main" val="1762941267"/>
+        <p14:creationId xmlns:p14="http://schemas.microsoft.com/office/powerpoint/2010/main" val="3950614666"/>
       </p:ext>
     </p:extLst>
   </p:cSld>
@@ -1118,8 +1125,8 @@
         </p:nvSpPr>
         <p:spPr>
           <a:xfrm>
-            <a:off x="578991" y="781385"/>
-            <a:ext cx="3579217" cy="1862413"/>
+            <a:off x="458282" y="262856"/>
+            <a:ext cx="2833013" cy="626512"/>
           </a:xfrm>
         </p:spPr>
         <p:txBody>
@@ -1175,8 +1182,8 @@
         </p:nvSpPr>
         <p:spPr>
           <a:xfrm>
-            <a:off x="4263480" y="781385"/>
-            <a:ext cx="3579217" cy="1862413"/>
+            <a:off x="3374618" y="262856"/>
+            <a:ext cx="2833013" cy="626512"/>
           </a:xfrm>
         </p:spPr>
         <p:txBody>
@@ -1288,7 +1295,7 @@
     </p:spTree>
     <p:extLst>
       <p:ext uri="{BB962C8B-B14F-4D97-AF65-F5344CB8AC3E}">
-        <p14:creationId xmlns:p14="http://schemas.microsoft.com/office/powerpoint/2010/main" val="2629483145"/>
+        <p14:creationId xmlns:p14="http://schemas.microsoft.com/office/powerpoint/2010/main" val="3856988574"/>
       </p:ext>
     </p:extLst>
   </p:cSld>
@@ -1327,8 +1334,8 @@
         </p:nvSpPr>
         <p:spPr>
           <a:xfrm>
-            <a:off x="580088" y="156277"/>
-            <a:ext cx="7263706" cy="567353"/>
+            <a:off x="459150" y="52571"/>
+            <a:ext cx="5749350" cy="190857"/>
           </a:xfrm>
         </p:spPr>
         <p:txBody>
@@ -1355,8 +1362,8 @@
         </p:nvSpPr>
         <p:spPr>
           <a:xfrm>
-            <a:off x="580089" y="719553"/>
-            <a:ext cx="3562768" cy="352642"/>
+            <a:off x="459150" y="242056"/>
+            <a:ext cx="2819993" cy="118628"/>
           </a:xfrm>
         </p:spPr>
         <p:txBody>
@@ -1364,39 +1371,39 @@
           <a:lstStyle>
             <a:lvl1pPr marL="0" indent="0">
               <a:buNone/>
-              <a:defRPr sz="1027" b="1"/>
+              <a:defRPr sz="346" b="1"/>
             </a:lvl1pPr>
-            <a:lvl2pPr marL="195682" indent="0">
-              <a:buNone/>
-              <a:defRPr sz="856" b="1"/>
+            <a:lvl2pPr marL="65837" indent="0">
+              <a:buNone/>
+              <a:defRPr sz="288" b="1"/>
             </a:lvl2pPr>
-            <a:lvl3pPr marL="391363" indent="0">
-              <a:buNone/>
-              <a:defRPr sz="770" b="1"/>
+            <a:lvl3pPr marL="131674" indent="0">
+              <a:buNone/>
+              <a:defRPr sz="259" b="1"/>
             </a:lvl3pPr>
-            <a:lvl4pPr marL="587045" indent="0">
-              <a:buNone/>
-              <a:defRPr sz="685" b="1"/>
+            <a:lvl4pPr marL="197510" indent="0">
+              <a:buNone/>
+              <a:defRPr sz="230" b="1"/>
             </a:lvl4pPr>
-            <a:lvl5pPr marL="782726" indent="0">
-              <a:buNone/>
-              <a:defRPr sz="685" b="1"/>
+            <a:lvl5pPr marL="263347" indent="0">
+              <a:buNone/>
+              <a:defRPr sz="230" b="1"/>
             </a:lvl5pPr>
-            <a:lvl6pPr marL="978408" indent="0">
-              <a:buNone/>
-              <a:defRPr sz="685" b="1"/>
+            <a:lvl6pPr marL="329184" indent="0">
+              <a:buNone/>
+              <a:defRPr sz="230" b="1"/>
             </a:lvl6pPr>
-            <a:lvl7pPr marL="1174090" indent="0">
-              <a:buNone/>
-              <a:defRPr sz="685" b="1"/>
+            <a:lvl7pPr marL="395021" indent="0">
+              <a:buNone/>
+              <a:defRPr sz="230" b="1"/>
             </a:lvl7pPr>
-            <a:lvl8pPr marL="1369771" indent="0">
-              <a:buNone/>
-              <a:defRPr sz="685" b="1"/>
+            <a:lvl8pPr marL="460858" indent="0">
+              <a:buNone/>
+              <a:defRPr sz="230" b="1"/>
             </a:lvl8pPr>
-            <a:lvl9pPr marL="1565453" indent="0">
-              <a:buNone/>
-              <a:defRPr sz="685" b="1"/>
+            <a:lvl9pPr marL="526694" indent="0">
+              <a:buNone/>
+              <a:defRPr sz="230" b="1"/>
             </a:lvl9pPr>
           </a:lstStyle>
           <a:p>
@@ -1420,8 +1427,8 @@
         </p:nvSpPr>
         <p:spPr>
           <a:xfrm>
-            <a:off x="580089" y="1072196"/>
-            <a:ext cx="3562768" cy="1577038"/>
+            <a:off x="459150" y="360685"/>
+            <a:ext cx="2819993" cy="530512"/>
           </a:xfrm>
         </p:spPr>
         <p:txBody>
@@ -1477,8 +1484,8 @@
         </p:nvSpPr>
         <p:spPr>
           <a:xfrm>
-            <a:off x="4263480" y="719553"/>
-            <a:ext cx="3580314" cy="352642"/>
+            <a:off x="3374619" y="242056"/>
+            <a:ext cx="2833881" cy="118628"/>
           </a:xfrm>
         </p:spPr>
         <p:txBody>
@@ -1486,39 +1493,39 @@
           <a:lstStyle>
             <a:lvl1pPr marL="0" indent="0">
               <a:buNone/>
-              <a:defRPr sz="1027" b="1"/>
+              <a:defRPr sz="346" b="1"/>
             </a:lvl1pPr>
-            <a:lvl2pPr marL="195682" indent="0">
-              <a:buNone/>
-              <a:defRPr sz="856" b="1"/>
+            <a:lvl2pPr marL="65837" indent="0">
+              <a:buNone/>
+              <a:defRPr sz="288" b="1"/>
             </a:lvl2pPr>
-            <a:lvl3pPr marL="391363" indent="0">
-              <a:buNone/>
-              <a:defRPr sz="770" b="1"/>
+            <a:lvl3pPr marL="131674" indent="0">
+              <a:buNone/>
+              <a:defRPr sz="259" b="1"/>
             </a:lvl3pPr>
-            <a:lvl4pPr marL="587045" indent="0">
-              <a:buNone/>
-              <a:defRPr sz="685" b="1"/>
+            <a:lvl4pPr marL="197510" indent="0">
+              <a:buNone/>
+              <a:defRPr sz="230" b="1"/>
             </a:lvl4pPr>
-            <a:lvl5pPr marL="782726" indent="0">
-              <a:buNone/>
-              <a:defRPr sz="685" b="1"/>
+            <a:lvl5pPr marL="263347" indent="0">
+              <a:buNone/>
+              <a:defRPr sz="230" b="1"/>
             </a:lvl5pPr>
-            <a:lvl6pPr marL="978408" indent="0">
-              <a:buNone/>
-              <a:defRPr sz="685" b="1"/>
+            <a:lvl6pPr marL="329184" indent="0">
+              <a:buNone/>
+              <a:defRPr sz="230" b="1"/>
             </a:lvl6pPr>
-            <a:lvl7pPr marL="1174090" indent="0">
-              <a:buNone/>
-              <a:defRPr sz="685" b="1"/>
+            <a:lvl7pPr marL="395021" indent="0">
+              <a:buNone/>
+              <a:defRPr sz="230" b="1"/>
             </a:lvl7pPr>
-            <a:lvl8pPr marL="1369771" indent="0">
-              <a:buNone/>
-              <a:defRPr sz="685" b="1"/>
+            <a:lvl8pPr marL="460858" indent="0">
+              <a:buNone/>
+              <a:defRPr sz="230" b="1"/>
             </a:lvl8pPr>
-            <a:lvl9pPr marL="1565453" indent="0">
-              <a:buNone/>
-              <a:defRPr sz="685" b="1"/>
+            <a:lvl9pPr marL="526694" indent="0">
+              <a:buNone/>
+              <a:defRPr sz="230" b="1"/>
             </a:lvl9pPr>
           </a:lstStyle>
           <a:p>
@@ -1542,8 +1549,8 @@
         </p:nvSpPr>
         <p:spPr>
           <a:xfrm>
-            <a:off x="4263480" y="1072196"/>
-            <a:ext cx="3580314" cy="1577038"/>
+            <a:off x="3374619" y="360685"/>
+            <a:ext cx="2833881" cy="530512"/>
           </a:xfrm>
         </p:spPr>
         <p:txBody>
@@ -1655,7 +1662,7 @@
     </p:spTree>
     <p:extLst>
       <p:ext uri="{BB962C8B-B14F-4D97-AF65-F5344CB8AC3E}">
-        <p14:creationId xmlns:p14="http://schemas.microsoft.com/office/powerpoint/2010/main" val="2041959490"/>
+        <p14:creationId xmlns:p14="http://schemas.microsoft.com/office/powerpoint/2010/main" val="4222252920"/>
       </p:ext>
     </p:extLst>
   </p:cSld>
@@ -1773,7 +1780,7 @@
     </p:spTree>
     <p:extLst>
       <p:ext uri="{BB962C8B-B14F-4D97-AF65-F5344CB8AC3E}">
-        <p14:creationId xmlns:p14="http://schemas.microsoft.com/office/powerpoint/2010/main" val="2434321633"/>
+        <p14:creationId xmlns:p14="http://schemas.microsoft.com/office/powerpoint/2010/main" val="2880505759"/>
       </p:ext>
     </p:extLst>
   </p:cSld>
@@ -1868,7 +1875,7 @@
     </p:spTree>
     <p:extLst>
       <p:ext uri="{BB962C8B-B14F-4D97-AF65-F5344CB8AC3E}">
-        <p14:creationId xmlns:p14="http://schemas.microsoft.com/office/powerpoint/2010/main" val="1682514967"/>
+        <p14:creationId xmlns:p14="http://schemas.microsoft.com/office/powerpoint/2010/main" val="610923454"/>
       </p:ext>
     </p:extLst>
   </p:cSld>
@@ -1907,15 +1914,15 @@
         </p:nvSpPr>
         <p:spPr>
           <a:xfrm>
-            <a:off x="580088" y="195686"/>
-            <a:ext cx="2716213" cy="684901"/>
+            <a:off x="459150" y="65828"/>
+            <a:ext cx="2149930" cy="230399"/>
           </a:xfrm>
         </p:spPr>
         <p:txBody>
           <a:bodyPr anchor="b"/>
           <a:lstStyle>
             <a:lvl1pPr>
-              <a:defRPr sz="1370"/>
+              <a:defRPr sz="461"/>
             </a:lvl1pPr>
           </a:lstStyle>
           <a:p>
@@ -1939,39 +1946,39 @@
         </p:nvSpPr>
         <p:spPr>
           <a:xfrm>
-            <a:off x="3580314" y="422627"/>
-            <a:ext cx="4263480" cy="2085957"/>
+            <a:off x="2833881" y="142171"/>
+            <a:ext cx="3374618" cy="701712"/>
           </a:xfrm>
         </p:spPr>
         <p:txBody>
           <a:bodyPr/>
           <a:lstStyle>
             <a:lvl1pPr>
-              <a:defRPr sz="1370"/>
+              <a:defRPr sz="461"/>
             </a:lvl1pPr>
             <a:lvl2pPr>
-              <a:defRPr sz="1198"/>
+              <a:defRPr sz="403"/>
             </a:lvl2pPr>
             <a:lvl3pPr>
-              <a:defRPr sz="1027"/>
+              <a:defRPr sz="346"/>
             </a:lvl3pPr>
             <a:lvl4pPr>
-              <a:defRPr sz="856"/>
+              <a:defRPr sz="288"/>
             </a:lvl4pPr>
             <a:lvl5pPr>
-              <a:defRPr sz="856"/>
+              <a:defRPr sz="288"/>
             </a:lvl5pPr>
             <a:lvl6pPr>
-              <a:defRPr sz="856"/>
+              <a:defRPr sz="288"/>
             </a:lvl6pPr>
             <a:lvl7pPr>
-              <a:defRPr sz="856"/>
+              <a:defRPr sz="288"/>
             </a:lvl7pPr>
             <a:lvl8pPr>
-              <a:defRPr sz="856"/>
+              <a:defRPr sz="288"/>
             </a:lvl8pPr>
             <a:lvl9pPr>
-              <a:defRPr sz="856"/>
+              <a:defRPr sz="288"/>
             </a:lvl9pPr>
           </a:lstStyle>
           <a:p>
@@ -2024,8 +2031,8 @@
         </p:nvSpPr>
         <p:spPr>
           <a:xfrm>
-            <a:off x="580088" y="880587"/>
-            <a:ext cx="2716213" cy="1631395"/>
+            <a:off x="459150" y="296228"/>
+            <a:ext cx="2149930" cy="548798"/>
           </a:xfrm>
         </p:spPr>
         <p:txBody>
@@ -2033,39 +2040,39 @@
           <a:lstStyle>
             <a:lvl1pPr marL="0" indent="0">
               <a:buNone/>
-              <a:defRPr sz="685"/>
+              <a:defRPr sz="230"/>
             </a:lvl1pPr>
-            <a:lvl2pPr marL="195682" indent="0">
-              <a:buNone/>
-              <a:defRPr sz="599"/>
+            <a:lvl2pPr marL="65837" indent="0">
+              <a:buNone/>
+              <a:defRPr sz="202"/>
             </a:lvl2pPr>
-            <a:lvl3pPr marL="391363" indent="0">
-              <a:buNone/>
-              <a:defRPr sz="514"/>
+            <a:lvl3pPr marL="131674" indent="0">
+              <a:buNone/>
+              <a:defRPr sz="173"/>
             </a:lvl3pPr>
-            <a:lvl4pPr marL="587045" indent="0">
-              <a:buNone/>
-              <a:defRPr sz="428"/>
+            <a:lvl4pPr marL="197510" indent="0">
+              <a:buNone/>
+              <a:defRPr sz="144"/>
             </a:lvl4pPr>
-            <a:lvl5pPr marL="782726" indent="0">
-              <a:buNone/>
-              <a:defRPr sz="428"/>
+            <a:lvl5pPr marL="263347" indent="0">
+              <a:buNone/>
+              <a:defRPr sz="144"/>
             </a:lvl5pPr>
-            <a:lvl6pPr marL="978408" indent="0">
-              <a:buNone/>
-              <a:defRPr sz="428"/>
+            <a:lvl6pPr marL="329184" indent="0">
+              <a:buNone/>
+              <a:defRPr sz="144"/>
             </a:lvl6pPr>
-            <a:lvl7pPr marL="1174090" indent="0">
-              <a:buNone/>
-              <a:defRPr sz="428"/>
+            <a:lvl7pPr marL="395021" indent="0">
+              <a:buNone/>
+              <a:defRPr sz="144"/>
             </a:lvl7pPr>
-            <a:lvl8pPr marL="1369771" indent="0">
-              <a:buNone/>
-              <a:defRPr sz="428"/>
+            <a:lvl8pPr marL="460858" indent="0">
+              <a:buNone/>
+              <a:defRPr sz="144"/>
             </a:lvl8pPr>
-            <a:lvl9pPr marL="1565453" indent="0">
-              <a:buNone/>
-              <a:defRPr sz="428"/>
+            <a:lvl9pPr marL="526694" indent="0">
+              <a:buNone/>
+              <a:defRPr sz="144"/>
             </a:lvl9pPr>
           </a:lstStyle>
           <a:p>
@@ -2145,7 +2152,7 @@
     </p:spTree>
     <p:extLst>
       <p:ext uri="{BB962C8B-B14F-4D97-AF65-F5344CB8AC3E}">
-        <p14:creationId xmlns:p14="http://schemas.microsoft.com/office/powerpoint/2010/main" val="4183165718"/>
+        <p14:creationId xmlns:p14="http://schemas.microsoft.com/office/powerpoint/2010/main" val="132611699"/>
       </p:ext>
     </p:extLst>
   </p:cSld>
@@ -2184,15 +2191,15 @@
         </p:nvSpPr>
         <p:spPr>
           <a:xfrm>
-            <a:off x="580088" y="195686"/>
-            <a:ext cx="2716213" cy="684901"/>
+            <a:off x="459150" y="65828"/>
+            <a:ext cx="2149930" cy="230399"/>
           </a:xfrm>
         </p:spPr>
         <p:txBody>
           <a:bodyPr anchor="b"/>
           <a:lstStyle>
             <a:lvl1pPr>
-              <a:defRPr sz="1370"/>
+              <a:defRPr sz="461"/>
             </a:lvl1pPr>
           </a:lstStyle>
           <a:p>
@@ -2216,8 +2223,8 @@
         </p:nvSpPr>
         <p:spPr>
           <a:xfrm>
-            <a:off x="3580314" y="422627"/>
-            <a:ext cx="4263480" cy="2085957"/>
+            <a:off x="2833881" y="142171"/>
+            <a:ext cx="3374618" cy="701712"/>
           </a:xfrm>
         </p:spPr>
         <p:txBody>
@@ -2225,39 +2232,39 @@
           <a:lstStyle>
             <a:lvl1pPr marL="0" indent="0">
               <a:buNone/>
-              <a:defRPr sz="1370"/>
+              <a:defRPr sz="461"/>
             </a:lvl1pPr>
-            <a:lvl2pPr marL="195682" indent="0">
-              <a:buNone/>
-              <a:defRPr sz="1198"/>
+            <a:lvl2pPr marL="65837" indent="0">
+              <a:buNone/>
+              <a:defRPr sz="403"/>
             </a:lvl2pPr>
-            <a:lvl3pPr marL="391363" indent="0">
-              <a:buNone/>
-              <a:defRPr sz="1027"/>
+            <a:lvl3pPr marL="131674" indent="0">
+              <a:buNone/>
+              <a:defRPr sz="346"/>
             </a:lvl3pPr>
-            <a:lvl4pPr marL="587045" indent="0">
-              <a:buNone/>
-              <a:defRPr sz="856"/>
+            <a:lvl4pPr marL="197510" indent="0">
+              <a:buNone/>
+              <a:defRPr sz="288"/>
             </a:lvl4pPr>
-            <a:lvl5pPr marL="782726" indent="0">
-              <a:buNone/>
-              <a:defRPr sz="856"/>
+            <a:lvl5pPr marL="263347" indent="0">
+              <a:buNone/>
+              <a:defRPr sz="288"/>
             </a:lvl5pPr>
-            <a:lvl6pPr marL="978408" indent="0">
-              <a:buNone/>
-              <a:defRPr sz="856"/>
+            <a:lvl6pPr marL="329184" indent="0">
+              <a:buNone/>
+              <a:defRPr sz="288"/>
             </a:lvl6pPr>
-            <a:lvl7pPr marL="1174090" indent="0">
-              <a:buNone/>
-              <a:defRPr sz="856"/>
+            <a:lvl7pPr marL="395021" indent="0">
+              <a:buNone/>
+              <a:defRPr sz="288"/>
             </a:lvl7pPr>
-            <a:lvl8pPr marL="1369771" indent="0">
-              <a:buNone/>
-              <a:defRPr sz="856"/>
+            <a:lvl8pPr marL="460858" indent="0">
+              <a:buNone/>
+              <a:defRPr sz="288"/>
             </a:lvl8pPr>
-            <a:lvl9pPr marL="1565453" indent="0">
-              <a:buNone/>
-              <a:defRPr sz="856"/>
+            <a:lvl9pPr marL="526694" indent="0">
+              <a:buNone/>
+              <a:defRPr sz="288"/>
             </a:lvl9pPr>
           </a:lstStyle>
           <a:p>
@@ -2281,8 +2288,8 @@
         </p:nvSpPr>
         <p:spPr>
           <a:xfrm>
-            <a:off x="580088" y="880587"/>
-            <a:ext cx="2716213" cy="1631395"/>
+            <a:off x="459150" y="296228"/>
+            <a:ext cx="2149930" cy="548798"/>
           </a:xfrm>
         </p:spPr>
         <p:txBody>
@@ -2290,39 +2297,39 @@
           <a:lstStyle>
             <a:lvl1pPr marL="0" indent="0">
               <a:buNone/>
-              <a:defRPr sz="685"/>
+              <a:defRPr sz="230"/>
             </a:lvl1pPr>
-            <a:lvl2pPr marL="195682" indent="0">
-              <a:buNone/>
-              <a:defRPr sz="599"/>
+            <a:lvl2pPr marL="65837" indent="0">
+              <a:buNone/>
+              <a:defRPr sz="202"/>
             </a:lvl2pPr>
-            <a:lvl3pPr marL="391363" indent="0">
-              <a:buNone/>
-              <a:defRPr sz="514"/>
+            <a:lvl3pPr marL="131674" indent="0">
+              <a:buNone/>
+              <a:defRPr sz="173"/>
             </a:lvl3pPr>
-            <a:lvl4pPr marL="587045" indent="0">
-              <a:buNone/>
-              <a:defRPr sz="428"/>
+            <a:lvl4pPr marL="197510" indent="0">
+              <a:buNone/>
+              <a:defRPr sz="144"/>
             </a:lvl4pPr>
-            <a:lvl5pPr marL="782726" indent="0">
-              <a:buNone/>
-              <a:defRPr sz="428"/>
+            <a:lvl5pPr marL="263347" indent="0">
+              <a:buNone/>
+              <a:defRPr sz="144"/>
             </a:lvl5pPr>
-            <a:lvl6pPr marL="978408" indent="0">
-              <a:buNone/>
-              <a:defRPr sz="428"/>
+            <a:lvl6pPr marL="329184" indent="0">
+              <a:buNone/>
+              <a:defRPr sz="144"/>
             </a:lvl6pPr>
-            <a:lvl7pPr marL="1174090" indent="0">
-              <a:buNone/>
-              <a:defRPr sz="428"/>
+            <a:lvl7pPr marL="395021" indent="0">
+              <a:buNone/>
+              <a:defRPr sz="144"/>
             </a:lvl7pPr>
-            <a:lvl8pPr marL="1369771" indent="0">
-              <a:buNone/>
-              <a:defRPr sz="428"/>
+            <a:lvl8pPr marL="460858" indent="0">
+              <a:buNone/>
+              <a:defRPr sz="144"/>
             </a:lvl8pPr>
-            <a:lvl9pPr marL="1565453" indent="0">
-              <a:buNone/>
-              <a:defRPr sz="428"/>
+            <a:lvl9pPr marL="526694" indent="0">
+              <a:buNone/>
+              <a:defRPr sz="144"/>
             </a:lvl9pPr>
           </a:lstStyle>
           <a:p>
@@ -2402,7 +2409,7 @@
     </p:spTree>
     <p:extLst>
       <p:ext uri="{BB962C8B-B14F-4D97-AF65-F5344CB8AC3E}">
-        <p14:creationId xmlns:p14="http://schemas.microsoft.com/office/powerpoint/2010/main" val="2779339845"/>
+        <p14:creationId xmlns:p14="http://schemas.microsoft.com/office/powerpoint/2010/main" val="3502375026"/>
       </p:ext>
     </p:extLst>
   </p:cSld>
@@ -2446,8 +2453,8 @@
         </p:nvSpPr>
         <p:spPr>
           <a:xfrm>
-            <a:off x="578991" y="156277"/>
-            <a:ext cx="7263706" cy="567353"/>
+            <a:off x="458282" y="52571"/>
+            <a:ext cx="5749350" cy="190857"/>
           </a:xfrm>
           <a:prstGeom prst="rect">
             <a:avLst/>
@@ -2479,8 +2486,8 @@
         </p:nvSpPr>
         <p:spPr>
           <a:xfrm>
-            <a:off x="578991" y="781385"/>
-            <a:ext cx="7263706" cy="1862413"/>
+            <a:off x="458282" y="262856"/>
+            <a:ext cx="5749350" cy="626512"/>
           </a:xfrm>
           <a:prstGeom prst="rect">
             <a:avLst/>
@@ -2541,8 +2548,8 @@
         </p:nvSpPr>
         <p:spPr>
           <a:xfrm>
-            <a:off x="578991" y="2720577"/>
-            <a:ext cx="1894880" cy="156277"/>
+            <a:off x="458282" y="915197"/>
+            <a:ext cx="1499830" cy="52571"/>
           </a:xfrm>
           <a:prstGeom prst="rect">
             <a:avLst/>
@@ -2552,7 +2559,7 @@
           <a:bodyPr vert="horz" lIns="91440" tIns="45720" rIns="91440" bIns="45720" rtlCol="0" anchor="ctr"/>
           <a:lstStyle>
             <a:lvl1pPr algn="l">
-              <a:defRPr sz="514">
+              <a:defRPr sz="173">
                 <a:solidFill>
                   <a:schemeClr val="tx1">
                     <a:tint val="75000"/>
@@ -2582,8 +2589,8 @@
         </p:nvSpPr>
         <p:spPr>
           <a:xfrm>
-            <a:off x="2789684" y="2720577"/>
-            <a:ext cx="2842320" cy="156277"/>
+            <a:off x="2208084" y="915197"/>
+            <a:ext cx="2249746" cy="52571"/>
           </a:xfrm>
           <a:prstGeom prst="rect">
             <a:avLst/>
@@ -2593,7 +2600,7 @@
           <a:bodyPr vert="horz" lIns="91440" tIns="45720" rIns="91440" bIns="45720" rtlCol="0" anchor="ctr"/>
           <a:lstStyle>
             <a:lvl1pPr algn="ctr">
-              <a:defRPr sz="514">
+              <a:defRPr sz="173">
                 <a:solidFill>
                   <a:schemeClr val="tx1">
                     <a:tint val="75000"/>
@@ -2619,8 +2626,8 @@
         </p:nvSpPr>
         <p:spPr>
           <a:xfrm>
-            <a:off x="5947817" y="2720577"/>
-            <a:ext cx="1894880" cy="156277"/>
+            <a:off x="4707801" y="915197"/>
+            <a:ext cx="1499830" cy="52571"/>
           </a:xfrm>
           <a:prstGeom prst="rect">
             <a:avLst/>
@@ -2630,7 +2637,7 @@
           <a:bodyPr vert="horz" lIns="91440" tIns="45720" rIns="91440" bIns="45720" rtlCol="0" anchor="ctr"/>
           <a:lstStyle>
             <a:lvl1pPr algn="r">
-              <a:defRPr sz="514">
+              <a:defRPr sz="173">
                 <a:solidFill>
                   <a:schemeClr val="tx1">
                     <a:tint val="75000"/>
@@ -2651,27 +2658,27 @@
     </p:spTree>
     <p:extLst>
       <p:ext uri="{BB962C8B-B14F-4D97-AF65-F5344CB8AC3E}">
-        <p14:creationId xmlns:p14="http://schemas.microsoft.com/office/powerpoint/2010/main" val="2992850902"/>
+        <p14:creationId xmlns:p14="http://schemas.microsoft.com/office/powerpoint/2010/main" val="2026863893"/>
       </p:ext>
     </p:extLst>
   </p:cSld>
   <p:clrMap bg1="lt1" tx1="dk1" bg2="lt2" tx2="dk2" accent1="accent1" accent2="accent2" accent3="accent3" accent4="accent4" accent5="accent5" accent6="accent6" hlink="hlink" folHlink="folHlink"/>
   <p:sldLayoutIdLst>
-    <p:sldLayoutId id="2147483661" r:id="rId1"/>
-    <p:sldLayoutId id="2147483662" r:id="rId2"/>
-    <p:sldLayoutId id="2147483663" r:id="rId3"/>
-    <p:sldLayoutId id="2147483664" r:id="rId4"/>
-    <p:sldLayoutId id="2147483665" r:id="rId5"/>
-    <p:sldLayoutId id="2147483666" r:id="rId6"/>
-    <p:sldLayoutId id="2147483667" r:id="rId7"/>
-    <p:sldLayoutId id="2147483668" r:id="rId8"/>
-    <p:sldLayoutId id="2147483669" r:id="rId9"/>
-    <p:sldLayoutId id="2147483670" r:id="rId10"/>
-    <p:sldLayoutId id="2147483671" r:id="rId11"/>
+    <p:sldLayoutId id="2147483673" r:id="rId1"/>
+    <p:sldLayoutId id="2147483674" r:id="rId2"/>
+    <p:sldLayoutId id="2147483675" r:id="rId3"/>
+    <p:sldLayoutId id="2147483676" r:id="rId4"/>
+    <p:sldLayoutId id="2147483677" r:id="rId5"/>
+    <p:sldLayoutId id="2147483678" r:id="rId6"/>
+    <p:sldLayoutId id="2147483679" r:id="rId7"/>
+    <p:sldLayoutId id="2147483680" r:id="rId8"/>
+    <p:sldLayoutId id="2147483681" r:id="rId9"/>
+    <p:sldLayoutId id="2147483682" r:id="rId10"/>
+    <p:sldLayoutId id="2147483683" r:id="rId11"/>
   </p:sldLayoutIdLst>
   <p:txStyles>
     <p:titleStyle>
-      <a:lvl1pPr algn="l" defTabSz="391363" rtl="0" eaLnBrk="1" latinLnBrk="0" hangingPunct="1">
+      <a:lvl1pPr algn="l" defTabSz="131674" rtl="0" eaLnBrk="1" latinLnBrk="0" hangingPunct="1">
         <a:lnSpc>
           <a:spcPct val="90000"/>
         </a:lnSpc>
@@ -2679,7 +2686,7 @@
           <a:spcPct val="0"/>
         </a:spcBef>
         <a:buNone/>
-        <a:defRPr sz="1883" kern="1200">
+        <a:defRPr sz="634" kern="1200">
           <a:solidFill>
             <a:schemeClr val="tx1"/>
           </a:solidFill>
@@ -2690,16 +2697,16 @@
       </a:lvl1pPr>
     </p:titleStyle>
     <p:bodyStyle>
-      <a:lvl1pPr marL="97841" indent="-97841" algn="l" defTabSz="391363" rtl="0" eaLnBrk="1" latinLnBrk="0" hangingPunct="1">
+      <a:lvl1pPr marL="32918" indent="-32918" algn="l" defTabSz="131674" rtl="0" eaLnBrk="1" latinLnBrk="0" hangingPunct="1">
         <a:lnSpc>
           <a:spcPct val="90000"/>
         </a:lnSpc>
         <a:spcBef>
-          <a:spcPts val="428"/>
+          <a:spcPts val="144"/>
         </a:spcBef>
         <a:buFont typeface="Arial" panose="020B0604020202020204" pitchFamily="34" charset="0"/>
         <a:buChar char="•"/>
-        <a:defRPr sz="1198" kern="1200">
+        <a:defRPr sz="403" kern="1200">
           <a:solidFill>
             <a:schemeClr val="tx1"/>
           </a:solidFill>
@@ -2708,16 +2715,16 @@
           <a:cs typeface="+mn-cs"/>
         </a:defRPr>
       </a:lvl1pPr>
-      <a:lvl2pPr marL="293522" indent="-97841" algn="l" defTabSz="391363" rtl="0" eaLnBrk="1" latinLnBrk="0" hangingPunct="1">
+      <a:lvl2pPr marL="98755" indent="-32918" algn="l" defTabSz="131674" rtl="0" eaLnBrk="1" latinLnBrk="0" hangingPunct="1">
         <a:lnSpc>
           <a:spcPct val="90000"/>
         </a:lnSpc>
         <a:spcBef>
-          <a:spcPts val="214"/>
+          <a:spcPts val="72"/>
         </a:spcBef>
         <a:buFont typeface="Arial" panose="020B0604020202020204" pitchFamily="34" charset="0"/>
         <a:buChar char="•"/>
-        <a:defRPr sz="1027" kern="1200">
+        <a:defRPr sz="346" kern="1200">
           <a:solidFill>
             <a:schemeClr val="tx1"/>
           </a:solidFill>
@@ -2726,16 +2733,16 @@
           <a:cs typeface="+mn-cs"/>
         </a:defRPr>
       </a:lvl2pPr>
-      <a:lvl3pPr marL="489204" indent="-97841" algn="l" defTabSz="391363" rtl="0" eaLnBrk="1" latinLnBrk="0" hangingPunct="1">
+      <a:lvl3pPr marL="164592" indent="-32918" algn="l" defTabSz="131674" rtl="0" eaLnBrk="1" latinLnBrk="0" hangingPunct="1">
         <a:lnSpc>
           <a:spcPct val="90000"/>
         </a:lnSpc>
         <a:spcBef>
-          <a:spcPts val="214"/>
+          <a:spcPts val="72"/>
         </a:spcBef>
         <a:buFont typeface="Arial" panose="020B0604020202020204" pitchFamily="34" charset="0"/>
         <a:buChar char="•"/>
-        <a:defRPr sz="856" kern="1200">
+        <a:defRPr sz="288" kern="1200">
           <a:solidFill>
             <a:schemeClr val="tx1"/>
           </a:solidFill>
@@ -2744,16 +2751,16 @@
           <a:cs typeface="+mn-cs"/>
         </a:defRPr>
       </a:lvl3pPr>
-      <a:lvl4pPr marL="684886" indent="-97841" algn="l" defTabSz="391363" rtl="0" eaLnBrk="1" latinLnBrk="0" hangingPunct="1">
+      <a:lvl4pPr marL="230429" indent="-32918" algn="l" defTabSz="131674" rtl="0" eaLnBrk="1" latinLnBrk="0" hangingPunct="1">
         <a:lnSpc>
           <a:spcPct val="90000"/>
         </a:lnSpc>
         <a:spcBef>
-          <a:spcPts val="214"/>
+          <a:spcPts val="72"/>
         </a:spcBef>
         <a:buFont typeface="Arial" panose="020B0604020202020204" pitchFamily="34" charset="0"/>
         <a:buChar char="•"/>
-        <a:defRPr sz="770" kern="1200">
+        <a:defRPr sz="259" kern="1200">
           <a:solidFill>
             <a:schemeClr val="tx1"/>
           </a:solidFill>
@@ -2762,16 +2769,16 @@
           <a:cs typeface="+mn-cs"/>
         </a:defRPr>
       </a:lvl4pPr>
-      <a:lvl5pPr marL="880567" indent="-97841" algn="l" defTabSz="391363" rtl="0" eaLnBrk="1" latinLnBrk="0" hangingPunct="1">
+      <a:lvl5pPr marL="296266" indent="-32918" algn="l" defTabSz="131674" rtl="0" eaLnBrk="1" latinLnBrk="0" hangingPunct="1">
         <a:lnSpc>
           <a:spcPct val="90000"/>
         </a:lnSpc>
         <a:spcBef>
-          <a:spcPts val="214"/>
+          <a:spcPts val="72"/>
         </a:spcBef>
         <a:buFont typeface="Arial" panose="020B0604020202020204" pitchFamily="34" charset="0"/>
         <a:buChar char="•"/>
-        <a:defRPr sz="770" kern="1200">
+        <a:defRPr sz="259" kern="1200">
           <a:solidFill>
             <a:schemeClr val="tx1"/>
           </a:solidFill>
@@ -2780,16 +2787,16 @@
           <a:cs typeface="+mn-cs"/>
         </a:defRPr>
       </a:lvl5pPr>
-      <a:lvl6pPr marL="1076249" indent="-97841" algn="l" defTabSz="391363" rtl="0" eaLnBrk="1" latinLnBrk="0" hangingPunct="1">
+      <a:lvl6pPr marL="362102" indent="-32918" algn="l" defTabSz="131674" rtl="0" eaLnBrk="1" latinLnBrk="0" hangingPunct="1">
         <a:lnSpc>
           <a:spcPct val="90000"/>
         </a:lnSpc>
         <a:spcBef>
-          <a:spcPts val="214"/>
+          <a:spcPts val="72"/>
         </a:spcBef>
         <a:buFont typeface="Arial" panose="020B0604020202020204" pitchFamily="34" charset="0"/>
         <a:buChar char="•"/>
-        <a:defRPr sz="770" kern="1200">
+        <a:defRPr sz="259" kern="1200">
           <a:solidFill>
             <a:schemeClr val="tx1"/>
           </a:solidFill>
@@ -2798,16 +2805,16 @@
           <a:cs typeface="+mn-cs"/>
         </a:defRPr>
       </a:lvl6pPr>
-      <a:lvl7pPr marL="1271930" indent="-97841" algn="l" defTabSz="391363" rtl="0" eaLnBrk="1" latinLnBrk="0" hangingPunct="1">
+      <a:lvl7pPr marL="427939" indent="-32918" algn="l" defTabSz="131674" rtl="0" eaLnBrk="1" latinLnBrk="0" hangingPunct="1">
         <a:lnSpc>
           <a:spcPct val="90000"/>
         </a:lnSpc>
         <a:spcBef>
-          <a:spcPts val="214"/>
+          <a:spcPts val="72"/>
         </a:spcBef>
         <a:buFont typeface="Arial" panose="020B0604020202020204" pitchFamily="34" charset="0"/>
         <a:buChar char="•"/>
-        <a:defRPr sz="770" kern="1200">
+        <a:defRPr sz="259" kern="1200">
           <a:solidFill>
             <a:schemeClr val="tx1"/>
           </a:solidFill>
@@ -2816,16 +2823,16 @@
           <a:cs typeface="+mn-cs"/>
         </a:defRPr>
       </a:lvl7pPr>
-      <a:lvl8pPr marL="1467612" indent="-97841" algn="l" defTabSz="391363" rtl="0" eaLnBrk="1" latinLnBrk="0" hangingPunct="1">
+      <a:lvl8pPr marL="493776" indent="-32918" algn="l" defTabSz="131674" rtl="0" eaLnBrk="1" latinLnBrk="0" hangingPunct="1">
         <a:lnSpc>
           <a:spcPct val="90000"/>
         </a:lnSpc>
         <a:spcBef>
-          <a:spcPts val="214"/>
+          <a:spcPts val="72"/>
         </a:spcBef>
         <a:buFont typeface="Arial" panose="020B0604020202020204" pitchFamily="34" charset="0"/>
         <a:buChar char="•"/>
-        <a:defRPr sz="770" kern="1200">
+        <a:defRPr sz="259" kern="1200">
           <a:solidFill>
             <a:schemeClr val="tx1"/>
           </a:solidFill>
@@ -2834,16 +2841,16 @@
           <a:cs typeface="+mn-cs"/>
         </a:defRPr>
       </a:lvl8pPr>
-      <a:lvl9pPr marL="1663294" indent="-97841" algn="l" defTabSz="391363" rtl="0" eaLnBrk="1" latinLnBrk="0" hangingPunct="1">
+      <a:lvl9pPr marL="559613" indent="-32918" algn="l" defTabSz="131674" rtl="0" eaLnBrk="1" latinLnBrk="0" hangingPunct="1">
         <a:lnSpc>
           <a:spcPct val="90000"/>
         </a:lnSpc>
         <a:spcBef>
-          <a:spcPts val="214"/>
+          <a:spcPts val="72"/>
         </a:spcBef>
         <a:buFont typeface="Arial" panose="020B0604020202020204" pitchFamily="34" charset="0"/>
         <a:buChar char="•"/>
-        <a:defRPr sz="770" kern="1200">
+        <a:defRPr sz="259" kern="1200">
           <a:solidFill>
             <a:schemeClr val="tx1"/>
           </a:solidFill>
@@ -2857,8 +2864,8 @@
       <a:defPPr>
         <a:defRPr lang="en-US"/>
       </a:defPPr>
-      <a:lvl1pPr marL="0" algn="l" defTabSz="391363" rtl="0" eaLnBrk="1" latinLnBrk="0" hangingPunct="1">
-        <a:defRPr sz="770" kern="1200">
+      <a:lvl1pPr marL="0" algn="l" defTabSz="131674" rtl="0" eaLnBrk="1" latinLnBrk="0" hangingPunct="1">
+        <a:defRPr sz="259" kern="1200">
           <a:solidFill>
             <a:schemeClr val="tx1"/>
           </a:solidFill>
@@ -2867,8 +2874,8 @@
           <a:cs typeface="+mn-cs"/>
         </a:defRPr>
       </a:lvl1pPr>
-      <a:lvl2pPr marL="195682" algn="l" defTabSz="391363" rtl="0" eaLnBrk="1" latinLnBrk="0" hangingPunct="1">
-        <a:defRPr sz="770" kern="1200">
+      <a:lvl2pPr marL="65837" algn="l" defTabSz="131674" rtl="0" eaLnBrk="1" latinLnBrk="0" hangingPunct="1">
+        <a:defRPr sz="259" kern="1200">
           <a:solidFill>
             <a:schemeClr val="tx1"/>
           </a:solidFill>
@@ -2877,8 +2884,8 @@
           <a:cs typeface="+mn-cs"/>
         </a:defRPr>
       </a:lvl2pPr>
-      <a:lvl3pPr marL="391363" algn="l" defTabSz="391363" rtl="0" eaLnBrk="1" latinLnBrk="0" hangingPunct="1">
-        <a:defRPr sz="770" kern="1200">
+      <a:lvl3pPr marL="131674" algn="l" defTabSz="131674" rtl="0" eaLnBrk="1" latinLnBrk="0" hangingPunct="1">
+        <a:defRPr sz="259" kern="1200">
           <a:solidFill>
             <a:schemeClr val="tx1"/>
           </a:solidFill>
@@ -2887,8 +2894,8 @@
           <a:cs typeface="+mn-cs"/>
         </a:defRPr>
       </a:lvl3pPr>
-      <a:lvl4pPr marL="587045" algn="l" defTabSz="391363" rtl="0" eaLnBrk="1" latinLnBrk="0" hangingPunct="1">
-        <a:defRPr sz="770" kern="1200">
+      <a:lvl4pPr marL="197510" algn="l" defTabSz="131674" rtl="0" eaLnBrk="1" latinLnBrk="0" hangingPunct="1">
+        <a:defRPr sz="259" kern="1200">
           <a:solidFill>
             <a:schemeClr val="tx1"/>
           </a:solidFill>
@@ -2897,8 +2904,8 @@
           <a:cs typeface="+mn-cs"/>
         </a:defRPr>
       </a:lvl4pPr>
-      <a:lvl5pPr marL="782726" algn="l" defTabSz="391363" rtl="0" eaLnBrk="1" latinLnBrk="0" hangingPunct="1">
-        <a:defRPr sz="770" kern="1200">
+      <a:lvl5pPr marL="263347" algn="l" defTabSz="131674" rtl="0" eaLnBrk="1" latinLnBrk="0" hangingPunct="1">
+        <a:defRPr sz="259" kern="1200">
           <a:solidFill>
             <a:schemeClr val="tx1"/>
           </a:solidFill>
@@ -2907,8 +2914,8 @@
           <a:cs typeface="+mn-cs"/>
         </a:defRPr>
       </a:lvl5pPr>
-      <a:lvl6pPr marL="978408" algn="l" defTabSz="391363" rtl="0" eaLnBrk="1" latinLnBrk="0" hangingPunct="1">
-        <a:defRPr sz="770" kern="1200">
+      <a:lvl6pPr marL="329184" algn="l" defTabSz="131674" rtl="0" eaLnBrk="1" latinLnBrk="0" hangingPunct="1">
+        <a:defRPr sz="259" kern="1200">
           <a:solidFill>
             <a:schemeClr val="tx1"/>
           </a:solidFill>
@@ -2917,8 +2924,8 @@
           <a:cs typeface="+mn-cs"/>
         </a:defRPr>
       </a:lvl6pPr>
-      <a:lvl7pPr marL="1174090" algn="l" defTabSz="391363" rtl="0" eaLnBrk="1" latinLnBrk="0" hangingPunct="1">
-        <a:defRPr sz="770" kern="1200">
+      <a:lvl7pPr marL="395021" algn="l" defTabSz="131674" rtl="0" eaLnBrk="1" latinLnBrk="0" hangingPunct="1">
+        <a:defRPr sz="259" kern="1200">
           <a:solidFill>
             <a:schemeClr val="tx1"/>
           </a:solidFill>
@@ -2927,8 +2934,8 @@
           <a:cs typeface="+mn-cs"/>
         </a:defRPr>
       </a:lvl7pPr>
-      <a:lvl8pPr marL="1369771" algn="l" defTabSz="391363" rtl="0" eaLnBrk="1" latinLnBrk="0" hangingPunct="1">
-        <a:defRPr sz="770" kern="1200">
+      <a:lvl8pPr marL="460858" algn="l" defTabSz="131674" rtl="0" eaLnBrk="1" latinLnBrk="0" hangingPunct="1">
+        <a:defRPr sz="259" kern="1200">
           <a:solidFill>
             <a:schemeClr val="tx1"/>
           </a:solidFill>
@@ -2937,8 +2944,8 @@
           <a:cs typeface="+mn-cs"/>
         </a:defRPr>
       </a:lvl8pPr>
-      <a:lvl9pPr marL="1565453" algn="l" defTabSz="391363" rtl="0" eaLnBrk="1" latinLnBrk="0" hangingPunct="1">
-        <a:defRPr sz="770" kern="1200">
+      <a:lvl9pPr marL="526694" algn="l" defTabSz="131674" rtl="0" eaLnBrk="1" latinLnBrk="0" hangingPunct="1">
+        <a:defRPr sz="259" kern="1200">
           <a:solidFill>
             <a:schemeClr val="tx1"/>
           </a:solidFill>
@@ -2983,8 +2990,8 @@
         </p:nvSpPr>
         <p:spPr>
           <a:xfrm>
-            <a:off x="5104329" y="-1956"/>
-            <a:ext cx="3317359" cy="1350335"/>
+            <a:off x="3459722" y="0"/>
+            <a:ext cx="3206191" cy="374190"/>
           </a:xfrm>
           <a:prstGeom prst="roundRect">
             <a:avLst/>
@@ -3025,7 +3032,7 @@
           <a:p>
             <a:pPr algn="ctr"/>
             <a:r>
-              <a:rPr lang="en-US" sz="3200" b="1" dirty="0">
+              <a:rPr lang="en-US" sz="1800" b="1" dirty="0">
                 <a:solidFill>
                   <a:schemeClr val="tx1"/>
                 </a:solidFill>
@@ -3040,10 +3047,10 @@
       </p:sp>
       <p:sp>
         <p:nvSpPr>
-          <p:cNvPr id="7" name="Rounded Rectangle 6">
+          <p:cNvPr id="8" name="Rounded Rectangle 7">
             <a:extLst>
               <a:ext uri="{FF2B5EF4-FFF2-40B4-BE49-F238E27FC236}">
-                <a16:creationId xmlns:a16="http://schemas.microsoft.com/office/drawing/2014/main" id="{E1CF56C5-7F81-934C-B1B7-EDCF9C8157AF}"/>
+                <a16:creationId xmlns:a16="http://schemas.microsoft.com/office/drawing/2014/main" id="{113C0142-E6EA-5A45-934A-7819FD86E179}"/>
               </a:ext>
             </a:extLst>
           </p:cNvPr>
@@ -3052,8 +3059,8 @@
         </p:nvSpPr>
         <p:spPr>
           <a:xfrm>
-            <a:off x="5104329" y="1584953"/>
-            <a:ext cx="3317359" cy="1350335"/>
+            <a:off x="-1924" y="299243"/>
+            <a:ext cx="2560932" cy="389938"/>
           </a:xfrm>
           <a:prstGeom prst="roundRect">
             <a:avLst/>
@@ -3094,76 +3101,7 @@
           <a:p>
             <a:pPr algn="ctr"/>
             <a:r>
-              <a:rPr lang="en-US" sz="3200" b="1" dirty="0">
-                <a:solidFill>
-                  <a:schemeClr val="tx1"/>
-                </a:solidFill>
-                <a:latin typeface="Helvetica" pitchFamily="2" charset="0"/>
-                <a:ea typeface="Helvetica Neue Medium" panose="02000503000000020004" pitchFamily="2" charset="0"/>
-                <a:cs typeface="Helvetica Neue Medium" panose="02000503000000020004" pitchFamily="2" charset="0"/>
-              </a:rPr>
-              <a:t>Trade deficits</a:t>
-            </a:r>
-          </a:p>
-        </p:txBody>
-      </p:sp>
-      <p:sp>
-        <p:nvSpPr>
-          <p:cNvPr id="8" name="Rounded Rectangle 7">
-            <a:extLst>
-              <a:ext uri="{FF2B5EF4-FFF2-40B4-BE49-F238E27FC236}">
-                <a16:creationId xmlns:a16="http://schemas.microsoft.com/office/drawing/2014/main" id="{113C0142-E6EA-5A45-934A-7819FD86E179}"/>
-              </a:ext>
-            </a:extLst>
-          </p:cNvPr>
-          <p:cNvSpPr/>
-          <p:nvPr/>
-        </p:nvSpPr>
-        <p:spPr>
-          <a:xfrm>
-            <a:off x="4242" y="791499"/>
-            <a:ext cx="3317359" cy="1350335"/>
-          </a:xfrm>
-          <a:prstGeom prst="roundRect">
-            <a:avLst/>
-          </a:prstGeom>
-          <a:solidFill>
-            <a:schemeClr val="bg1">
-              <a:lumMod val="85000"/>
-            </a:schemeClr>
-          </a:solidFill>
-          <a:ln>
-            <a:noFill/>
-          </a:ln>
-        </p:spPr>
-        <p:style>
-          <a:lnRef idx="2">
-            <a:schemeClr val="accent1">
-              <a:shade val="50000"/>
-            </a:schemeClr>
-          </a:lnRef>
-          <a:fillRef idx="1">
-            <a:schemeClr val="accent1"/>
-          </a:fillRef>
-          <a:effectRef idx="0">
-            <a:schemeClr val="accent1"/>
-          </a:effectRef>
-          <a:fontRef idx="minor">
-            <a:schemeClr val="lt1"/>
-          </a:fontRef>
-        </p:style>
-        <p:txBody>
-          <a:bodyPr rot="0" spcFirstLastPara="0" vertOverflow="overflow" horzOverflow="overflow" vert="horz" wrap="square" lIns="91440" tIns="45720" rIns="91440" bIns="45720" numCol="1" spcCol="0" rtlCol="0" fromWordArt="0" anchor="ctr" anchorCtr="0" forceAA="0" compatLnSpc="1">
-            <a:prstTxWarp prst="textNoShape">
-              <a:avLst/>
-            </a:prstTxWarp>
-            <a:noAutofit/>
-          </a:bodyPr>
-          <a:lstStyle/>
-          <a:p>
-            <a:pPr algn="ctr"/>
-            <a:r>
-              <a:rPr lang="en-US" sz="3200" b="1" dirty="0">
+              <a:rPr lang="en-US" sz="1800" b="1" dirty="0">
                 <a:solidFill>
                   <a:schemeClr val="tx1"/>
                 </a:solidFill>
@@ -3194,15 +3132,18 @@
         </p:nvCxnSpPr>
         <p:spPr>
           <a:xfrm flipV="1">
-            <a:off x="3321602" y="673212"/>
-            <a:ext cx="1782727" cy="793455"/>
+            <a:off x="2559009" y="187095"/>
+            <a:ext cx="900713" cy="307117"/>
           </a:xfrm>
           <a:prstGeom prst="straightConnector1">
             <a:avLst/>
           </a:prstGeom>
-          <a:ln w="76200">
+          <a:ln w="28575">
             <a:solidFill>
-              <a:schemeClr val="tx1"/>
+              <a:schemeClr val="tx1">
+                <a:lumMod val="75000"/>
+                <a:lumOff val="25000"/>
+              </a:schemeClr>
             </a:solidFill>
             <a:tailEnd type="triangle"/>
           </a:ln>
@@ -3234,21 +3175,24 @@
           <p:cNvCxnSpPr>
             <a:cxnSpLocks/>
             <a:stCxn id="8" idx="3"/>
-            <a:endCxn id="7" idx="1"/>
+            <a:endCxn id="17" idx="1"/>
           </p:cNvCxnSpPr>
           <p:nvPr/>
         </p:nvCxnSpPr>
         <p:spPr>
           <a:xfrm>
-            <a:off x="3321602" y="1466667"/>
-            <a:ext cx="1782727" cy="793454"/>
+            <a:off x="2559008" y="494212"/>
+            <a:ext cx="900712" cy="307117"/>
           </a:xfrm>
           <a:prstGeom prst="straightConnector1">
             <a:avLst/>
           </a:prstGeom>
-          <a:ln w="76200">
+          <a:ln w="28575">
             <a:solidFill>
-              <a:schemeClr val="tx1"/>
+              <a:schemeClr val="tx1">
+                <a:lumMod val="75000"/>
+                <a:lumOff val="25000"/>
+              </a:schemeClr>
             </a:solidFill>
             <a:tailEnd type="triangle"/>
           </a:ln>
@@ -3268,42 +3212,12 @@
           </a:fontRef>
         </p:style>
       </p:cxnSp>
-    </p:spTree>
-    <p:extLst>
-      <p:ext uri="{BB962C8B-B14F-4D97-AF65-F5344CB8AC3E}">
-        <p14:creationId xmlns:p14="http://schemas.microsoft.com/office/powerpoint/2010/main" val="2546375138"/>
-      </p:ext>
-    </p:extLst>
-  </p:cSld>
-  <p:clrMapOvr>
-    <a:masterClrMapping/>
-  </p:clrMapOvr>
-</p:sld>
-</file>
-
-<file path=ppt/slides/slide2.xml><?xml version="1.0" encoding="utf-8"?>
-<p:sld xmlns:a="http://schemas.openxmlformats.org/drawingml/2006/main" xmlns:r="http://schemas.openxmlformats.org/officeDocument/2006/relationships" xmlns:p="http://schemas.openxmlformats.org/presentationml/2006/main">
-  <p:cSld>
-    <p:spTree>
-      <p:nvGrpSpPr>
-        <p:cNvPr id="1" name=""/>
-        <p:cNvGrpSpPr/>
-        <p:nvPr/>
-      </p:nvGrpSpPr>
-      <p:grpSpPr>
-        <a:xfrm>
-          <a:off x="0" y="0"/>
-          <a:ext cx="0" cy="0"/>
-          <a:chOff x="0" y="0"/>
-          <a:chExt cx="0" cy="0"/>
-        </a:xfrm>
-      </p:grpSpPr>
-      <p:sp>
-        <p:nvSpPr>
-          <p:cNvPr id="6" name="Rounded Rectangle 5">
+      <p:sp>
+        <p:nvSpPr>
+          <p:cNvPr id="2" name="Rectangle 1">
             <a:extLst>
               <a:ext uri="{FF2B5EF4-FFF2-40B4-BE49-F238E27FC236}">
-                <a16:creationId xmlns:a16="http://schemas.microsoft.com/office/drawing/2014/main" id="{8AA4C072-4BF5-9548-9AF0-23891D0D46B7}"/>
+                <a16:creationId xmlns:a16="http://schemas.microsoft.com/office/drawing/2014/main" id="{6BB7B98B-8354-774D-B024-5F9DA80FF45E}"/>
               </a:ext>
             </a:extLst>
           </p:cNvPr>
@@ -3312,8 +3226,47 @@
         </p:nvSpPr>
         <p:spPr>
           <a:xfrm>
-            <a:off x="5104329" y="-1956"/>
-            <a:ext cx="3317359" cy="1350335"/>
+            <a:off x="2746078" y="63654"/>
+            <a:ext cx="490840" cy="276999"/>
+          </a:xfrm>
+          <a:prstGeom prst="rect">
+            <a:avLst/>
+          </a:prstGeom>
+        </p:spPr>
+        <p:txBody>
+          <a:bodyPr wrap="none">
+            <a:spAutoFit/>
+          </a:bodyPr>
+          <a:lstStyle/>
+          <a:p>
+            <a:r>
+              <a:rPr lang="en-US" sz="1200" b="1" dirty="0">
+                <a:latin typeface="Helvetica" pitchFamily="2" charset="0"/>
+                <a:ea typeface="Helvetica Neue Medium" panose="02000503000000020004" pitchFamily="2" charset="0"/>
+                <a:cs typeface="Helvetica Neue Medium" panose="02000503000000020004" pitchFamily="2" charset="0"/>
+              </a:rPr>
+              <a:t>75%</a:t>
+            </a:r>
+            <a:endParaRPr lang="en-US" sz="1200" dirty="0"/>
+          </a:p>
+        </p:txBody>
+      </p:sp>
+      <p:sp>
+        <p:nvSpPr>
+          <p:cNvPr id="17" name="Rounded Rectangle 16">
+            <a:extLst>
+              <a:ext uri="{FF2B5EF4-FFF2-40B4-BE49-F238E27FC236}">
+                <a16:creationId xmlns:a16="http://schemas.microsoft.com/office/drawing/2014/main" id="{8E9AE9C6-EBE8-8F46-A7A2-D2E2E2C711E9}"/>
+              </a:ext>
+            </a:extLst>
+          </p:cNvPr>
+          <p:cNvSpPr/>
+          <p:nvPr/>
+        </p:nvSpPr>
+        <p:spPr>
+          <a:xfrm>
+            <a:off x="3459721" y="614234"/>
+            <a:ext cx="3206191" cy="374190"/>
           </a:xfrm>
           <a:prstGeom prst="roundRect">
             <a:avLst/>
@@ -3354,7 +3307,7 @@
           <a:p>
             <a:pPr algn="ctr"/>
             <a:r>
-              <a:rPr lang="en-US" sz="3200" b="1" dirty="0">
+              <a:rPr lang="en-US" sz="1800" b="1" dirty="0">
                 <a:solidFill>
                   <a:schemeClr val="tx1"/>
                 </a:solidFill>
@@ -3362,17 +3315,17 @@
                 <a:ea typeface="Helvetica Neue Medium" panose="02000503000000020004" pitchFamily="2" charset="0"/>
                 <a:cs typeface="Helvetica Neue Medium" panose="02000503000000020004" pitchFamily="2" charset="0"/>
               </a:rPr>
-              <a:t>Retirement savings</a:t>
-            </a:r>
-          </a:p>
-        </p:txBody>
-      </p:sp>
-      <p:sp>
-        <p:nvSpPr>
-          <p:cNvPr id="7" name="Rounded Rectangle 6">
+              <a:t>Trade deficits</a:t>
+            </a:r>
+          </a:p>
+        </p:txBody>
+      </p:sp>
+      <p:sp>
+        <p:nvSpPr>
+          <p:cNvPr id="22" name="Rectangle 21">
             <a:extLst>
               <a:ext uri="{FF2B5EF4-FFF2-40B4-BE49-F238E27FC236}">
-                <a16:creationId xmlns:a16="http://schemas.microsoft.com/office/drawing/2014/main" id="{E1CF56C5-7F81-934C-B1B7-EDCF9C8157AF}"/>
+                <a16:creationId xmlns:a16="http://schemas.microsoft.com/office/drawing/2014/main" id="{6CD4E334-CEF6-5C44-8007-A04C5004FDF5}"/>
               </a:ext>
             </a:extLst>
           </p:cNvPr>
@@ -3381,8 +3334,77 @@
         </p:nvSpPr>
         <p:spPr>
           <a:xfrm>
-            <a:off x="5104329" y="1584953"/>
-            <a:ext cx="3317359" cy="1350335"/>
+            <a:off x="2763944" y="654505"/>
+            <a:ext cx="490840" cy="276999"/>
+          </a:xfrm>
+          <a:prstGeom prst="rect">
+            <a:avLst/>
+          </a:prstGeom>
+        </p:spPr>
+        <p:txBody>
+          <a:bodyPr wrap="none">
+            <a:spAutoFit/>
+          </a:bodyPr>
+          <a:lstStyle/>
+          <a:p>
+            <a:r>
+              <a:rPr lang="en-US" sz="1200" b="1" dirty="0">
+                <a:latin typeface="Helvetica" pitchFamily="2" charset="0"/>
+                <a:ea typeface="Helvetica Neue Medium" panose="02000503000000020004" pitchFamily="2" charset="0"/>
+                <a:cs typeface="Helvetica Neue Medium" panose="02000503000000020004" pitchFamily="2" charset="0"/>
+              </a:rPr>
+              <a:t>75%</a:t>
+            </a:r>
+            <a:endParaRPr lang="en-US" sz="1200" dirty="0"/>
+          </a:p>
+        </p:txBody>
+      </p:sp>
+    </p:spTree>
+    <p:extLst>
+      <p:ext uri="{BB962C8B-B14F-4D97-AF65-F5344CB8AC3E}">
+        <p14:creationId xmlns:p14="http://schemas.microsoft.com/office/powerpoint/2010/main" val="3437680589"/>
+      </p:ext>
+    </p:extLst>
+  </p:cSld>
+  <p:clrMapOvr>
+    <a:masterClrMapping/>
+  </p:clrMapOvr>
+</p:sld>
+</file>
+
+<file path=ppt/slides/slide2.xml><?xml version="1.0" encoding="utf-8"?>
+<p:sld xmlns:a="http://schemas.openxmlformats.org/drawingml/2006/main" xmlns:r="http://schemas.openxmlformats.org/officeDocument/2006/relationships" xmlns:p="http://schemas.openxmlformats.org/presentationml/2006/main">
+  <p:cSld>
+    <p:spTree>
+      <p:nvGrpSpPr>
+        <p:cNvPr id="1" name=""/>
+        <p:cNvGrpSpPr/>
+        <p:nvPr/>
+      </p:nvGrpSpPr>
+      <p:grpSpPr>
+        <a:xfrm>
+          <a:off x="0" y="0"/>
+          <a:ext cx="0" cy="0"/>
+          <a:chOff x="0" y="0"/>
+          <a:chExt cx="0" cy="0"/>
+        </a:xfrm>
+      </p:grpSpPr>
+      <p:sp>
+        <p:nvSpPr>
+          <p:cNvPr id="6" name="Rounded Rectangle 5">
+            <a:extLst>
+              <a:ext uri="{FF2B5EF4-FFF2-40B4-BE49-F238E27FC236}">
+                <a16:creationId xmlns:a16="http://schemas.microsoft.com/office/drawing/2014/main" id="{8AA4C072-4BF5-9548-9AF0-23891D0D46B7}"/>
+              </a:ext>
+            </a:extLst>
+          </p:cNvPr>
+          <p:cNvSpPr/>
+          <p:nvPr/>
+        </p:nvSpPr>
+        <p:spPr>
+          <a:xfrm>
+            <a:off x="3459722" y="0"/>
+            <a:ext cx="3206191" cy="374190"/>
           </a:xfrm>
           <a:prstGeom prst="roundRect">
             <a:avLst/>
@@ -3423,7 +3445,7 @@
           <a:p>
             <a:pPr algn="ctr"/>
             <a:r>
-              <a:rPr lang="en-US" sz="3200" b="1" dirty="0">
+              <a:rPr lang="en-US" sz="1800" b="1" dirty="0">
                 <a:solidFill>
                   <a:schemeClr val="tx1"/>
                 </a:solidFill>
@@ -3431,7 +3453,7 @@
                 <a:ea typeface="Helvetica Neue Medium" panose="02000503000000020004" pitchFamily="2" charset="0"/>
                 <a:cs typeface="Helvetica Neue Medium" panose="02000503000000020004" pitchFamily="2" charset="0"/>
               </a:rPr>
-              <a:t>Trade deficits</a:t>
+              <a:t>High retirement savings</a:t>
             </a:r>
           </a:p>
         </p:txBody>
@@ -3450,8 +3472,8 @@
         </p:nvSpPr>
         <p:spPr>
           <a:xfrm>
-            <a:off x="4242" y="791499"/>
-            <a:ext cx="3317359" cy="1350335"/>
+            <a:off x="-1924" y="299243"/>
+            <a:ext cx="2560932" cy="389938"/>
           </a:xfrm>
           <a:prstGeom prst="roundRect">
             <a:avLst/>
@@ -3492,7 +3514,7 @@
           <a:p>
             <a:pPr algn="ctr"/>
             <a:r>
-              <a:rPr lang="en-US" sz="3200" b="1" dirty="0">
+              <a:rPr lang="en-US" sz="1800" b="1" dirty="0">
                 <a:solidFill>
                   <a:schemeClr val="tx1"/>
                 </a:solidFill>
@@ -3500,7 +3522,7 @@
                 <a:ea typeface="Helvetica Neue Medium" panose="02000503000000020004" pitchFamily="2" charset="0"/>
                 <a:cs typeface="Helvetica Neue Medium" panose="02000503000000020004" pitchFamily="2" charset="0"/>
               </a:rPr>
-              <a:t>Interest rates</a:t>
+              <a:t>Low interest rates</a:t>
             </a:r>
           </a:p>
         </p:txBody>
@@ -3523,15 +3545,18 @@
         </p:nvCxnSpPr>
         <p:spPr>
           <a:xfrm flipV="1">
-            <a:off x="3321602" y="673212"/>
-            <a:ext cx="1782727" cy="793455"/>
+            <a:off x="2559009" y="187095"/>
+            <a:ext cx="900713" cy="307117"/>
           </a:xfrm>
           <a:prstGeom prst="straightConnector1">
             <a:avLst/>
           </a:prstGeom>
-          <a:ln w="76200">
+          <a:ln w="28575">
             <a:solidFill>
-              <a:schemeClr val="tx1"/>
+              <a:schemeClr val="tx1">
+                <a:lumMod val="75000"/>
+                <a:lumOff val="25000"/>
+              </a:schemeClr>
             </a:solidFill>
             <a:tailEnd type="triangle"/>
           </a:ln>
@@ -3563,21 +3588,24 @@
           <p:cNvCxnSpPr>
             <a:cxnSpLocks/>
             <a:stCxn id="8" idx="3"/>
-            <a:endCxn id="7" idx="1"/>
+            <a:endCxn id="17" idx="1"/>
           </p:cNvCxnSpPr>
           <p:nvPr/>
         </p:nvCxnSpPr>
         <p:spPr>
           <a:xfrm>
-            <a:off x="3321602" y="1466667"/>
-            <a:ext cx="1782727" cy="793454"/>
+            <a:off x="2559008" y="494212"/>
+            <a:ext cx="900712" cy="307117"/>
           </a:xfrm>
           <a:prstGeom prst="straightConnector1">
             <a:avLst/>
           </a:prstGeom>
-          <a:ln w="76200">
+          <a:ln w="28575">
             <a:solidFill>
-              <a:schemeClr val="tx1"/>
+              <a:schemeClr val="tx1">
+                <a:lumMod val="75000"/>
+                <a:lumOff val="25000"/>
+              </a:schemeClr>
             </a:solidFill>
             <a:tailEnd type="triangle"/>
           </a:ln>
@@ -3611,8 +3639,8 @@
         </p:nvSpPr>
         <p:spPr>
           <a:xfrm>
-            <a:off x="3795652" y="749861"/>
-            <a:ext cx="595035" cy="338554"/>
+            <a:off x="2746078" y="63654"/>
+            <a:ext cx="490840" cy="276999"/>
           </a:xfrm>
           <a:prstGeom prst="rect">
             <a:avLst/>
@@ -3625,7 +3653,74 @@
           <a:lstStyle/>
           <a:p>
             <a:r>
-              <a:rPr lang="en-US" sz="1600" b="1" dirty="0">
+              <a:rPr lang="en-US" sz="1200" b="1" dirty="0">
+                <a:latin typeface="Helvetica" pitchFamily="2" charset="0"/>
+                <a:ea typeface="Helvetica Neue Medium" panose="02000503000000020004" pitchFamily="2" charset="0"/>
+                <a:cs typeface="Helvetica Neue Medium" panose="02000503000000020004" pitchFamily="2" charset="0"/>
+              </a:rPr>
+              <a:t>75%</a:t>
+            </a:r>
+            <a:endParaRPr lang="en-US" sz="1200" dirty="0"/>
+          </a:p>
+        </p:txBody>
+      </p:sp>
+      <p:sp>
+        <p:nvSpPr>
+          <p:cNvPr id="17" name="Rounded Rectangle 16">
+            <a:extLst>
+              <a:ext uri="{FF2B5EF4-FFF2-40B4-BE49-F238E27FC236}">
+                <a16:creationId xmlns:a16="http://schemas.microsoft.com/office/drawing/2014/main" id="{8E9AE9C6-EBE8-8F46-A7A2-D2E2E2C711E9}"/>
+              </a:ext>
+            </a:extLst>
+          </p:cNvPr>
+          <p:cNvSpPr/>
+          <p:nvPr/>
+        </p:nvSpPr>
+        <p:spPr>
+          <a:xfrm>
+            <a:off x="3459721" y="614234"/>
+            <a:ext cx="3206191" cy="374190"/>
+          </a:xfrm>
+          <a:prstGeom prst="roundRect">
+            <a:avLst/>
+          </a:prstGeom>
+          <a:solidFill>
+            <a:schemeClr val="bg1">
+              <a:lumMod val="85000"/>
+            </a:schemeClr>
+          </a:solidFill>
+          <a:ln>
+            <a:noFill/>
+          </a:ln>
+        </p:spPr>
+        <p:style>
+          <a:lnRef idx="2">
+            <a:schemeClr val="accent1">
+              <a:shade val="50000"/>
+            </a:schemeClr>
+          </a:lnRef>
+          <a:fillRef idx="1">
+            <a:schemeClr val="accent1"/>
+          </a:fillRef>
+          <a:effectRef idx="0">
+            <a:schemeClr val="accent1"/>
+          </a:effectRef>
+          <a:fontRef idx="minor">
+            <a:schemeClr val="lt1"/>
+          </a:fontRef>
+        </p:style>
+        <p:txBody>
+          <a:bodyPr rot="0" spcFirstLastPara="0" vertOverflow="overflow" horzOverflow="overflow" vert="horz" wrap="square" lIns="91440" tIns="45720" rIns="91440" bIns="45720" numCol="1" spcCol="0" rtlCol="0" fromWordArt="0" anchor="ctr" anchorCtr="0" forceAA="0" compatLnSpc="1">
+            <a:prstTxWarp prst="textNoShape">
+              <a:avLst/>
+            </a:prstTxWarp>
+            <a:noAutofit/>
+          </a:bodyPr>
+          <a:lstStyle/>
+          <a:p>
+            <a:pPr algn="ctr"/>
+            <a:r>
+              <a:rPr lang="en-US" sz="1800" b="1" dirty="0">
                 <a:solidFill>
                   <a:schemeClr val="tx1"/>
                 </a:solidFill>
@@ -3633,18 +3728,17 @@
                 <a:ea typeface="Helvetica Neue Medium" panose="02000503000000020004" pitchFamily="2" charset="0"/>
                 <a:cs typeface="Helvetica Neue Medium" panose="02000503000000020004" pitchFamily="2" charset="0"/>
               </a:rPr>
-              <a:t>75%</a:t>
-            </a:r>
-            <a:endParaRPr lang="en-US" sz="1600" dirty="0"/>
-          </a:p>
-        </p:txBody>
-      </p:sp>
-      <p:sp>
-        <p:nvSpPr>
-          <p:cNvPr id="9" name="Rectangle 8">
+              <a:t>Low trade deficits</a:t>
+            </a:r>
+          </a:p>
+        </p:txBody>
+      </p:sp>
+      <p:sp>
+        <p:nvSpPr>
+          <p:cNvPr id="22" name="Rectangle 21">
             <a:extLst>
               <a:ext uri="{FF2B5EF4-FFF2-40B4-BE49-F238E27FC236}">
-                <a16:creationId xmlns:a16="http://schemas.microsoft.com/office/drawing/2014/main" id="{7024E437-97EA-5443-8A61-165495E6213E}"/>
+                <a16:creationId xmlns:a16="http://schemas.microsoft.com/office/drawing/2014/main" id="{6CD4E334-CEF6-5C44-8007-A04C5004FDF5}"/>
               </a:ext>
             </a:extLst>
           </p:cNvPr>
@@ -3653,8 +3747,8 @@
         </p:nvSpPr>
         <p:spPr>
           <a:xfrm>
-            <a:off x="3795651" y="1890117"/>
-            <a:ext cx="595035" cy="338554"/>
+            <a:off x="2763944" y="654505"/>
+            <a:ext cx="490840" cy="276999"/>
           </a:xfrm>
           <a:prstGeom prst="rect">
             <a:avLst/>
@@ -3667,7 +3761,104 @@
           <a:lstStyle/>
           <a:p>
             <a:r>
-              <a:rPr lang="en-US" sz="1600" b="1" dirty="0">
+              <a:rPr lang="en-US" sz="1200" b="1" dirty="0">
+                <a:latin typeface="Helvetica" pitchFamily="2" charset="0"/>
+                <a:ea typeface="Helvetica Neue Medium" panose="02000503000000020004" pitchFamily="2" charset="0"/>
+                <a:cs typeface="Helvetica Neue Medium" panose="02000503000000020004" pitchFamily="2" charset="0"/>
+              </a:rPr>
+              <a:t>75%</a:t>
+            </a:r>
+            <a:endParaRPr lang="en-US" sz="1200" dirty="0"/>
+          </a:p>
+        </p:txBody>
+      </p:sp>
+    </p:spTree>
+    <p:extLst>
+      <p:ext uri="{BB962C8B-B14F-4D97-AF65-F5344CB8AC3E}">
+        <p14:creationId xmlns:p14="http://schemas.microsoft.com/office/powerpoint/2010/main" val="1210712810"/>
+      </p:ext>
+    </p:extLst>
+  </p:cSld>
+  <p:clrMapOvr>
+    <a:masterClrMapping/>
+  </p:clrMapOvr>
+</p:sld>
+</file>
+
+<file path=ppt/slides/slide3.xml><?xml version="1.0" encoding="utf-8"?>
+<p:sld xmlns:a="http://schemas.openxmlformats.org/drawingml/2006/main" xmlns:r="http://schemas.openxmlformats.org/officeDocument/2006/relationships" xmlns:p="http://schemas.openxmlformats.org/presentationml/2006/main">
+  <p:cSld>
+    <p:spTree>
+      <p:nvGrpSpPr>
+        <p:cNvPr id="1" name=""/>
+        <p:cNvGrpSpPr/>
+        <p:nvPr/>
+      </p:nvGrpSpPr>
+      <p:grpSpPr>
+        <a:xfrm>
+          <a:off x="0" y="0"/>
+          <a:ext cx="0" cy="0"/>
+          <a:chOff x="0" y="0"/>
+          <a:chExt cx="0" cy="0"/>
+        </a:xfrm>
+      </p:grpSpPr>
+      <p:sp>
+        <p:nvSpPr>
+          <p:cNvPr id="6" name="Rounded Rectangle 5">
+            <a:extLst>
+              <a:ext uri="{FF2B5EF4-FFF2-40B4-BE49-F238E27FC236}">
+                <a16:creationId xmlns:a16="http://schemas.microsoft.com/office/drawing/2014/main" id="{8AA4C072-4BF5-9548-9AF0-23891D0D46B7}"/>
+              </a:ext>
+            </a:extLst>
+          </p:cNvPr>
+          <p:cNvSpPr/>
+          <p:nvPr/>
+        </p:nvSpPr>
+        <p:spPr>
+          <a:xfrm>
+            <a:off x="3459722" y="0"/>
+            <a:ext cx="3206191" cy="374190"/>
+          </a:xfrm>
+          <a:prstGeom prst="roundRect">
+            <a:avLst/>
+          </a:prstGeom>
+          <a:solidFill>
+            <a:schemeClr val="bg1">
+              <a:lumMod val="85000"/>
+            </a:schemeClr>
+          </a:solidFill>
+          <a:ln>
+            <a:noFill/>
+          </a:ln>
+        </p:spPr>
+        <p:style>
+          <a:lnRef idx="2">
+            <a:schemeClr val="accent1">
+              <a:shade val="50000"/>
+            </a:schemeClr>
+          </a:lnRef>
+          <a:fillRef idx="1">
+            <a:schemeClr val="accent1"/>
+          </a:fillRef>
+          <a:effectRef idx="0">
+            <a:schemeClr val="accent1"/>
+          </a:effectRef>
+          <a:fontRef idx="minor">
+            <a:schemeClr val="lt1"/>
+          </a:fontRef>
+        </p:style>
+        <p:txBody>
+          <a:bodyPr rot="0" spcFirstLastPara="0" vertOverflow="overflow" horzOverflow="overflow" vert="horz" wrap="square" lIns="91440" tIns="45720" rIns="91440" bIns="45720" numCol="1" spcCol="0" rtlCol="0" fromWordArt="0" anchor="ctr" anchorCtr="0" forceAA="0" compatLnSpc="1">
+            <a:prstTxWarp prst="textNoShape">
+              <a:avLst/>
+            </a:prstTxWarp>
+            <a:noAutofit/>
+          </a:bodyPr>
+          <a:lstStyle/>
+          <a:p>
+            <a:pPr algn="ctr"/>
+            <a:r>
+              <a:rPr lang="en-US" sz="1800" b="1" dirty="0">
                 <a:solidFill>
                   <a:schemeClr val="tx1"/>
                 </a:solidFill>
@@ -3675,16 +3866,586 @@
                 <a:ea typeface="Helvetica Neue Medium" panose="02000503000000020004" pitchFamily="2" charset="0"/>
                 <a:cs typeface="Helvetica Neue Medium" panose="02000503000000020004" pitchFamily="2" charset="0"/>
               </a:rPr>
-              <a:t>75%</a:t>
-            </a:r>
-            <a:endParaRPr lang="en-US" sz="1600" dirty="0"/>
+              <a:t>High retirement savings</a:t>
+            </a:r>
+          </a:p>
+        </p:txBody>
+      </p:sp>
+      <p:sp>
+        <p:nvSpPr>
+          <p:cNvPr id="8" name="Rounded Rectangle 7">
+            <a:extLst>
+              <a:ext uri="{FF2B5EF4-FFF2-40B4-BE49-F238E27FC236}">
+                <a16:creationId xmlns:a16="http://schemas.microsoft.com/office/drawing/2014/main" id="{113C0142-E6EA-5A45-934A-7819FD86E179}"/>
+              </a:ext>
+            </a:extLst>
+          </p:cNvPr>
+          <p:cNvSpPr/>
+          <p:nvPr/>
+        </p:nvSpPr>
+        <p:spPr>
+          <a:xfrm>
+            <a:off x="-1924" y="299243"/>
+            <a:ext cx="2560932" cy="389938"/>
+          </a:xfrm>
+          <a:prstGeom prst="roundRect">
+            <a:avLst/>
+          </a:prstGeom>
+          <a:solidFill>
+            <a:schemeClr val="bg1">
+              <a:lumMod val="85000"/>
+            </a:schemeClr>
+          </a:solidFill>
+          <a:ln>
+            <a:noFill/>
+          </a:ln>
+        </p:spPr>
+        <p:style>
+          <a:lnRef idx="2">
+            <a:schemeClr val="accent1">
+              <a:shade val="50000"/>
+            </a:schemeClr>
+          </a:lnRef>
+          <a:fillRef idx="1">
+            <a:schemeClr val="accent1"/>
+          </a:fillRef>
+          <a:effectRef idx="0">
+            <a:schemeClr val="accent1"/>
+          </a:effectRef>
+          <a:fontRef idx="minor">
+            <a:schemeClr val="lt1"/>
+          </a:fontRef>
+        </p:style>
+        <p:txBody>
+          <a:bodyPr rot="0" spcFirstLastPara="0" vertOverflow="overflow" horzOverflow="overflow" vert="horz" wrap="square" lIns="91440" tIns="45720" rIns="91440" bIns="45720" numCol="1" spcCol="0" rtlCol="0" fromWordArt="0" anchor="ctr" anchorCtr="0" forceAA="0" compatLnSpc="1">
+            <a:prstTxWarp prst="textNoShape">
+              <a:avLst/>
+            </a:prstTxWarp>
+            <a:noAutofit/>
+          </a:bodyPr>
+          <a:lstStyle/>
+          <a:p>
+            <a:pPr algn="ctr"/>
+            <a:r>
+              <a:rPr lang="en-US" sz="1800" b="1" dirty="0">
+                <a:solidFill>
+                  <a:schemeClr val="tx1"/>
+                </a:solidFill>
+                <a:latin typeface="Helvetica" pitchFamily="2" charset="0"/>
+                <a:ea typeface="Helvetica Neue Medium" panose="02000503000000020004" pitchFamily="2" charset="0"/>
+                <a:cs typeface="Helvetica Neue Medium" panose="02000503000000020004" pitchFamily="2" charset="0"/>
+              </a:rPr>
+              <a:t>Low interest rates</a:t>
+            </a:r>
+          </a:p>
+        </p:txBody>
+      </p:sp>
+      <p:cxnSp>
+        <p:nvCxnSpPr>
+          <p:cNvPr id="10" name="Straight Arrow Connector 9">
+            <a:extLst>
+              <a:ext uri="{FF2B5EF4-FFF2-40B4-BE49-F238E27FC236}">
+                <a16:creationId xmlns:a16="http://schemas.microsoft.com/office/drawing/2014/main" id="{4C7C0219-B0CE-8D48-AD4E-6100967E24AC}"/>
+              </a:ext>
+            </a:extLst>
+          </p:cNvPr>
+          <p:cNvCxnSpPr>
+            <a:cxnSpLocks/>
+            <a:stCxn id="8" idx="3"/>
+            <a:endCxn id="6" idx="1"/>
+          </p:cNvCxnSpPr>
+          <p:nvPr/>
+        </p:nvCxnSpPr>
+        <p:spPr>
+          <a:xfrm flipV="1">
+            <a:off x="2559009" y="187095"/>
+            <a:ext cx="900713" cy="307117"/>
+          </a:xfrm>
+          <a:prstGeom prst="straightConnector1">
+            <a:avLst/>
+          </a:prstGeom>
+          <a:ln w="28575">
+            <a:solidFill>
+              <a:schemeClr val="tx1">
+                <a:lumMod val="75000"/>
+                <a:lumOff val="25000"/>
+              </a:schemeClr>
+            </a:solidFill>
+            <a:tailEnd type="triangle"/>
+          </a:ln>
+        </p:spPr>
+        <p:style>
+          <a:lnRef idx="1">
+            <a:schemeClr val="accent1"/>
+          </a:lnRef>
+          <a:fillRef idx="0">
+            <a:schemeClr val="accent1"/>
+          </a:fillRef>
+          <a:effectRef idx="0">
+            <a:schemeClr val="accent1"/>
+          </a:effectRef>
+          <a:fontRef idx="minor">
+            <a:schemeClr val="tx1"/>
+          </a:fontRef>
+        </p:style>
+      </p:cxnSp>
+      <p:cxnSp>
+        <p:nvCxnSpPr>
+          <p:cNvPr id="12" name="Straight Arrow Connector 11">
+            <a:extLst>
+              <a:ext uri="{FF2B5EF4-FFF2-40B4-BE49-F238E27FC236}">
+                <a16:creationId xmlns:a16="http://schemas.microsoft.com/office/drawing/2014/main" id="{722B9279-04EE-964D-87B7-6B94705E504E}"/>
+              </a:ext>
+            </a:extLst>
+          </p:cNvPr>
+          <p:cNvCxnSpPr>
+            <a:cxnSpLocks/>
+            <a:stCxn id="8" idx="3"/>
+            <a:endCxn id="17" idx="1"/>
+          </p:cNvCxnSpPr>
+          <p:nvPr/>
+        </p:nvCxnSpPr>
+        <p:spPr>
+          <a:xfrm>
+            <a:off x="2559008" y="494212"/>
+            <a:ext cx="900712" cy="307117"/>
+          </a:xfrm>
+          <a:prstGeom prst="straightConnector1">
+            <a:avLst/>
+          </a:prstGeom>
+          <a:ln w="28575">
+            <a:solidFill>
+              <a:schemeClr val="tx1">
+                <a:lumMod val="75000"/>
+                <a:lumOff val="25000"/>
+              </a:schemeClr>
+            </a:solidFill>
+            <a:tailEnd type="triangle"/>
+          </a:ln>
+        </p:spPr>
+        <p:style>
+          <a:lnRef idx="1">
+            <a:schemeClr val="accent1"/>
+          </a:lnRef>
+          <a:fillRef idx="0">
+            <a:schemeClr val="accent1"/>
+          </a:fillRef>
+          <a:effectRef idx="0">
+            <a:schemeClr val="accent1"/>
+          </a:effectRef>
+          <a:fontRef idx="minor">
+            <a:schemeClr val="tx1"/>
+          </a:fontRef>
+        </p:style>
+      </p:cxnSp>
+      <p:sp>
+        <p:nvSpPr>
+          <p:cNvPr id="17" name="Rounded Rectangle 16">
+            <a:extLst>
+              <a:ext uri="{FF2B5EF4-FFF2-40B4-BE49-F238E27FC236}">
+                <a16:creationId xmlns:a16="http://schemas.microsoft.com/office/drawing/2014/main" id="{8E9AE9C6-EBE8-8F46-A7A2-D2E2E2C711E9}"/>
+              </a:ext>
+            </a:extLst>
+          </p:cNvPr>
+          <p:cNvSpPr/>
+          <p:nvPr/>
+        </p:nvSpPr>
+        <p:spPr>
+          <a:xfrm>
+            <a:off x="3459721" y="614234"/>
+            <a:ext cx="3206191" cy="374190"/>
+          </a:xfrm>
+          <a:prstGeom prst="roundRect">
+            <a:avLst/>
+          </a:prstGeom>
+          <a:solidFill>
+            <a:schemeClr val="bg1">
+              <a:lumMod val="85000"/>
+            </a:schemeClr>
+          </a:solidFill>
+          <a:ln>
+            <a:noFill/>
+          </a:ln>
+        </p:spPr>
+        <p:style>
+          <a:lnRef idx="2">
+            <a:schemeClr val="accent1">
+              <a:shade val="50000"/>
+            </a:schemeClr>
+          </a:lnRef>
+          <a:fillRef idx="1">
+            <a:schemeClr val="accent1"/>
+          </a:fillRef>
+          <a:effectRef idx="0">
+            <a:schemeClr val="accent1"/>
+          </a:effectRef>
+          <a:fontRef idx="minor">
+            <a:schemeClr val="lt1"/>
+          </a:fontRef>
+        </p:style>
+        <p:txBody>
+          <a:bodyPr rot="0" spcFirstLastPara="0" vertOverflow="overflow" horzOverflow="overflow" vert="horz" wrap="square" lIns="91440" tIns="45720" rIns="91440" bIns="45720" numCol="1" spcCol="0" rtlCol="0" fromWordArt="0" anchor="ctr" anchorCtr="0" forceAA="0" compatLnSpc="1">
+            <a:prstTxWarp prst="textNoShape">
+              <a:avLst/>
+            </a:prstTxWarp>
+            <a:noAutofit/>
+          </a:bodyPr>
+          <a:lstStyle/>
+          <a:p>
+            <a:pPr algn="ctr"/>
+            <a:r>
+              <a:rPr lang="en-US" sz="1800" b="1" dirty="0">
+                <a:solidFill>
+                  <a:schemeClr val="tx1"/>
+                </a:solidFill>
+                <a:latin typeface="Helvetica" pitchFamily="2" charset="0"/>
+                <a:ea typeface="Helvetica Neue Medium" panose="02000503000000020004" pitchFamily="2" charset="0"/>
+                <a:cs typeface="Helvetica Neue Medium" panose="02000503000000020004" pitchFamily="2" charset="0"/>
+              </a:rPr>
+              <a:t>???</a:t>
+            </a:r>
           </a:p>
         </p:txBody>
       </p:sp>
     </p:spTree>
     <p:extLst>
       <p:ext uri="{BB962C8B-B14F-4D97-AF65-F5344CB8AC3E}">
-        <p14:creationId xmlns:p14="http://schemas.microsoft.com/office/powerpoint/2010/main" val="1210712810"/>
+        <p14:creationId xmlns:p14="http://schemas.microsoft.com/office/powerpoint/2010/main" val="3799323358"/>
+      </p:ext>
+    </p:extLst>
+  </p:cSld>
+  <p:clrMapOvr>
+    <a:masterClrMapping/>
+  </p:clrMapOvr>
+</p:sld>
+</file>
+
+<file path=ppt/slides/slide4.xml><?xml version="1.0" encoding="utf-8"?>
+<p:sld xmlns:a="http://schemas.openxmlformats.org/drawingml/2006/main" xmlns:r="http://schemas.openxmlformats.org/officeDocument/2006/relationships" xmlns:p="http://schemas.openxmlformats.org/presentationml/2006/main">
+  <p:cSld>
+    <p:spTree>
+      <p:nvGrpSpPr>
+        <p:cNvPr id="1" name=""/>
+        <p:cNvGrpSpPr/>
+        <p:nvPr/>
+      </p:nvGrpSpPr>
+      <p:grpSpPr>
+        <a:xfrm>
+          <a:off x="0" y="0"/>
+          <a:ext cx="0" cy="0"/>
+          <a:chOff x="0" y="0"/>
+          <a:chExt cx="0" cy="0"/>
+        </a:xfrm>
+      </p:grpSpPr>
+      <p:sp>
+        <p:nvSpPr>
+          <p:cNvPr id="6" name="Rounded Rectangle 5">
+            <a:extLst>
+              <a:ext uri="{FF2B5EF4-FFF2-40B4-BE49-F238E27FC236}">
+                <a16:creationId xmlns:a16="http://schemas.microsoft.com/office/drawing/2014/main" id="{8AA4C072-4BF5-9548-9AF0-23891D0D46B7}"/>
+              </a:ext>
+            </a:extLst>
+          </p:cNvPr>
+          <p:cNvSpPr/>
+          <p:nvPr/>
+        </p:nvSpPr>
+        <p:spPr>
+          <a:xfrm>
+            <a:off x="3459722" y="0"/>
+            <a:ext cx="3206191" cy="374190"/>
+          </a:xfrm>
+          <a:prstGeom prst="roundRect">
+            <a:avLst/>
+          </a:prstGeom>
+          <a:solidFill>
+            <a:schemeClr val="bg1">
+              <a:lumMod val="85000"/>
+            </a:schemeClr>
+          </a:solidFill>
+          <a:ln>
+            <a:noFill/>
+          </a:ln>
+        </p:spPr>
+        <p:style>
+          <a:lnRef idx="2">
+            <a:schemeClr val="accent1">
+              <a:shade val="50000"/>
+            </a:schemeClr>
+          </a:lnRef>
+          <a:fillRef idx="1">
+            <a:schemeClr val="accent1"/>
+          </a:fillRef>
+          <a:effectRef idx="0">
+            <a:schemeClr val="accent1"/>
+          </a:effectRef>
+          <a:fontRef idx="minor">
+            <a:schemeClr val="lt1"/>
+          </a:fontRef>
+        </p:style>
+        <p:txBody>
+          <a:bodyPr rot="0" spcFirstLastPara="0" vertOverflow="overflow" horzOverflow="overflow" vert="horz" wrap="square" lIns="91440" tIns="45720" rIns="91440" bIns="45720" numCol="1" spcCol="0" rtlCol="0" fromWordArt="0" anchor="ctr" anchorCtr="0" forceAA="0" compatLnSpc="1">
+            <a:prstTxWarp prst="textNoShape">
+              <a:avLst/>
+            </a:prstTxWarp>
+            <a:noAutofit/>
+          </a:bodyPr>
+          <a:lstStyle/>
+          <a:p>
+            <a:pPr algn="ctr"/>
+            <a:r>
+              <a:rPr lang="en-US" sz="1800" b="1" dirty="0">
+                <a:solidFill>
+                  <a:schemeClr val="tx1"/>
+                </a:solidFill>
+                <a:latin typeface="Helvetica" pitchFamily="2" charset="0"/>
+                <a:ea typeface="Helvetica Neue Medium" panose="02000503000000020004" pitchFamily="2" charset="0"/>
+                <a:cs typeface="Helvetica Neue Medium" panose="02000503000000020004" pitchFamily="2" charset="0"/>
+              </a:rPr>
+              <a:t>???</a:t>
+            </a:r>
+          </a:p>
+        </p:txBody>
+      </p:sp>
+      <p:sp>
+        <p:nvSpPr>
+          <p:cNvPr id="8" name="Rounded Rectangle 7">
+            <a:extLst>
+              <a:ext uri="{FF2B5EF4-FFF2-40B4-BE49-F238E27FC236}">
+                <a16:creationId xmlns:a16="http://schemas.microsoft.com/office/drawing/2014/main" id="{113C0142-E6EA-5A45-934A-7819FD86E179}"/>
+              </a:ext>
+            </a:extLst>
+          </p:cNvPr>
+          <p:cNvSpPr/>
+          <p:nvPr/>
+        </p:nvSpPr>
+        <p:spPr>
+          <a:xfrm>
+            <a:off x="-1924" y="299243"/>
+            <a:ext cx="2560932" cy="389938"/>
+          </a:xfrm>
+          <a:prstGeom prst="roundRect">
+            <a:avLst/>
+          </a:prstGeom>
+          <a:solidFill>
+            <a:schemeClr val="bg1">
+              <a:lumMod val="85000"/>
+            </a:schemeClr>
+          </a:solidFill>
+          <a:ln>
+            <a:noFill/>
+          </a:ln>
+        </p:spPr>
+        <p:style>
+          <a:lnRef idx="2">
+            <a:schemeClr val="accent1">
+              <a:shade val="50000"/>
+            </a:schemeClr>
+          </a:lnRef>
+          <a:fillRef idx="1">
+            <a:schemeClr val="accent1"/>
+          </a:fillRef>
+          <a:effectRef idx="0">
+            <a:schemeClr val="accent1"/>
+          </a:effectRef>
+          <a:fontRef idx="minor">
+            <a:schemeClr val="lt1"/>
+          </a:fontRef>
+        </p:style>
+        <p:txBody>
+          <a:bodyPr rot="0" spcFirstLastPara="0" vertOverflow="overflow" horzOverflow="overflow" vert="horz" wrap="square" lIns="91440" tIns="45720" rIns="91440" bIns="45720" numCol="1" spcCol="0" rtlCol="0" fromWordArt="0" anchor="ctr" anchorCtr="0" forceAA="0" compatLnSpc="1">
+            <a:prstTxWarp prst="textNoShape">
+              <a:avLst/>
+            </a:prstTxWarp>
+            <a:noAutofit/>
+          </a:bodyPr>
+          <a:lstStyle/>
+          <a:p>
+            <a:pPr algn="ctr"/>
+            <a:r>
+              <a:rPr lang="en-US" sz="1800" b="1" dirty="0">
+                <a:solidFill>
+                  <a:schemeClr val="tx1"/>
+                </a:solidFill>
+                <a:latin typeface="Helvetica" pitchFamily="2" charset="0"/>
+                <a:ea typeface="Helvetica Neue Medium" panose="02000503000000020004" pitchFamily="2" charset="0"/>
+                <a:cs typeface="Helvetica Neue Medium" panose="02000503000000020004" pitchFamily="2" charset="0"/>
+              </a:rPr>
+              <a:t>Normal interest rates</a:t>
+            </a:r>
+          </a:p>
+        </p:txBody>
+      </p:sp>
+      <p:cxnSp>
+        <p:nvCxnSpPr>
+          <p:cNvPr id="10" name="Straight Arrow Connector 9">
+            <a:extLst>
+              <a:ext uri="{FF2B5EF4-FFF2-40B4-BE49-F238E27FC236}">
+                <a16:creationId xmlns:a16="http://schemas.microsoft.com/office/drawing/2014/main" id="{4C7C0219-B0CE-8D48-AD4E-6100967E24AC}"/>
+              </a:ext>
+            </a:extLst>
+          </p:cNvPr>
+          <p:cNvCxnSpPr>
+            <a:cxnSpLocks/>
+            <a:stCxn id="8" idx="3"/>
+            <a:endCxn id="6" idx="1"/>
+          </p:cNvCxnSpPr>
+          <p:nvPr/>
+        </p:nvCxnSpPr>
+        <p:spPr>
+          <a:xfrm flipV="1">
+            <a:off x="2559009" y="187095"/>
+            <a:ext cx="900713" cy="307117"/>
+          </a:xfrm>
+          <a:prstGeom prst="straightConnector1">
+            <a:avLst/>
+          </a:prstGeom>
+          <a:ln w="28575">
+            <a:solidFill>
+              <a:schemeClr val="tx1">
+                <a:lumMod val="75000"/>
+                <a:lumOff val="25000"/>
+              </a:schemeClr>
+            </a:solidFill>
+            <a:tailEnd type="triangle"/>
+          </a:ln>
+        </p:spPr>
+        <p:style>
+          <a:lnRef idx="1">
+            <a:schemeClr val="accent1"/>
+          </a:lnRef>
+          <a:fillRef idx="0">
+            <a:schemeClr val="accent1"/>
+          </a:fillRef>
+          <a:effectRef idx="0">
+            <a:schemeClr val="accent1"/>
+          </a:effectRef>
+          <a:fontRef idx="minor">
+            <a:schemeClr val="tx1"/>
+          </a:fontRef>
+        </p:style>
+      </p:cxnSp>
+      <p:cxnSp>
+        <p:nvCxnSpPr>
+          <p:cNvPr id="12" name="Straight Arrow Connector 11">
+            <a:extLst>
+              <a:ext uri="{FF2B5EF4-FFF2-40B4-BE49-F238E27FC236}">
+                <a16:creationId xmlns:a16="http://schemas.microsoft.com/office/drawing/2014/main" id="{722B9279-04EE-964D-87B7-6B94705E504E}"/>
+              </a:ext>
+            </a:extLst>
+          </p:cNvPr>
+          <p:cNvCxnSpPr>
+            <a:cxnSpLocks/>
+            <a:stCxn id="8" idx="3"/>
+            <a:endCxn id="17" idx="1"/>
+          </p:cNvCxnSpPr>
+          <p:nvPr/>
+        </p:nvCxnSpPr>
+        <p:spPr>
+          <a:xfrm>
+            <a:off x="2559008" y="494212"/>
+            <a:ext cx="900712" cy="307117"/>
+          </a:xfrm>
+          <a:prstGeom prst="straightConnector1">
+            <a:avLst/>
+          </a:prstGeom>
+          <a:ln w="28575">
+            <a:solidFill>
+              <a:schemeClr val="tx1">
+                <a:lumMod val="75000"/>
+                <a:lumOff val="25000"/>
+              </a:schemeClr>
+            </a:solidFill>
+            <a:tailEnd type="triangle"/>
+          </a:ln>
+        </p:spPr>
+        <p:style>
+          <a:lnRef idx="1">
+            <a:schemeClr val="accent1"/>
+          </a:lnRef>
+          <a:fillRef idx="0">
+            <a:schemeClr val="accent1"/>
+          </a:fillRef>
+          <a:effectRef idx="0">
+            <a:schemeClr val="accent1"/>
+          </a:effectRef>
+          <a:fontRef idx="minor">
+            <a:schemeClr val="tx1"/>
+          </a:fontRef>
+        </p:style>
+      </p:cxnSp>
+      <p:sp>
+        <p:nvSpPr>
+          <p:cNvPr id="17" name="Rounded Rectangle 16">
+            <a:extLst>
+              <a:ext uri="{FF2B5EF4-FFF2-40B4-BE49-F238E27FC236}">
+                <a16:creationId xmlns:a16="http://schemas.microsoft.com/office/drawing/2014/main" id="{8E9AE9C6-EBE8-8F46-A7A2-D2E2E2C711E9}"/>
+              </a:ext>
+            </a:extLst>
+          </p:cNvPr>
+          <p:cNvSpPr/>
+          <p:nvPr/>
+        </p:nvSpPr>
+        <p:spPr>
+          <a:xfrm>
+            <a:off x="3459721" y="614234"/>
+            <a:ext cx="3206191" cy="374190"/>
+          </a:xfrm>
+          <a:prstGeom prst="roundRect">
+            <a:avLst/>
+          </a:prstGeom>
+          <a:solidFill>
+            <a:schemeClr val="bg1">
+              <a:lumMod val="85000"/>
+            </a:schemeClr>
+          </a:solidFill>
+          <a:ln>
+            <a:noFill/>
+          </a:ln>
+        </p:spPr>
+        <p:style>
+          <a:lnRef idx="2">
+            <a:schemeClr val="accent1">
+              <a:shade val="50000"/>
+            </a:schemeClr>
+          </a:lnRef>
+          <a:fillRef idx="1">
+            <a:schemeClr val="accent1"/>
+          </a:fillRef>
+          <a:effectRef idx="0">
+            <a:schemeClr val="accent1"/>
+          </a:effectRef>
+          <a:fontRef idx="minor">
+            <a:schemeClr val="lt1"/>
+          </a:fontRef>
+        </p:style>
+        <p:txBody>
+          <a:bodyPr rot="0" spcFirstLastPara="0" vertOverflow="overflow" horzOverflow="overflow" vert="horz" wrap="square" lIns="91440" tIns="45720" rIns="91440" bIns="45720" numCol="1" spcCol="0" rtlCol="0" fromWordArt="0" anchor="ctr" anchorCtr="0" forceAA="0" compatLnSpc="1">
+            <a:prstTxWarp prst="textNoShape">
+              <a:avLst/>
+            </a:prstTxWarp>
+            <a:noAutofit/>
+          </a:bodyPr>
+          <a:lstStyle/>
+          <a:p>
+            <a:pPr algn="ctr"/>
+            <a:r>
+              <a:rPr lang="en-US" sz="1800" b="1" dirty="0">
+                <a:solidFill>
+                  <a:schemeClr val="tx1"/>
+                </a:solidFill>
+                <a:latin typeface="Helvetica" pitchFamily="2" charset="0"/>
+                <a:ea typeface="Helvetica Neue Medium" panose="02000503000000020004" pitchFamily="2" charset="0"/>
+                <a:cs typeface="Helvetica Neue Medium" panose="02000503000000020004" pitchFamily="2" charset="0"/>
+              </a:rPr>
+              <a:t>_______</a:t>
+            </a:r>
+          </a:p>
+        </p:txBody>
+      </p:sp>
+    </p:spTree>
+    <p:extLst>
+      <p:ext uri="{BB962C8B-B14F-4D97-AF65-F5344CB8AC3E}">
+        <p14:creationId xmlns:p14="http://schemas.microsoft.com/office/powerpoint/2010/main" val="1758836236"/>
       </p:ext>
     </p:extLst>
   </p:cSld>

--- a/experiment/materials/images/economies/economies.pptx
+++ b/experiment/materials/images/economies/economies.pptx
@@ -6,9 +6,22 @@
   </p:sldMasterIdLst>
   <p:sldIdLst>
     <p:sldId id="263" r:id="rId2"/>
-    <p:sldId id="258" r:id="rId3"/>
-    <p:sldId id="264" r:id="rId4"/>
-    <p:sldId id="265" r:id="rId5"/>
+    <p:sldId id="282" r:id="rId3"/>
+    <p:sldId id="266" r:id="rId4"/>
+    <p:sldId id="283" r:id="rId5"/>
+    <p:sldId id="273" r:id="rId6"/>
+    <p:sldId id="274" r:id="rId7"/>
+    <p:sldId id="275" r:id="rId8"/>
+    <p:sldId id="267" r:id="rId9"/>
+    <p:sldId id="284" r:id="rId10"/>
+    <p:sldId id="276" r:id="rId11"/>
+    <p:sldId id="277" r:id="rId12"/>
+    <p:sldId id="278" r:id="rId13"/>
+    <p:sldId id="285" r:id="rId14"/>
+    <p:sldId id="258" r:id="rId15"/>
+    <p:sldId id="279" r:id="rId16"/>
+    <p:sldId id="280" r:id="rId17"/>
+    <p:sldId id="281" r:id="rId18"/>
   </p:sldIdLst>
   <p:sldSz cx="6665913" cy="987425"/>
   <p:notesSz cx="6858000" cy="9144000"/>
@@ -246,7 +259,7 @@
           <a:p>
             <a:fld id="{DA0EE935-E9AF-7B48-BD90-8AB4BA8C33E5}" type="datetimeFigureOut">
               <a:rPr lang="en-US" smtClean="0"/>
-              <a:t>12/14/20</a:t>
+              <a:t>12/23/20</a:t>
             </a:fld>
             <a:endParaRPr lang="en-US"/>
           </a:p>
@@ -416,7 +429,7 @@
           <a:p>
             <a:fld id="{DA0EE935-E9AF-7B48-BD90-8AB4BA8C33E5}" type="datetimeFigureOut">
               <a:rPr lang="en-US" smtClean="0"/>
-              <a:t>12/14/20</a:t>
+              <a:t>12/23/20</a:t>
             </a:fld>
             <a:endParaRPr lang="en-US"/>
           </a:p>
@@ -596,7 +609,7 @@
           <a:p>
             <a:fld id="{DA0EE935-E9AF-7B48-BD90-8AB4BA8C33E5}" type="datetimeFigureOut">
               <a:rPr lang="en-US" smtClean="0"/>
-              <a:t>12/14/20</a:t>
+              <a:t>12/23/20</a:t>
             </a:fld>
             <a:endParaRPr lang="en-US"/>
           </a:p>
@@ -766,7 +779,7 @@
           <a:p>
             <a:fld id="{DA0EE935-E9AF-7B48-BD90-8AB4BA8C33E5}" type="datetimeFigureOut">
               <a:rPr lang="en-US" smtClean="0"/>
-              <a:t>12/14/20</a:t>
+              <a:t>12/23/20</a:t>
             </a:fld>
             <a:endParaRPr lang="en-US"/>
           </a:p>
@@ -1012,7 +1025,7 @@
           <a:p>
             <a:fld id="{DA0EE935-E9AF-7B48-BD90-8AB4BA8C33E5}" type="datetimeFigureOut">
               <a:rPr lang="en-US" smtClean="0"/>
-              <a:t>12/14/20</a:t>
+              <a:t>12/23/20</a:t>
             </a:fld>
             <a:endParaRPr lang="en-US"/>
           </a:p>
@@ -1244,7 +1257,7 @@
           <a:p>
             <a:fld id="{DA0EE935-E9AF-7B48-BD90-8AB4BA8C33E5}" type="datetimeFigureOut">
               <a:rPr lang="en-US" smtClean="0"/>
-              <a:t>12/14/20</a:t>
+              <a:t>12/23/20</a:t>
             </a:fld>
             <a:endParaRPr lang="en-US"/>
           </a:p>
@@ -1611,7 +1624,7 @@
           <a:p>
             <a:fld id="{DA0EE935-E9AF-7B48-BD90-8AB4BA8C33E5}" type="datetimeFigureOut">
               <a:rPr lang="en-US" smtClean="0"/>
-              <a:t>12/14/20</a:t>
+              <a:t>12/23/20</a:t>
             </a:fld>
             <a:endParaRPr lang="en-US"/>
           </a:p>
@@ -1729,7 +1742,7 @@
           <a:p>
             <a:fld id="{DA0EE935-E9AF-7B48-BD90-8AB4BA8C33E5}" type="datetimeFigureOut">
               <a:rPr lang="en-US" smtClean="0"/>
-              <a:t>12/14/20</a:t>
+              <a:t>12/23/20</a:t>
             </a:fld>
             <a:endParaRPr lang="en-US"/>
           </a:p>
@@ -1824,7 +1837,7 @@
           <a:p>
             <a:fld id="{DA0EE935-E9AF-7B48-BD90-8AB4BA8C33E5}" type="datetimeFigureOut">
               <a:rPr lang="en-US" smtClean="0"/>
-              <a:t>12/14/20</a:t>
+              <a:t>12/23/20</a:t>
             </a:fld>
             <a:endParaRPr lang="en-US"/>
           </a:p>
@@ -2101,7 +2114,7 @@
           <a:p>
             <a:fld id="{DA0EE935-E9AF-7B48-BD90-8AB4BA8C33E5}" type="datetimeFigureOut">
               <a:rPr lang="en-US" smtClean="0"/>
-              <a:t>12/14/20</a:t>
+              <a:t>12/23/20</a:t>
             </a:fld>
             <a:endParaRPr lang="en-US"/>
           </a:p>
@@ -2358,7 +2371,7 @@
           <a:p>
             <a:fld id="{DA0EE935-E9AF-7B48-BD90-8AB4BA8C33E5}" type="datetimeFigureOut">
               <a:rPr lang="en-US" smtClean="0"/>
-              <a:t>12/14/20</a:t>
+              <a:t>12/23/20</a:t>
             </a:fld>
             <a:endParaRPr lang="en-US"/>
           </a:p>
@@ -2571,7 +2584,7 @@
           <a:p>
             <a:fld id="{DA0EE935-E9AF-7B48-BD90-8AB4BA8C33E5}" type="datetimeFigureOut">
               <a:rPr lang="en-US" smtClean="0"/>
-              <a:t>12/14/20</a:t>
+              <a:t>12/23/20</a:t>
             </a:fld>
             <a:endParaRPr lang="en-US"/>
           </a:p>
@@ -3372,7 +3385,7 @@
 </p:sld>
 </file>
 
-<file path=ppt/slides/slide2.xml><?xml version="1.0" encoding="utf-8"?>
+<file path=ppt/slides/slide10.xml><?xml version="1.0" encoding="utf-8"?>
 <p:sld xmlns:a="http://schemas.openxmlformats.org/drawingml/2006/main" xmlns:r="http://schemas.openxmlformats.org/officeDocument/2006/relationships" xmlns:p="http://schemas.openxmlformats.org/presentationml/2006/main">
   <p:cSld>
     <p:spTree>
@@ -3453,17 +3466,47 @@
                 <a:ea typeface="Helvetica Neue Medium" panose="02000503000000020004" pitchFamily="2" charset="0"/>
                 <a:cs typeface="Helvetica Neue Medium" panose="02000503000000020004" pitchFamily="2" charset="0"/>
               </a:rPr>
-              <a:t>High retirement savings</a:t>
-            </a:r>
-          </a:p>
-        </p:txBody>
-      </p:sp>
-      <p:sp>
-        <p:nvSpPr>
-          <p:cNvPr id="8" name="Rounded Rectangle 7">
+              <a:t>Normal retirement savings</a:t>
+            </a:r>
+          </a:p>
+        </p:txBody>
+      </p:sp>
+    </p:spTree>
+    <p:extLst>
+      <p:ext uri="{BB962C8B-B14F-4D97-AF65-F5344CB8AC3E}">
+        <p14:creationId xmlns:p14="http://schemas.microsoft.com/office/powerpoint/2010/main" val="3078267720"/>
+      </p:ext>
+    </p:extLst>
+  </p:cSld>
+  <p:clrMapOvr>
+    <a:masterClrMapping/>
+  </p:clrMapOvr>
+</p:sld>
+</file>
+
+<file path=ppt/slides/slide11.xml><?xml version="1.0" encoding="utf-8"?>
+<p:sld xmlns:a="http://schemas.openxmlformats.org/drawingml/2006/main" xmlns:r="http://schemas.openxmlformats.org/officeDocument/2006/relationships" xmlns:p="http://schemas.openxmlformats.org/presentationml/2006/main">
+  <p:cSld>
+    <p:spTree>
+      <p:nvGrpSpPr>
+        <p:cNvPr id="1" name=""/>
+        <p:cNvGrpSpPr/>
+        <p:nvPr/>
+      </p:nvGrpSpPr>
+      <p:grpSpPr>
+        <a:xfrm>
+          <a:off x="0" y="0"/>
+          <a:ext cx="0" cy="0"/>
+          <a:chOff x="0" y="0"/>
+          <a:chExt cx="0" cy="0"/>
+        </a:xfrm>
+      </p:grpSpPr>
+      <p:sp>
+        <p:nvSpPr>
+          <p:cNvPr id="6" name="Rounded Rectangle 5">
             <a:extLst>
               <a:ext uri="{FF2B5EF4-FFF2-40B4-BE49-F238E27FC236}">
-                <a16:creationId xmlns:a16="http://schemas.microsoft.com/office/drawing/2014/main" id="{113C0142-E6EA-5A45-934A-7819FD86E179}"/>
+                <a16:creationId xmlns:a16="http://schemas.microsoft.com/office/drawing/2014/main" id="{8AA4C072-4BF5-9548-9AF0-23891D0D46B7}"/>
               </a:ext>
             </a:extLst>
           </p:cNvPr>
@@ -3472,8 +3515,8 @@
         </p:nvSpPr>
         <p:spPr>
           <a:xfrm>
-            <a:off x="-1924" y="299243"/>
-            <a:ext cx="2560932" cy="389938"/>
+            <a:off x="3459722" y="0"/>
+            <a:ext cx="3206191" cy="374190"/>
           </a:xfrm>
           <a:prstGeom prst="roundRect">
             <a:avLst/>
@@ -3522,11 +3565,695 @@
                 <a:ea typeface="Helvetica Neue Medium" panose="02000503000000020004" pitchFamily="2" charset="0"/>
                 <a:cs typeface="Helvetica Neue Medium" panose="02000503000000020004" pitchFamily="2" charset="0"/>
               </a:rPr>
-              <a:t>Low interest rates</a:t>
-            </a:r>
-          </a:p>
-        </p:txBody>
-      </p:sp>
+              <a:t>???</a:t>
+            </a:r>
+          </a:p>
+        </p:txBody>
+      </p:sp>
+    </p:spTree>
+    <p:extLst>
+      <p:ext uri="{BB962C8B-B14F-4D97-AF65-F5344CB8AC3E}">
+        <p14:creationId xmlns:p14="http://schemas.microsoft.com/office/powerpoint/2010/main" val="3807020776"/>
+      </p:ext>
+    </p:extLst>
+  </p:cSld>
+  <p:clrMapOvr>
+    <a:masterClrMapping/>
+  </p:clrMapOvr>
+</p:sld>
+</file>
+
+<file path=ppt/slides/slide12.xml><?xml version="1.0" encoding="utf-8"?>
+<p:sld xmlns:a="http://schemas.openxmlformats.org/drawingml/2006/main" xmlns:r="http://schemas.openxmlformats.org/officeDocument/2006/relationships" xmlns:p="http://schemas.openxmlformats.org/presentationml/2006/main">
+  <p:cSld>
+    <p:spTree>
+      <p:nvGrpSpPr>
+        <p:cNvPr id="1" name=""/>
+        <p:cNvGrpSpPr/>
+        <p:nvPr/>
+      </p:nvGrpSpPr>
+      <p:grpSpPr>
+        <a:xfrm>
+          <a:off x="0" y="0"/>
+          <a:ext cx="0" cy="0"/>
+          <a:chOff x="0" y="0"/>
+          <a:chExt cx="0" cy="0"/>
+        </a:xfrm>
+      </p:grpSpPr>
+      <p:sp>
+        <p:nvSpPr>
+          <p:cNvPr id="6" name="Rounded Rectangle 5">
+            <a:extLst>
+              <a:ext uri="{FF2B5EF4-FFF2-40B4-BE49-F238E27FC236}">
+                <a16:creationId xmlns:a16="http://schemas.microsoft.com/office/drawing/2014/main" id="{8AA4C072-4BF5-9548-9AF0-23891D0D46B7}"/>
+              </a:ext>
+            </a:extLst>
+          </p:cNvPr>
+          <p:cNvSpPr/>
+          <p:nvPr/>
+        </p:nvSpPr>
+        <p:spPr>
+          <a:xfrm>
+            <a:off x="3459722" y="0"/>
+            <a:ext cx="3206191" cy="374190"/>
+          </a:xfrm>
+          <a:prstGeom prst="roundRect">
+            <a:avLst/>
+          </a:prstGeom>
+          <a:solidFill>
+            <a:schemeClr val="bg1">
+              <a:lumMod val="85000"/>
+            </a:schemeClr>
+          </a:solidFill>
+          <a:ln>
+            <a:noFill/>
+          </a:ln>
+        </p:spPr>
+        <p:style>
+          <a:lnRef idx="2">
+            <a:schemeClr val="accent1">
+              <a:shade val="50000"/>
+            </a:schemeClr>
+          </a:lnRef>
+          <a:fillRef idx="1">
+            <a:schemeClr val="accent1"/>
+          </a:fillRef>
+          <a:effectRef idx="0">
+            <a:schemeClr val="accent1"/>
+          </a:effectRef>
+          <a:fontRef idx="minor">
+            <a:schemeClr val="lt1"/>
+          </a:fontRef>
+        </p:style>
+        <p:txBody>
+          <a:bodyPr rot="0" spcFirstLastPara="0" vertOverflow="overflow" horzOverflow="overflow" vert="horz" wrap="square" lIns="91440" tIns="45720" rIns="91440" bIns="45720" numCol="1" spcCol="0" rtlCol="0" fromWordArt="0" anchor="ctr" anchorCtr="0" forceAA="0" compatLnSpc="1">
+            <a:prstTxWarp prst="textNoShape">
+              <a:avLst/>
+            </a:prstTxWarp>
+            <a:noAutofit/>
+          </a:bodyPr>
+          <a:lstStyle/>
+          <a:p>
+            <a:pPr algn="ctr"/>
+            <a:r>
+              <a:rPr lang="en-US" sz="1800" b="1" dirty="0">
+                <a:solidFill>
+                  <a:schemeClr val="tx1"/>
+                </a:solidFill>
+                <a:latin typeface="Helvetica" pitchFamily="2" charset="0"/>
+                <a:ea typeface="Helvetica Neue Medium" panose="02000503000000020004" pitchFamily="2" charset="0"/>
+                <a:cs typeface="Helvetica Neue Medium" panose="02000503000000020004" pitchFamily="2" charset="0"/>
+              </a:rPr>
+              <a:t>_____</a:t>
+            </a:r>
+          </a:p>
+        </p:txBody>
+      </p:sp>
+    </p:spTree>
+    <p:extLst>
+      <p:ext uri="{BB962C8B-B14F-4D97-AF65-F5344CB8AC3E}">
+        <p14:creationId xmlns:p14="http://schemas.microsoft.com/office/powerpoint/2010/main" val="2615475280"/>
+      </p:ext>
+    </p:extLst>
+  </p:cSld>
+  <p:clrMapOvr>
+    <a:masterClrMapping/>
+  </p:clrMapOvr>
+</p:sld>
+</file>
+
+<file path=ppt/slides/slide13.xml><?xml version="1.0" encoding="utf-8"?>
+<p:sld xmlns:a="http://schemas.openxmlformats.org/drawingml/2006/main" xmlns:r="http://schemas.openxmlformats.org/officeDocument/2006/relationships" xmlns:p="http://schemas.openxmlformats.org/presentationml/2006/main">
+  <p:cSld>
+    <p:bg>
+      <p:bgPr>
+        <a:solidFill>
+          <a:schemeClr val="bg1">
+            <a:alpha val="0"/>
+          </a:schemeClr>
+        </a:solidFill>
+        <a:effectLst/>
+      </p:bgPr>
+    </p:bg>
+    <p:spTree>
+      <p:nvGrpSpPr>
+        <p:cNvPr id="1" name=""/>
+        <p:cNvGrpSpPr/>
+        <p:nvPr/>
+      </p:nvGrpSpPr>
+      <p:grpSpPr>
+        <a:xfrm>
+          <a:off x="0" y="0"/>
+          <a:ext cx="0" cy="0"/>
+          <a:chOff x="0" y="0"/>
+          <a:chExt cx="0" cy="0"/>
+        </a:xfrm>
+      </p:grpSpPr>
+      <p:sp>
+        <p:nvSpPr>
+          <p:cNvPr id="17" name="Rounded Rectangle 16">
+            <a:extLst>
+              <a:ext uri="{FF2B5EF4-FFF2-40B4-BE49-F238E27FC236}">
+                <a16:creationId xmlns:a16="http://schemas.microsoft.com/office/drawing/2014/main" id="{8E9AE9C6-EBE8-8F46-A7A2-D2E2E2C711E9}"/>
+              </a:ext>
+            </a:extLst>
+          </p:cNvPr>
+          <p:cNvSpPr/>
+          <p:nvPr/>
+        </p:nvSpPr>
+        <p:spPr>
+          <a:xfrm>
+            <a:off x="3459721" y="614234"/>
+            <a:ext cx="3206191" cy="374190"/>
+          </a:xfrm>
+          <a:prstGeom prst="roundRect">
+            <a:avLst/>
+          </a:prstGeom>
+          <a:solidFill>
+            <a:schemeClr val="bg1">
+              <a:lumMod val="85000"/>
+            </a:schemeClr>
+          </a:solidFill>
+          <a:ln>
+            <a:noFill/>
+          </a:ln>
+        </p:spPr>
+        <p:style>
+          <a:lnRef idx="2">
+            <a:schemeClr val="accent1">
+              <a:shade val="50000"/>
+            </a:schemeClr>
+          </a:lnRef>
+          <a:fillRef idx="1">
+            <a:schemeClr val="accent1"/>
+          </a:fillRef>
+          <a:effectRef idx="0">
+            <a:schemeClr val="accent1"/>
+          </a:effectRef>
+          <a:fontRef idx="minor">
+            <a:schemeClr val="lt1"/>
+          </a:fontRef>
+        </p:style>
+        <p:txBody>
+          <a:bodyPr rot="0" spcFirstLastPara="0" vertOverflow="overflow" horzOverflow="overflow" vert="horz" wrap="square" lIns="91440" tIns="45720" rIns="91440" bIns="45720" numCol="1" spcCol="0" rtlCol="0" fromWordArt="0" anchor="ctr" anchorCtr="0" forceAA="0" compatLnSpc="1">
+            <a:prstTxWarp prst="textNoShape">
+              <a:avLst/>
+            </a:prstTxWarp>
+            <a:noAutofit/>
+          </a:bodyPr>
+          <a:lstStyle/>
+          <a:p>
+            <a:pPr algn="ctr"/>
+            <a:r>
+              <a:rPr lang="en-US" sz="1800" b="1" dirty="0">
+                <a:solidFill>
+                  <a:schemeClr val="tx1"/>
+                </a:solidFill>
+                <a:latin typeface="Helvetica" pitchFamily="2" charset="0"/>
+                <a:ea typeface="Helvetica Neue Medium" panose="02000503000000020004" pitchFamily="2" charset="0"/>
+                <a:cs typeface="Helvetica Neue Medium" panose="02000503000000020004" pitchFamily="2" charset="0"/>
+              </a:rPr>
+              <a:t>High trade deficits</a:t>
+            </a:r>
+          </a:p>
+        </p:txBody>
+      </p:sp>
+    </p:spTree>
+    <p:extLst>
+      <p:ext uri="{BB962C8B-B14F-4D97-AF65-F5344CB8AC3E}">
+        <p14:creationId xmlns:p14="http://schemas.microsoft.com/office/powerpoint/2010/main" val="845474794"/>
+      </p:ext>
+    </p:extLst>
+  </p:cSld>
+  <p:clrMapOvr>
+    <a:masterClrMapping/>
+  </p:clrMapOvr>
+</p:sld>
+</file>
+
+<file path=ppt/slides/slide14.xml><?xml version="1.0" encoding="utf-8"?>
+<p:sld xmlns:a="http://schemas.openxmlformats.org/drawingml/2006/main" xmlns:r="http://schemas.openxmlformats.org/officeDocument/2006/relationships" xmlns:p="http://schemas.openxmlformats.org/presentationml/2006/main">
+  <p:cSld>
+    <p:bg>
+      <p:bgPr>
+        <a:solidFill>
+          <a:schemeClr val="bg1">
+            <a:alpha val="0"/>
+          </a:schemeClr>
+        </a:solidFill>
+        <a:effectLst/>
+      </p:bgPr>
+    </p:bg>
+    <p:spTree>
+      <p:nvGrpSpPr>
+        <p:cNvPr id="1" name=""/>
+        <p:cNvGrpSpPr/>
+        <p:nvPr/>
+      </p:nvGrpSpPr>
+      <p:grpSpPr>
+        <a:xfrm>
+          <a:off x="0" y="0"/>
+          <a:ext cx="0" cy="0"/>
+          <a:chOff x="0" y="0"/>
+          <a:chExt cx="0" cy="0"/>
+        </a:xfrm>
+      </p:grpSpPr>
+      <p:sp>
+        <p:nvSpPr>
+          <p:cNvPr id="17" name="Rounded Rectangle 16">
+            <a:extLst>
+              <a:ext uri="{FF2B5EF4-FFF2-40B4-BE49-F238E27FC236}">
+                <a16:creationId xmlns:a16="http://schemas.microsoft.com/office/drawing/2014/main" id="{8E9AE9C6-EBE8-8F46-A7A2-D2E2E2C711E9}"/>
+              </a:ext>
+            </a:extLst>
+          </p:cNvPr>
+          <p:cNvSpPr/>
+          <p:nvPr/>
+        </p:nvSpPr>
+        <p:spPr>
+          <a:xfrm>
+            <a:off x="3459721" y="614234"/>
+            <a:ext cx="3206191" cy="374190"/>
+          </a:xfrm>
+          <a:prstGeom prst="roundRect">
+            <a:avLst/>
+          </a:prstGeom>
+          <a:solidFill>
+            <a:schemeClr val="bg1">
+              <a:lumMod val="85000"/>
+            </a:schemeClr>
+          </a:solidFill>
+          <a:ln>
+            <a:noFill/>
+          </a:ln>
+        </p:spPr>
+        <p:style>
+          <a:lnRef idx="2">
+            <a:schemeClr val="accent1">
+              <a:shade val="50000"/>
+            </a:schemeClr>
+          </a:lnRef>
+          <a:fillRef idx="1">
+            <a:schemeClr val="accent1"/>
+          </a:fillRef>
+          <a:effectRef idx="0">
+            <a:schemeClr val="accent1"/>
+          </a:effectRef>
+          <a:fontRef idx="minor">
+            <a:schemeClr val="lt1"/>
+          </a:fontRef>
+        </p:style>
+        <p:txBody>
+          <a:bodyPr rot="0" spcFirstLastPara="0" vertOverflow="overflow" horzOverflow="overflow" vert="horz" wrap="square" lIns="91440" tIns="45720" rIns="91440" bIns="45720" numCol="1" spcCol="0" rtlCol="0" fromWordArt="0" anchor="ctr" anchorCtr="0" forceAA="0" compatLnSpc="1">
+            <a:prstTxWarp prst="textNoShape">
+              <a:avLst/>
+            </a:prstTxWarp>
+            <a:noAutofit/>
+          </a:bodyPr>
+          <a:lstStyle/>
+          <a:p>
+            <a:pPr algn="ctr"/>
+            <a:r>
+              <a:rPr lang="en-US" sz="1800" b="1" dirty="0">
+                <a:solidFill>
+                  <a:schemeClr val="tx1"/>
+                </a:solidFill>
+                <a:latin typeface="Helvetica" pitchFamily="2" charset="0"/>
+                <a:ea typeface="Helvetica Neue Medium" panose="02000503000000020004" pitchFamily="2" charset="0"/>
+                <a:cs typeface="Helvetica Neue Medium" panose="02000503000000020004" pitchFamily="2" charset="0"/>
+              </a:rPr>
+              <a:t>Low trade deficits</a:t>
+            </a:r>
+          </a:p>
+        </p:txBody>
+      </p:sp>
+    </p:spTree>
+    <p:extLst>
+      <p:ext uri="{BB962C8B-B14F-4D97-AF65-F5344CB8AC3E}">
+        <p14:creationId xmlns:p14="http://schemas.microsoft.com/office/powerpoint/2010/main" val="1210712810"/>
+      </p:ext>
+    </p:extLst>
+  </p:cSld>
+  <p:clrMapOvr>
+    <a:masterClrMapping/>
+  </p:clrMapOvr>
+</p:sld>
+</file>
+
+<file path=ppt/slides/slide15.xml><?xml version="1.0" encoding="utf-8"?>
+<p:sld xmlns:a="http://schemas.openxmlformats.org/drawingml/2006/main" xmlns:r="http://schemas.openxmlformats.org/officeDocument/2006/relationships" xmlns:p="http://schemas.openxmlformats.org/presentationml/2006/main">
+  <p:cSld>
+    <p:bg>
+      <p:bgPr>
+        <a:solidFill>
+          <a:schemeClr val="bg1">
+            <a:alpha val="0"/>
+          </a:schemeClr>
+        </a:solidFill>
+        <a:effectLst/>
+      </p:bgPr>
+    </p:bg>
+    <p:spTree>
+      <p:nvGrpSpPr>
+        <p:cNvPr id="1" name=""/>
+        <p:cNvGrpSpPr/>
+        <p:nvPr/>
+      </p:nvGrpSpPr>
+      <p:grpSpPr>
+        <a:xfrm>
+          <a:off x="0" y="0"/>
+          <a:ext cx="0" cy="0"/>
+          <a:chOff x="0" y="0"/>
+          <a:chExt cx="0" cy="0"/>
+        </a:xfrm>
+      </p:grpSpPr>
+      <p:sp>
+        <p:nvSpPr>
+          <p:cNvPr id="17" name="Rounded Rectangle 16">
+            <a:extLst>
+              <a:ext uri="{FF2B5EF4-FFF2-40B4-BE49-F238E27FC236}">
+                <a16:creationId xmlns:a16="http://schemas.microsoft.com/office/drawing/2014/main" id="{8E9AE9C6-EBE8-8F46-A7A2-D2E2E2C711E9}"/>
+              </a:ext>
+            </a:extLst>
+          </p:cNvPr>
+          <p:cNvSpPr/>
+          <p:nvPr/>
+        </p:nvSpPr>
+        <p:spPr>
+          <a:xfrm>
+            <a:off x="3459721" y="614234"/>
+            <a:ext cx="3206191" cy="374190"/>
+          </a:xfrm>
+          <a:prstGeom prst="roundRect">
+            <a:avLst/>
+          </a:prstGeom>
+          <a:solidFill>
+            <a:schemeClr val="bg1">
+              <a:lumMod val="85000"/>
+            </a:schemeClr>
+          </a:solidFill>
+          <a:ln>
+            <a:noFill/>
+          </a:ln>
+        </p:spPr>
+        <p:style>
+          <a:lnRef idx="2">
+            <a:schemeClr val="accent1">
+              <a:shade val="50000"/>
+            </a:schemeClr>
+          </a:lnRef>
+          <a:fillRef idx="1">
+            <a:schemeClr val="accent1"/>
+          </a:fillRef>
+          <a:effectRef idx="0">
+            <a:schemeClr val="accent1"/>
+          </a:effectRef>
+          <a:fontRef idx="minor">
+            <a:schemeClr val="lt1"/>
+          </a:fontRef>
+        </p:style>
+        <p:txBody>
+          <a:bodyPr rot="0" spcFirstLastPara="0" vertOverflow="overflow" horzOverflow="overflow" vert="horz" wrap="square" lIns="91440" tIns="45720" rIns="91440" bIns="45720" numCol="1" spcCol="0" rtlCol="0" fromWordArt="0" anchor="ctr" anchorCtr="0" forceAA="0" compatLnSpc="1">
+            <a:prstTxWarp prst="textNoShape">
+              <a:avLst/>
+            </a:prstTxWarp>
+            <a:noAutofit/>
+          </a:bodyPr>
+          <a:lstStyle/>
+          <a:p>
+            <a:pPr algn="ctr"/>
+            <a:r>
+              <a:rPr lang="en-US" sz="1800" b="1" dirty="0">
+                <a:solidFill>
+                  <a:schemeClr val="tx1"/>
+                </a:solidFill>
+                <a:latin typeface="Helvetica" pitchFamily="2" charset="0"/>
+                <a:ea typeface="Helvetica Neue Medium" panose="02000503000000020004" pitchFamily="2" charset="0"/>
+                <a:cs typeface="Helvetica Neue Medium" panose="02000503000000020004" pitchFamily="2" charset="0"/>
+              </a:rPr>
+              <a:t>Normal trade deficits</a:t>
+            </a:r>
+          </a:p>
+        </p:txBody>
+      </p:sp>
+    </p:spTree>
+    <p:extLst>
+      <p:ext uri="{BB962C8B-B14F-4D97-AF65-F5344CB8AC3E}">
+        <p14:creationId xmlns:p14="http://schemas.microsoft.com/office/powerpoint/2010/main" val="2184913176"/>
+      </p:ext>
+    </p:extLst>
+  </p:cSld>
+  <p:clrMapOvr>
+    <a:masterClrMapping/>
+  </p:clrMapOvr>
+</p:sld>
+</file>
+
+<file path=ppt/slides/slide16.xml><?xml version="1.0" encoding="utf-8"?>
+<p:sld xmlns:a="http://schemas.openxmlformats.org/drawingml/2006/main" xmlns:r="http://schemas.openxmlformats.org/officeDocument/2006/relationships" xmlns:p="http://schemas.openxmlformats.org/presentationml/2006/main">
+  <p:cSld>
+    <p:bg>
+      <p:bgPr>
+        <a:solidFill>
+          <a:schemeClr val="bg1">
+            <a:alpha val="0"/>
+          </a:schemeClr>
+        </a:solidFill>
+        <a:effectLst/>
+      </p:bgPr>
+    </p:bg>
+    <p:spTree>
+      <p:nvGrpSpPr>
+        <p:cNvPr id="1" name=""/>
+        <p:cNvGrpSpPr/>
+        <p:nvPr/>
+      </p:nvGrpSpPr>
+      <p:grpSpPr>
+        <a:xfrm>
+          <a:off x="0" y="0"/>
+          <a:ext cx="0" cy="0"/>
+          <a:chOff x="0" y="0"/>
+          <a:chExt cx="0" cy="0"/>
+        </a:xfrm>
+      </p:grpSpPr>
+      <p:sp>
+        <p:nvSpPr>
+          <p:cNvPr id="17" name="Rounded Rectangle 16">
+            <a:extLst>
+              <a:ext uri="{FF2B5EF4-FFF2-40B4-BE49-F238E27FC236}">
+                <a16:creationId xmlns:a16="http://schemas.microsoft.com/office/drawing/2014/main" id="{8E9AE9C6-EBE8-8F46-A7A2-D2E2E2C711E9}"/>
+              </a:ext>
+            </a:extLst>
+          </p:cNvPr>
+          <p:cNvSpPr/>
+          <p:nvPr/>
+        </p:nvSpPr>
+        <p:spPr>
+          <a:xfrm>
+            <a:off x="3459721" y="614234"/>
+            <a:ext cx="3206191" cy="374190"/>
+          </a:xfrm>
+          <a:prstGeom prst="roundRect">
+            <a:avLst/>
+          </a:prstGeom>
+          <a:solidFill>
+            <a:schemeClr val="bg1">
+              <a:lumMod val="85000"/>
+            </a:schemeClr>
+          </a:solidFill>
+          <a:ln>
+            <a:noFill/>
+          </a:ln>
+        </p:spPr>
+        <p:style>
+          <a:lnRef idx="2">
+            <a:schemeClr val="accent1">
+              <a:shade val="50000"/>
+            </a:schemeClr>
+          </a:lnRef>
+          <a:fillRef idx="1">
+            <a:schemeClr val="accent1"/>
+          </a:fillRef>
+          <a:effectRef idx="0">
+            <a:schemeClr val="accent1"/>
+          </a:effectRef>
+          <a:fontRef idx="minor">
+            <a:schemeClr val="lt1"/>
+          </a:fontRef>
+        </p:style>
+        <p:txBody>
+          <a:bodyPr rot="0" spcFirstLastPara="0" vertOverflow="overflow" horzOverflow="overflow" vert="horz" wrap="square" lIns="91440" tIns="45720" rIns="91440" bIns="45720" numCol="1" spcCol="0" rtlCol="0" fromWordArt="0" anchor="ctr" anchorCtr="0" forceAA="0" compatLnSpc="1">
+            <a:prstTxWarp prst="textNoShape">
+              <a:avLst/>
+            </a:prstTxWarp>
+            <a:noAutofit/>
+          </a:bodyPr>
+          <a:lstStyle/>
+          <a:p>
+            <a:pPr algn="ctr"/>
+            <a:r>
+              <a:rPr lang="en-US" sz="1800" b="1" dirty="0">
+                <a:solidFill>
+                  <a:schemeClr val="tx1"/>
+                </a:solidFill>
+                <a:latin typeface="Helvetica" pitchFamily="2" charset="0"/>
+                <a:ea typeface="Helvetica Neue Medium" panose="02000503000000020004" pitchFamily="2" charset="0"/>
+                <a:cs typeface="Helvetica Neue Medium" panose="02000503000000020004" pitchFamily="2" charset="0"/>
+              </a:rPr>
+              <a:t>???</a:t>
+            </a:r>
+          </a:p>
+        </p:txBody>
+      </p:sp>
+    </p:spTree>
+    <p:extLst>
+      <p:ext uri="{BB962C8B-B14F-4D97-AF65-F5344CB8AC3E}">
+        <p14:creationId xmlns:p14="http://schemas.microsoft.com/office/powerpoint/2010/main" val="2937526981"/>
+      </p:ext>
+    </p:extLst>
+  </p:cSld>
+  <p:clrMapOvr>
+    <a:masterClrMapping/>
+  </p:clrMapOvr>
+</p:sld>
+</file>
+
+<file path=ppt/slides/slide17.xml><?xml version="1.0" encoding="utf-8"?>
+<p:sld xmlns:a="http://schemas.openxmlformats.org/drawingml/2006/main" xmlns:r="http://schemas.openxmlformats.org/officeDocument/2006/relationships" xmlns:p="http://schemas.openxmlformats.org/presentationml/2006/main">
+  <p:cSld>
+    <p:bg>
+      <p:bgPr>
+        <a:solidFill>
+          <a:schemeClr val="bg1">
+            <a:alpha val="0"/>
+          </a:schemeClr>
+        </a:solidFill>
+        <a:effectLst/>
+      </p:bgPr>
+    </p:bg>
+    <p:spTree>
+      <p:nvGrpSpPr>
+        <p:cNvPr id="1" name=""/>
+        <p:cNvGrpSpPr/>
+        <p:nvPr/>
+      </p:nvGrpSpPr>
+      <p:grpSpPr>
+        <a:xfrm>
+          <a:off x="0" y="0"/>
+          <a:ext cx="0" cy="0"/>
+          <a:chOff x="0" y="0"/>
+          <a:chExt cx="0" cy="0"/>
+        </a:xfrm>
+      </p:grpSpPr>
+      <p:sp>
+        <p:nvSpPr>
+          <p:cNvPr id="17" name="Rounded Rectangle 16">
+            <a:extLst>
+              <a:ext uri="{FF2B5EF4-FFF2-40B4-BE49-F238E27FC236}">
+                <a16:creationId xmlns:a16="http://schemas.microsoft.com/office/drawing/2014/main" id="{8E9AE9C6-EBE8-8F46-A7A2-D2E2E2C711E9}"/>
+              </a:ext>
+            </a:extLst>
+          </p:cNvPr>
+          <p:cNvSpPr/>
+          <p:nvPr/>
+        </p:nvSpPr>
+        <p:spPr>
+          <a:xfrm>
+            <a:off x="3459721" y="614234"/>
+            <a:ext cx="3206191" cy="374190"/>
+          </a:xfrm>
+          <a:prstGeom prst="roundRect">
+            <a:avLst/>
+          </a:prstGeom>
+          <a:solidFill>
+            <a:schemeClr val="bg1">
+              <a:lumMod val="85000"/>
+            </a:schemeClr>
+          </a:solidFill>
+          <a:ln>
+            <a:noFill/>
+          </a:ln>
+        </p:spPr>
+        <p:style>
+          <a:lnRef idx="2">
+            <a:schemeClr val="accent1">
+              <a:shade val="50000"/>
+            </a:schemeClr>
+          </a:lnRef>
+          <a:fillRef idx="1">
+            <a:schemeClr val="accent1"/>
+          </a:fillRef>
+          <a:effectRef idx="0">
+            <a:schemeClr val="accent1"/>
+          </a:effectRef>
+          <a:fontRef idx="minor">
+            <a:schemeClr val="lt1"/>
+          </a:fontRef>
+        </p:style>
+        <p:txBody>
+          <a:bodyPr rot="0" spcFirstLastPara="0" vertOverflow="overflow" horzOverflow="overflow" vert="horz" wrap="square" lIns="91440" tIns="45720" rIns="91440" bIns="45720" numCol="1" spcCol="0" rtlCol="0" fromWordArt="0" anchor="ctr" anchorCtr="0" forceAA="0" compatLnSpc="1">
+            <a:prstTxWarp prst="textNoShape">
+              <a:avLst/>
+            </a:prstTxWarp>
+            <a:noAutofit/>
+          </a:bodyPr>
+          <a:lstStyle/>
+          <a:p>
+            <a:pPr algn="ctr"/>
+            <a:r>
+              <a:rPr lang="en-US" sz="1800" b="1" dirty="0">
+                <a:solidFill>
+                  <a:schemeClr val="tx1"/>
+                </a:solidFill>
+                <a:latin typeface="Helvetica" pitchFamily="2" charset="0"/>
+                <a:ea typeface="Helvetica Neue Medium" panose="02000503000000020004" pitchFamily="2" charset="0"/>
+                <a:cs typeface="Helvetica Neue Medium" panose="02000503000000020004" pitchFamily="2" charset="0"/>
+              </a:rPr>
+              <a:t>_____</a:t>
+            </a:r>
+          </a:p>
+        </p:txBody>
+      </p:sp>
+    </p:spTree>
+    <p:extLst>
+      <p:ext uri="{BB962C8B-B14F-4D97-AF65-F5344CB8AC3E}">
+        <p14:creationId xmlns:p14="http://schemas.microsoft.com/office/powerpoint/2010/main" val="117620960"/>
+      </p:ext>
+    </p:extLst>
+  </p:cSld>
+  <p:clrMapOvr>
+    <a:masterClrMapping/>
+  </p:clrMapOvr>
+</p:sld>
+</file>
+
+<file path=ppt/slides/slide2.xml><?xml version="1.0" encoding="utf-8"?>
+<p:sld xmlns:a="http://schemas.openxmlformats.org/drawingml/2006/main" xmlns:r="http://schemas.openxmlformats.org/officeDocument/2006/relationships" xmlns:p="http://schemas.openxmlformats.org/presentationml/2006/main">
+  <p:cSld>
+    <p:bg>
+      <p:bgPr>
+        <a:solidFill>
+          <a:schemeClr val="bg1">
+            <a:alpha val="0"/>
+          </a:schemeClr>
+        </a:solidFill>
+        <a:effectLst/>
+      </p:bgPr>
+    </p:bg>
+    <p:spTree>
+      <p:nvGrpSpPr>
+        <p:cNvPr id="1" name=""/>
+        <p:cNvGrpSpPr/>
+        <p:nvPr/>
+      </p:nvGrpSpPr>
+      <p:grpSpPr>
+        <a:xfrm>
+          <a:off x="0" y="0"/>
+          <a:ext cx="0" cy="0"/>
+          <a:chOff x="0" y="0"/>
+          <a:chExt cx="0" cy="0"/>
+        </a:xfrm>
+      </p:grpSpPr>
       <p:cxnSp>
         <p:nvCxnSpPr>
           <p:cNvPr id="10" name="Straight Arrow Connector 9">
@@ -3538,8 +4265,6 @@
           </p:cNvPr>
           <p:cNvCxnSpPr>
             <a:cxnSpLocks/>
-            <a:stCxn id="8" idx="3"/>
-            <a:endCxn id="6" idx="1"/>
           </p:cNvCxnSpPr>
           <p:nvPr/>
         </p:nvCxnSpPr>
@@ -3587,8 +4312,6 @@
           </p:cNvPr>
           <p:cNvCxnSpPr>
             <a:cxnSpLocks/>
-            <a:stCxn id="8" idx="3"/>
-            <a:endCxn id="17" idx="1"/>
           </p:cNvCxnSpPr>
           <p:nvPr/>
         </p:nvCxnSpPr>
@@ -3625,12 +4348,52 @@
           </a:fontRef>
         </p:style>
       </p:cxnSp>
-      <p:sp>
-        <p:nvSpPr>
-          <p:cNvPr id="2" name="Rectangle 1">
+    </p:spTree>
+    <p:extLst>
+      <p:ext uri="{BB962C8B-B14F-4D97-AF65-F5344CB8AC3E}">
+        <p14:creationId xmlns:p14="http://schemas.microsoft.com/office/powerpoint/2010/main" val="2686877411"/>
+      </p:ext>
+    </p:extLst>
+  </p:cSld>
+  <p:clrMapOvr>
+    <a:masterClrMapping/>
+  </p:clrMapOvr>
+</p:sld>
+</file>
+
+<file path=ppt/slides/slide3.xml><?xml version="1.0" encoding="utf-8"?>
+<p:sld xmlns:a="http://schemas.openxmlformats.org/drawingml/2006/main" xmlns:r="http://schemas.openxmlformats.org/officeDocument/2006/relationships" xmlns:p="http://schemas.openxmlformats.org/presentationml/2006/main" showMasterSp="0">
+  <p:cSld>
+    <p:bg>
+      <p:bgPr>
+        <a:solidFill>
+          <a:schemeClr val="bg1">
+            <a:alpha val="0"/>
+          </a:schemeClr>
+        </a:solidFill>
+        <a:effectLst/>
+      </p:bgPr>
+    </p:bg>
+    <p:spTree>
+      <p:nvGrpSpPr>
+        <p:cNvPr id="1" name=""/>
+        <p:cNvGrpSpPr/>
+        <p:nvPr/>
+      </p:nvGrpSpPr>
+      <p:grpSpPr>
+        <a:xfrm>
+          <a:off x="0" y="0"/>
+          <a:ext cx="0" cy="0"/>
+          <a:chOff x="0" y="0"/>
+          <a:chExt cx="0" cy="0"/>
+        </a:xfrm>
+      </p:grpSpPr>
+      <p:sp>
+        <p:nvSpPr>
+          <p:cNvPr id="8" name="Rounded Rectangle 7">
             <a:extLst>
               <a:ext uri="{FF2B5EF4-FFF2-40B4-BE49-F238E27FC236}">
-                <a16:creationId xmlns:a16="http://schemas.microsoft.com/office/drawing/2014/main" id="{6BB7B98B-8354-774D-B024-5F9DA80FF45E}"/>
+                <a16:creationId xmlns:a16="http://schemas.microsoft.com/office/drawing/2014/main" id="{113C0142-E6EA-5A45-934A-7819FD86E179}"/>
               </a:ext>
             </a:extLst>
           </p:cNvPr>
@@ -3639,47 +4402,8 @@
         </p:nvSpPr>
         <p:spPr>
           <a:xfrm>
-            <a:off x="2746078" y="63654"/>
-            <a:ext cx="490840" cy="276999"/>
-          </a:xfrm>
-          <a:prstGeom prst="rect">
-            <a:avLst/>
-          </a:prstGeom>
-        </p:spPr>
-        <p:txBody>
-          <a:bodyPr wrap="none">
-            <a:spAutoFit/>
-          </a:bodyPr>
-          <a:lstStyle/>
-          <a:p>
-            <a:r>
-              <a:rPr lang="en-US" sz="1200" b="1" dirty="0">
-                <a:latin typeface="Helvetica" pitchFamily="2" charset="0"/>
-                <a:ea typeface="Helvetica Neue Medium" panose="02000503000000020004" pitchFamily="2" charset="0"/>
-                <a:cs typeface="Helvetica Neue Medium" panose="02000503000000020004" pitchFamily="2" charset="0"/>
-              </a:rPr>
-              <a:t>75%</a:t>
-            </a:r>
-            <a:endParaRPr lang="en-US" sz="1200" dirty="0"/>
-          </a:p>
-        </p:txBody>
-      </p:sp>
-      <p:sp>
-        <p:nvSpPr>
-          <p:cNvPr id="17" name="Rounded Rectangle 16">
-            <a:extLst>
-              <a:ext uri="{FF2B5EF4-FFF2-40B4-BE49-F238E27FC236}">
-                <a16:creationId xmlns:a16="http://schemas.microsoft.com/office/drawing/2014/main" id="{8E9AE9C6-EBE8-8F46-A7A2-D2E2E2C711E9}"/>
-              </a:ext>
-            </a:extLst>
-          </p:cNvPr>
-          <p:cNvSpPr/>
-          <p:nvPr/>
-        </p:nvSpPr>
-        <p:spPr>
-          <a:xfrm>
-            <a:off x="3459721" y="614234"/>
-            <a:ext cx="3206191" cy="374190"/>
+            <a:off x="-1924" y="299243"/>
+            <a:ext cx="2560932" cy="389938"/>
           </a:xfrm>
           <a:prstGeom prst="roundRect">
             <a:avLst/>
@@ -3728,54 +4452,15 @@
                 <a:ea typeface="Helvetica Neue Medium" panose="02000503000000020004" pitchFamily="2" charset="0"/>
                 <a:cs typeface="Helvetica Neue Medium" panose="02000503000000020004" pitchFamily="2" charset="0"/>
               </a:rPr>
-              <a:t>Low trade deficits</a:t>
-            </a:r>
-          </a:p>
-        </p:txBody>
-      </p:sp>
-      <p:sp>
-        <p:nvSpPr>
-          <p:cNvPr id="22" name="Rectangle 21">
-            <a:extLst>
-              <a:ext uri="{FF2B5EF4-FFF2-40B4-BE49-F238E27FC236}">
-                <a16:creationId xmlns:a16="http://schemas.microsoft.com/office/drawing/2014/main" id="{6CD4E334-CEF6-5C44-8007-A04C5004FDF5}"/>
-              </a:ext>
-            </a:extLst>
-          </p:cNvPr>
-          <p:cNvSpPr/>
-          <p:nvPr/>
-        </p:nvSpPr>
-        <p:spPr>
-          <a:xfrm>
-            <a:off x="2763944" y="654505"/>
-            <a:ext cx="490840" cy="276999"/>
-          </a:xfrm>
-          <a:prstGeom prst="rect">
-            <a:avLst/>
-          </a:prstGeom>
-        </p:spPr>
-        <p:txBody>
-          <a:bodyPr wrap="none">
-            <a:spAutoFit/>
-          </a:bodyPr>
-          <a:lstStyle/>
-          <a:p>
-            <a:r>
-              <a:rPr lang="en-US" sz="1200" b="1" dirty="0">
-                <a:latin typeface="Helvetica" pitchFamily="2" charset="0"/>
-                <a:ea typeface="Helvetica Neue Medium" panose="02000503000000020004" pitchFamily="2" charset="0"/>
-                <a:cs typeface="Helvetica Neue Medium" panose="02000503000000020004" pitchFamily="2" charset="0"/>
-              </a:rPr>
-              <a:t>75%</a:t>
-            </a:r>
-            <a:endParaRPr lang="en-US" sz="1200" dirty="0"/>
+              <a:t>High interest rates</a:t>
+            </a:r>
           </a:p>
         </p:txBody>
       </p:sp>
     </p:spTree>
     <p:extLst>
       <p:ext uri="{BB962C8B-B14F-4D97-AF65-F5344CB8AC3E}">
-        <p14:creationId xmlns:p14="http://schemas.microsoft.com/office/powerpoint/2010/main" val="1210712810"/>
+        <p14:creationId xmlns:p14="http://schemas.microsoft.com/office/powerpoint/2010/main" val="3274314287"/>
       </p:ext>
     </p:extLst>
   </p:cSld>
@@ -3785,7 +4470,413 @@
 </p:sld>
 </file>
 
-<file path=ppt/slides/slide3.xml><?xml version="1.0" encoding="utf-8"?>
+<file path=ppt/slides/slide4.xml><?xml version="1.0" encoding="utf-8"?>
+<p:sld xmlns:a="http://schemas.openxmlformats.org/drawingml/2006/main" xmlns:r="http://schemas.openxmlformats.org/officeDocument/2006/relationships" xmlns:p="http://schemas.openxmlformats.org/presentationml/2006/main" showMasterSp="0">
+  <p:cSld>
+    <p:bg>
+      <p:bgPr>
+        <a:solidFill>
+          <a:schemeClr val="bg1">
+            <a:alpha val="0"/>
+          </a:schemeClr>
+        </a:solidFill>
+        <a:effectLst/>
+      </p:bgPr>
+    </p:bg>
+    <p:spTree>
+      <p:nvGrpSpPr>
+        <p:cNvPr id="1" name=""/>
+        <p:cNvGrpSpPr/>
+        <p:nvPr/>
+      </p:nvGrpSpPr>
+      <p:grpSpPr>
+        <a:xfrm>
+          <a:off x="0" y="0"/>
+          <a:ext cx="0" cy="0"/>
+          <a:chOff x="0" y="0"/>
+          <a:chExt cx="0" cy="0"/>
+        </a:xfrm>
+      </p:grpSpPr>
+      <p:sp>
+        <p:nvSpPr>
+          <p:cNvPr id="8" name="Rounded Rectangle 7">
+            <a:extLst>
+              <a:ext uri="{FF2B5EF4-FFF2-40B4-BE49-F238E27FC236}">
+                <a16:creationId xmlns:a16="http://schemas.microsoft.com/office/drawing/2014/main" id="{113C0142-E6EA-5A45-934A-7819FD86E179}"/>
+              </a:ext>
+            </a:extLst>
+          </p:cNvPr>
+          <p:cNvSpPr/>
+          <p:nvPr/>
+        </p:nvSpPr>
+        <p:spPr>
+          <a:xfrm>
+            <a:off x="-1924" y="299243"/>
+            <a:ext cx="2560932" cy="389938"/>
+          </a:xfrm>
+          <a:prstGeom prst="roundRect">
+            <a:avLst/>
+          </a:prstGeom>
+          <a:solidFill>
+            <a:schemeClr val="bg1">
+              <a:lumMod val="85000"/>
+            </a:schemeClr>
+          </a:solidFill>
+          <a:ln>
+            <a:noFill/>
+          </a:ln>
+        </p:spPr>
+        <p:style>
+          <a:lnRef idx="2">
+            <a:schemeClr val="accent1">
+              <a:shade val="50000"/>
+            </a:schemeClr>
+          </a:lnRef>
+          <a:fillRef idx="1">
+            <a:schemeClr val="accent1"/>
+          </a:fillRef>
+          <a:effectRef idx="0">
+            <a:schemeClr val="accent1"/>
+          </a:effectRef>
+          <a:fontRef idx="minor">
+            <a:schemeClr val="lt1"/>
+          </a:fontRef>
+        </p:style>
+        <p:txBody>
+          <a:bodyPr rot="0" spcFirstLastPara="0" vertOverflow="overflow" horzOverflow="overflow" vert="horz" wrap="square" lIns="91440" tIns="45720" rIns="91440" bIns="45720" numCol="1" spcCol="0" rtlCol="0" fromWordArt="0" anchor="ctr" anchorCtr="0" forceAA="0" compatLnSpc="1">
+            <a:prstTxWarp prst="textNoShape">
+              <a:avLst/>
+            </a:prstTxWarp>
+            <a:noAutofit/>
+          </a:bodyPr>
+          <a:lstStyle/>
+          <a:p>
+            <a:pPr algn="ctr"/>
+            <a:r>
+              <a:rPr lang="en-US" sz="1800" b="1" dirty="0">
+                <a:solidFill>
+                  <a:schemeClr val="tx1"/>
+                </a:solidFill>
+                <a:latin typeface="Helvetica" pitchFamily="2" charset="0"/>
+                <a:ea typeface="Helvetica Neue Medium" panose="02000503000000020004" pitchFamily="2" charset="0"/>
+                <a:cs typeface="Helvetica Neue Medium" panose="02000503000000020004" pitchFamily="2" charset="0"/>
+              </a:rPr>
+              <a:t>Low interest rates</a:t>
+            </a:r>
+          </a:p>
+        </p:txBody>
+      </p:sp>
+    </p:spTree>
+    <p:extLst>
+      <p:ext uri="{BB962C8B-B14F-4D97-AF65-F5344CB8AC3E}">
+        <p14:creationId xmlns:p14="http://schemas.microsoft.com/office/powerpoint/2010/main" val="2450906826"/>
+      </p:ext>
+    </p:extLst>
+  </p:cSld>
+  <p:clrMapOvr>
+    <a:masterClrMapping/>
+  </p:clrMapOvr>
+</p:sld>
+</file>
+
+<file path=ppt/slides/slide5.xml><?xml version="1.0" encoding="utf-8"?>
+<p:sld xmlns:a="http://schemas.openxmlformats.org/drawingml/2006/main" xmlns:r="http://schemas.openxmlformats.org/officeDocument/2006/relationships" xmlns:p="http://schemas.openxmlformats.org/presentationml/2006/main">
+  <p:cSld>
+    <p:spTree>
+      <p:nvGrpSpPr>
+        <p:cNvPr id="1" name=""/>
+        <p:cNvGrpSpPr/>
+        <p:nvPr/>
+      </p:nvGrpSpPr>
+      <p:grpSpPr>
+        <a:xfrm>
+          <a:off x="0" y="0"/>
+          <a:ext cx="0" cy="0"/>
+          <a:chOff x="0" y="0"/>
+          <a:chExt cx="0" cy="0"/>
+        </a:xfrm>
+      </p:grpSpPr>
+      <p:sp>
+        <p:nvSpPr>
+          <p:cNvPr id="8" name="Rounded Rectangle 7">
+            <a:extLst>
+              <a:ext uri="{FF2B5EF4-FFF2-40B4-BE49-F238E27FC236}">
+                <a16:creationId xmlns:a16="http://schemas.microsoft.com/office/drawing/2014/main" id="{113C0142-E6EA-5A45-934A-7819FD86E179}"/>
+              </a:ext>
+            </a:extLst>
+          </p:cNvPr>
+          <p:cNvSpPr/>
+          <p:nvPr/>
+        </p:nvSpPr>
+        <p:spPr>
+          <a:xfrm>
+            <a:off x="-1924" y="299243"/>
+            <a:ext cx="2560932" cy="389938"/>
+          </a:xfrm>
+          <a:prstGeom prst="roundRect">
+            <a:avLst/>
+          </a:prstGeom>
+          <a:solidFill>
+            <a:schemeClr val="bg1">
+              <a:lumMod val="85000"/>
+            </a:schemeClr>
+          </a:solidFill>
+          <a:ln>
+            <a:noFill/>
+          </a:ln>
+        </p:spPr>
+        <p:style>
+          <a:lnRef idx="2">
+            <a:schemeClr val="accent1">
+              <a:shade val="50000"/>
+            </a:schemeClr>
+          </a:lnRef>
+          <a:fillRef idx="1">
+            <a:schemeClr val="accent1"/>
+          </a:fillRef>
+          <a:effectRef idx="0">
+            <a:schemeClr val="accent1"/>
+          </a:effectRef>
+          <a:fontRef idx="minor">
+            <a:schemeClr val="lt1"/>
+          </a:fontRef>
+        </p:style>
+        <p:txBody>
+          <a:bodyPr rot="0" spcFirstLastPara="0" vertOverflow="overflow" horzOverflow="overflow" vert="horz" wrap="square" lIns="91440" tIns="45720" rIns="91440" bIns="45720" numCol="1" spcCol="0" rtlCol="0" fromWordArt="0" anchor="ctr" anchorCtr="0" forceAA="0" compatLnSpc="1">
+            <a:prstTxWarp prst="textNoShape">
+              <a:avLst/>
+            </a:prstTxWarp>
+            <a:noAutofit/>
+          </a:bodyPr>
+          <a:lstStyle/>
+          <a:p>
+            <a:pPr algn="ctr"/>
+            <a:r>
+              <a:rPr lang="en-US" sz="1800" b="1" dirty="0">
+                <a:solidFill>
+                  <a:schemeClr val="tx1"/>
+                </a:solidFill>
+                <a:latin typeface="Helvetica" pitchFamily="2" charset="0"/>
+                <a:ea typeface="Helvetica Neue Medium" panose="02000503000000020004" pitchFamily="2" charset="0"/>
+                <a:cs typeface="Helvetica Neue Medium" panose="02000503000000020004" pitchFamily="2" charset="0"/>
+              </a:rPr>
+              <a:t>Normal interest rates</a:t>
+            </a:r>
+          </a:p>
+        </p:txBody>
+      </p:sp>
+    </p:spTree>
+    <p:extLst>
+      <p:ext uri="{BB962C8B-B14F-4D97-AF65-F5344CB8AC3E}">
+        <p14:creationId xmlns:p14="http://schemas.microsoft.com/office/powerpoint/2010/main" val="3501553405"/>
+      </p:ext>
+    </p:extLst>
+  </p:cSld>
+  <p:clrMapOvr>
+    <a:masterClrMapping/>
+  </p:clrMapOvr>
+</p:sld>
+</file>
+
+<file path=ppt/slides/slide6.xml><?xml version="1.0" encoding="utf-8"?>
+<p:sld xmlns:a="http://schemas.openxmlformats.org/drawingml/2006/main" xmlns:r="http://schemas.openxmlformats.org/officeDocument/2006/relationships" xmlns:p="http://schemas.openxmlformats.org/presentationml/2006/main">
+  <p:cSld>
+    <p:spTree>
+      <p:nvGrpSpPr>
+        <p:cNvPr id="1" name=""/>
+        <p:cNvGrpSpPr/>
+        <p:nvPr/>
+      </p:nvGrpSpPr>
+      <p:grpSpPr>
+        <a:xfrm>
+          <a:off x="0" y="0"/>
+          <a:ext cx="0" cy="0"/>
+          <a:chOff x="0" y="0"/>
+          <a:chExt cx="0" cy="0"/>
+        </a:xfrm>
+      </p:grpSpPr>
+      <p:sp>
+        <p:nvSpPr>
+          <p:cNvPr id="8" name="Rounded Rectangle 7">
+            <a:extLst>
+              <a:ext uri="{FF2B5EF4-FFF2-40B4-BE49-F238E27FC236}">
+                <a16:creationId xmlns:a16="http://schemas.microsoft.com/office/drawing/2014/main" id="{113C0142-E6EA-5A45-934A-7819FD86E179}"/>
+              </a:ext>
+            </a:extLst>
+          </p:cNvPr>
+          <p:cNvSpPr/>
+          <p:nvPr/>
+        </p:nvSpPr>
+        <p:spPr>
+          <a:xfrm>
+            <a:off x="-1924" y="299243"/>
+            <a:ext cx="2560932" cy="389938"/>
+          </a:xfrm>
+          <a:prstGeom prst="roundRect">
+            <a:avLst/>
+          </a:prstGeom>
+          <a:solidFill>
+            <a:schemeClr val="bg1">
+              <a:lumMod val="85000"/>
+            </a:schemeClr>
+          </a:solidFill>
+          <a:ln>
+            <a:noFill/>
+          </a:ln>
+        </p:spPr>
+        <p:style>
+          <a:lnRef idx="2">
+            <a:schemeClr val="accent1">
+              <a:shade val="50000"/>
+            </a:schemeClr>
+          </a:lnRef>
+          <a:fillRef idx="1">
+            <a:schemeClr val="accent1"/>
+          </a:fillRef>
+          <a:effectRef idx="0">
+            <a:schemeClr val="accent1"/>
+          </a:effectRef>
+          <a:fontRef idx="minor">
+            <a:schemeClr val="lt1"/>
+          </a:fontRef>
+        </p:style>
+        <p:txBody>
+          <a:bodyPr rot="0" spcFirstLastPara="0" vertOverflow="overflow" horzOverflow="overflow" vert="horz" wrap="square" lIns="91440" tIns="45720" rIns="91440" bIns="45720" numCol="1" spcCol="0" rtlCol="0" fromWordArt="0" anchor="ctr" anchorCtr="0" forceAA="0" compatLnSpc="1">
+            <a:prstTxWarp prst="textNoShape">
+              <a:avLst/>
+            </a:prstTxWarp>
+            <a:noAutofit/>
+          </a:bodyPr>
+          <a:lstStyle/>
+          <a:p>
+            <a:pPr algn="ctr"/>
+            <a:r>
+              <a:rPr lang="en-US" sz="1800" b="1" dirty="0">
+                <a:solidFill>
+                  <a:schemeClr val="tx1"/>
+                </a:solidFill>
+                <a:latin typeface="Helvetica" pitchFamily="2" charset="0"/>
+                <a:ea typeface="Helvetica Neue Medium" panose="02000503000000020004" pitchFamily="2" charset="0"/>
+                <a:cs typeface="Helvetica Neue Medium" panose="02000503000000020004" pitchFamily="2" charset="0"/>
+              </a:rPr>
+              <a:t>???</a:t>
+            </a:r>
+          </a:p>
+        </p:txBody>
+      </p:sp>
+    </p:spTree>
+    <p:extLst>
+      <p:ext uri="{BB962C8B-B14F-4D97-AF65-F5344CB8AC3E}">
+        <p14:creationId xmlns:p14="http://schemas.microsoft.com/office/powerpoint/2010/main" val="3044845224"/>
+      </p:ext>
+    </p:extLst>
+  </p:cSld>
+  <p:clrMapOvr>
+    <a:masterClrMapping/>
+  </p:clrMapOvr>
+</p:sld>
+</file>
+
+<file path=ppt/slides/slide7.xml><?xml version="1.0" encoding="utf-8"?>
+<p:sld xmlns:a="http://schemas.openxmlformats.org/drawingml/2006/main" xmlns:r="http://schemas.openxmlformats.org/officeDocument/2006/relationships" xmlns:p="http://schemas.openxmlformats.org/presentationml/2006/main">
+  <p:cSld>
+    <p:spTree>
+      <p:nvGrpSpPr>
+        <p:cNvPr id="1" name=""/>
+        <p:cNvGrpSpPr/>
+        <p:nvPr/>
+      </p:nvGrpSpPr>
+      <p:grpSpPr>
+        <a:xfrm>
+          <a:off x="0" y="0"/>
+          <a:ext cx="0" cy="0"/>
+          <a:chOff x="0" y="0"/>
+          <a:chExt cx="0" cy="0"/>
+        </a:xfrm>
+      </p:grpSpPr>
+      <p:sp>
+        <p:nvSpPr>
+          <p:cNvPr id="8" name="Rounded Rectangle 7">
+            <a:extLst>
+              <a:ext uri="{FF2B5EF4-FFF2-40B4-BE49-F238E27FC236}">
+                <a16:creationId xmlns:a16="http://schemas.microsoft.com/office/drawing/2014/main" id="{113C0142-E6EA-5A45-934A-7819FD86E179}"/>
+              </a:ext>
+            </a:extLst>
+          </p:cNvPr>
+          <p:cNvSpPr/>
+          <p:nvPr/>
+        </p:nvSpPr>
+        <p:spPr>
+          <a:xfrm>
+            <a:off x="-1924" y="299243"/>
+            <a:ext cx="2560932" cy="389938"/>
+          </a:xfrm>
+          <a:prstGeom prst="roundRect">
+            <a:avLst/>
+          </a:prstGeom>
+          <a:solidFill>
+            <a:schemeClr val="bg1">
+              <a:lumMod val="85000"/>
+            </a:schemeClr>
+          </a:solidFill>
+          <a:ln>
+            <a:noFill/>
+          </a:ln>
+        </p:spPr>
+        <p:style>
+          <a:lnRef idx="2">
+            <a:schemeClr val="accent1">
+              <a:shade val="50000"/>
+            </a:schemeClr>
+          </a:lnRef>
+          <a:fillRef idx="1">
+            <a:schemeClr val="accent1"/>
+          </a:fillRef>
+          <a:effectRef idx="0">
+            <a:schemeClr val="accent1"/>
+          </a:effectRef>
+          <a:fontRef idx="minor">
+            <a:schemeClr val="lt1"/>
+          </a:fontRef>
+        </p:style>
+        <p:txBody>
+          <a:bodyPr rot="0" spcFirstLastPara="0" vertOverflow="overflow" horzOverflow="overflow" vert="horz" wrap="square" lIns="91440" tIns="45720" rIns="91440" bIns="45720" numCol="1" spcCol="0" rtlCol="0" fromWordArt="0" anchor="ctr" anchorCtr="0" forceAA="0" compatLnSpc="1">
+            <a:prstTxWarp prst="textNoShape">
+              <a:avLst/>
+            </a:prstTxWarp>
+            <a:noAutofit/>
+          </a:bodyPr>
+          <a:lstStyle/>
+          <a:p>
+            <a:pPr algn="ctr"/>
+            <a:r>
+              <a:rPr lang="en-US" sz="1800" b="1" dirty="0">
+                <a:solidFill>
+                  <a:schemeClr val="tx1"/>
+                </a:solidFill>
+                <a:latin typeface="Helvetica" pitchFamily="2" charset="0"/>
+                <a:ea typeface="Helvetica Neue Medium" panose="02000503000000020004" pitchFamily="2" charset="0"/>
+                <a:cs typeface="Helvetica Neue Medium" panose="02000503000000020004" pitchFamily="2" charset="0"/>
+              </a:rPr>
+              <a:t>_____</a:t>
+            </a:r>
+          </a:p>
+        </p:txBody>
+      </p:sp>
+    </p:spTree>
+    <p:extLst>
+      <p:ext uri="{BB962C8B-B14F-4D97-AF65-F5344CB8AC3E}">
+        <p14:creationId xmlns:p14="http://schemas.microsoft.com/office/powerpoint/2010/main" val="1331795784"/>
+      </p:ext>
+    </p:extLst>
+  </p:cSld>
+  <p:clrMapOvr>
+    <a:masterClrMapping/>
+  </p:clrMapOvr>
+</p:sld>
+</file>
+
+<file path=ppt/slides/slide8.xml><?xml version="1.0" encoding="utf-8"?>
 <p:sld xmlns:a="http://schemas.openxmlformats.org/drawingml/2006/main" xmlns:r="http://schemas.openxmlformats.org/officeDocument/2006/relationships" xmlns:p="http://schemas.openxmlformats.org/presentationml/2006/main">
   <p:cSld>
     <p:spTree>
@@ -3871,246 +4962,10 @@
           </a:p>
         </p:txBody>
       </p:sp>
-      <p:sp>
-        <p:nvSpPr>
-          <p:cNvPr id="8" name="Rounded Rectangle 7">
-            <a:extLst>
-              <a:ext uri="{FF2B5EF4-FFF2-40B4-BE49-F238E27FC236}">
-                <a16:creationId xmlns:a16="http://schemas.microsoft.com/office/drawing/2014/main" id="{113C0142-E6EA-5A45-934A-7819FD86E179}"/>
-              </a:ext>
-            </a:extLst>
-          </p:cNvPr>
-          <p:cNvSpPr/>
-          <p:nvPr/>
-        </p:nvSpPr>
-        <p:spPr>
-          <a:xfrm>
-            <a:off x="-1924" y="299243"/>
-            <a:ext cx="2560932" cy="389938"/>
-          </a:xfrm>
-          <a:prstGeom prst="roundRect">
-            <a:avLst/>
-          </a:prstGeom>
-          <a:solidFill>
-            <a:schemeClr val="bg1">
-              <a:lumMod val="85000"/>
-            </a:schemeClr>
-          </a:solidFill>
-          <a:ln>
-            <a:noFill/>
-          </a:ln>
-        </p:spPr>
-        <p:style>
-          <a:lnRef idx="2">
-            <a:schemeClr val="accent1">
-              <a:shade val="50000"/>
-            </a:schemeClr>
-          </a:lnRef>
-          <a:fillRef idx="1">
-            <a:schemeClr val="accent1"/>
-          </a:fillRef>
-          <a:effectRef idx="0">
-            <a:schemeClr val="accent1"/>
-          </a:effectRef>
-          <a:fontRef idx="minor">
-            <a:schemeClr val="lt1"/>
-          </a:fontRef>
-        </p:style>
-        <p:txBody>
-          <a:bodyPr rot="0" spcFirstLastPara="0" vertOverflow="overflow" horzOverflow="overflow" vert="horz" wrap="square" lIns="91440" tIns="45720" rIns="91440" bIns="45720" numCol="1" spcCol="0" rtlCol="0" fromWordArt="0" anchor="ctr" anchorCtr="0" forceAA="0" compatLnSpc="1">
-            <a:prstTxWarp prst="textNoShape">
-              <a:avLst/>
-            </a:prstTxWarp>
-            <a:noAutofit/>
-          </a:bodyPr>
-          <a:lstStyle/>
-          <a:p>
-            <a:pPr algn="ctr"/>
-            <a:r>
-              <a:rPr lang="en-US" sz="1800" b="1" dirty="0">
-                <a:solidFill>
-                  <a:schemeClr val="tx1"/>
-                </a:solidFill>
-                <a:latin typeface="Helvetica" pitchFamily="2" charset="0"/>
-                <a:ea typeface="Helvetica Neue Medium" panose="02000503000000020004" pitchFamily="2" charset="0"/>
-                <a:cs typeface="Helvetica Neue Medium" panose="02000503000000020004" pitchFamily="2" charset="0"/>
-              </a:rPr>
-              <a:t>Low interest rates</a:t>
-            </a:r>
-          </a:p>
-        </p:txBody>
-      </p:sp>
-      <p:cxnSp>
-        <p:nvCxnSpPr>
-          <p:cNvPr id="10" name="Straight Arrow Connector 9">
-            <a:extLst>
-              <a:ext uri="{FF2B5EF4-FFF2-40B4-BE49-F238E27FC236}">
-                <a16:creationId xmlns:a16="http://schemas.microsoft.com/office/drawing/2014/main" id="{4C7C0219-B0CE-8D48-AD4E-6100967E24AC}"/>
-              </a:ext>
-            </a:extLst>
-          </p:cNvPr>
-          <p:cNvCxnSpPr>
-            <a:cxnSpLocks/>
-            <a:stCxn id="8" idx="3"/>
-            <a:endCxn id="6" idx="1"/>
-          </p:cNvCxnSpPr>
-          <p:nvPr/>
-        </p:nvCxnSpPr>
-        <p:spPr>
-          <a:xfrm flipV="1">
-            <a:off x="2559009" y="187095"/>
-            <a:ext cx="900713" cy="307117"/>
-          </a:xfrm>
-          <a:prstGeom prst="straightConnector1">
-            <a:avLst/>
-          </a:prstGeom>
-          <a:ln w="28575">
-            <a:solidFill>
-              <a:schemeClr val="tx1">
-                <a:lumMod val="75000"/>
-                <a:lumOff val="25000"/>
-              </a:schemeClr>
-            </a:solidFill>
-            <a:tailEnd type="triangle"/>
-          </a:ln>
-        </p:spPr>
-        <p:style>
-          <a:lnRef idx="1">
-            <a:schemeClr val="accent1"/>
-          </a:lnRef>
-          <a:fillRef idx="0">
-            <a:schemeClr val="accent1"/>
-          </a:fillRef>
-          <a:effectRef idx="0">
-            <a:schemeClr val="accent1"/>
-          </a:effectRef>
-          <a:fontRef idx="minor">
-            <a:schemeClr val="tx1"/>
-          </a:fontRef>
-        </p:style>
-      </p:cxnSp>
-      <p:cxnSp>
-        <p:nvCxnSpPr>
-          <p:cNvPr id="12" name="Straight Arrow Connector 11">
-            <a:extLst>
-              <a:ext uri="{FF2B5EF4-FFF2-40B4-BE49-F238E27FC236}">
-                <a16:creationId xmlns:a16="http://schemas.microsoft.com/office/drawing/2014/main" id="{722B9279-04EE-964D-87B7-6B94705E504E}"/>
-              </a:ext>
-            </a:extLst>
-          </p:cNvPr>
-          <p:cNvCxnSpPr>
-            <a:cxnSpLocks/>
-            <a:stCxn id="8" idx="3"/>
-            <a:endCxn id="17" idx="1"/>
-          </p:cNvCxnSpPr>
-          <p:nvPr/>
-        </p:nvCxnSpPr>
-        <p:spPr>
-          <a:xfrm>
-            <a:off x="2559008" y="494212"/>
-            <a:ext cx="900712" cy="307117"/>
-          </a:xfrm>
-          <a:prstGeom prst="straightConnector1">
-            <a:avLst/>
-          </a:prstGeom>
-          <a:ln w="28575">
-            <a:solidFill>
-              <a:schemeClr val="tx1">
-                <a:lumMod val="75000"/>
-                <a:lumOff val="25000"/>
-              </a:schemeClr>
-            </a:solidFill>
-            <a:tailEnd type="triangle"/>
-          </a:ln>
-        </p:spPr>
-        <p:style>
-          <a:lnRef idx="1">
-            <a:schemeClr val="accent1"/>
-          </a:lnRef>
-          <a:fillRef idx="0">
-            <a:schemeClr val="accent1"/>
-          </a:fillRef>
-          <a:effectRef idx="0">
-            <a:schemeClr val="accent1"/>
-          </a:effectRef>
-          <a:fontRef idx="minor">
-            <a:schemeClr val="tx1"/>
-          </a:fontRef>
-        </p:style>
-      </p:cxnSp>
-      <p:sp>
-        <p:nvSpPr>
-          <p:cNvPr id="17" name="Rounded Rectangle 16">
-            <a:extLst>
-              <a:ext uri="{FF2B5EF4-FFF2-40B4-BE49-F238E27FC236}">
-                <a16:creationId xmlns:a16="http://schemas.microsoft.com/office/drawing/2014/main" id="{8E9AE9C6-EBE8-8F46-A7A2-D2E2E2C711E9}"/>
-              </a:ext>
-            </a:extLst>
-          </p:cNvPr>
-          <p:cNvSpPr/>
-          <p:nvPr/>
-        </p:nvSpPr>
-        <p:spPr>
-          <a:xfrm>
-            <a:off x="3459721" y="614234"/>
-            <a:ext cx="3206191" cy="374190"/>
-          </a:xfrm>
-          <a:prstGeom prst="roundRect">
-            <a:avLst/>
-          </a:prstGeom>
-          <a:solidFill>
-            <a:schemeClr val="bg1">
-              <a:lumMod val="85000"/>
-            </a:schemeClr>
-          </a:solidFill>
-          <a:ln>
-            <a:noFill/>
-          </a:ln>
-        </p:spPr>
-        <p:style>
-          <a:lnRef idx="2">
-            <a:schemeClr val="accent1">
-              <a:shade val="50000"/>
-            </a:schemeClr>
-          </a:lnRef>
-          <a:fillRef idx="1">
-            <a:schemeClr val="accent1"/>
-          </a:fillRef>
-          <a:effectRef idx="0">
-            <a:schemeClr val="accent1"/>
-          </a:effectRef>
-          <a:fontRef idx="minor">
-            <a:schemeClr val="lt1"/>
-          </a:fontRef>
-        </p:style>
-        <p:txBody>
-          <a:bodyPr rot="0" spcFirstLastPara="0" vertOverflow="overflow" horzOverflow="overflow" vert="horz" wrap="square" lIns="91440" tIns="45720" rIns="91440" bIns="45720" numCol="1" spcCol="0" rtlCol="0" fromWordArt="0" anchor="ctr" anchorCtr="0" forceAA="0" compatLnSpc="1">
-            <a:prstTxWarp prst="textNoShape">
-              <a:avLst/>
-            </a:prstTxWarp>
-            <a:noAutofit/>
-          </a:bodyPr>
-          <a:lstStyle/>
-          <a:p>
-            <a:pPr algn="ctr"/>
-            <a:r>
-              <a:rPr lang="en-US" sz="1800" b="1" dirty="0">
-                <a:solidFill>
-                  <a:schemeClr val="tx1"/>
-                </a:solidFill>
-                <a:latin typeface="Helvetica" pitchFamily="2" charset="0"/>
-                <a:ea typeface="Helvetica Neue Medium" panose="02000503000000020004" pitchFamily="2" charset="0"/>
-                <a:cs typeface="Helvetica Neue Medium" panose="02000503000000020004" pitchFamily="2" charset="0"/>
-              </a:rPr>
-              <a:t>???</a:t>
-            </a:r>
-          </a:p>
-        </p:txBody>
-      </p:sp>
     </p:spTree>
     <p:extLst>
       <p:ext uri="{BB962C8B-B14F-4D97-AF65-F5344CB8AC3E}">
-        <p14:creationId xmlns:p14="http://schemas.microsoft.com/office/powerpoint/2010/main" val="3799323358"/>
+        <p14:creationId xmlns:p14="http://schemas.microsoft.com/office/powerpoint/2010/main" val="862577098"/>
       </p:ext>
     </p:extLst>
   </p:cSld>
@@ -4120,7 +4975,7 @@
 </p:sld>
 </file>
 
-<file path=ppt/slides/slide4.xml><?xml version="1.0" encoding="utf-8"?>
+<file path=ppt/slides/slide9.xml><?xml version="1.0" encoding="utf-8"?>
 <p:sld xmlns:a="http://schemas.openxmlformats.org/drawingml/2006/main" xmlns:r="http://schemas.openxmlformats.org/officeDocument/2006/relationships" xmlns:p="http://schemas.openxmlformats.org/presentationml/2006/main">
   <p:cSld>
     <p:spTree>
@@ -4201,243 +5056,7 @@
                 <a:ea typeface="Helvetica Neue Medium" panose="02000503000000020004" pitchFamily="2" charset="0"/>
                 <a:cs typeface="Helvetica Neue Medium" panose="02000503000000020004" pitchFamily="2" charset="0"/>
               </a:rPr>
-              <a:t>???</a:t>
-            </a:r>
-          </a:p>
-        </p:txBody>
-      </p:sp>
-      <p:sp>
-        <p:nvSpPr>
-          <p:cNvPr id="8" name="Rounded Rectangle 7">
-            <a:extLst>
-              <a:ext uri="{FF2B5EF4-FFF2-40B4-BE49-F238E27FC236}">
-                <a16:creationId xmlns:a16="http://schemas.microsoft.com/office/drawing/2014/main" id="{113C0142-E6EA-5A45-934A-7819FD86E179}"/>
-              </a:ext>
-            </a:extLst>
-          </p:cNvPr>
-          <p:cNvSpPr/>
-          <p:nvPr/>
-        </p:nvSpPr>
-        <p:spPr>
-          <a:xfrm>
-            <a:off x="-1924" y="299243"/>
-            <a:ext cx="2560932" cy="389938"/>
-          </a:xfrm>
-          <a:prstGeom prst="roundRect">
-            <a:avLst/>
-          </a:prstGeom>
-          <a:solidFill>
-            <a:schemeClr val="bg1">
-              <a:lumMod val="85000"/>
-            </a:schemeClr>
-          </a:solidFill>
-          <a:ln>
-            <a:noFill/>
-          </a:ln>
-        </p:spPr>
-        <p:style>
-          <a:lnRef idx="2">
-            <a:schemeClr val="accent1">
-              <a:shade val="50000"/>
-            </a:schemeClr>
-          </a:lnRef>
-          <a:fillRef idx="1">
-            <a:schemeClr val="accent1"/>
-          </a:fillRef>
-          <a:effectRef idx="0">
-            <a:schemeClr val="accent1"/>
-          </a:effectRef>
-          <a:fontRef idx="minor">
-            <a:schemeClr val="lt1"/>
-          </a:fontRef>
-        </p:style>
-        <p:txBody>
-          <a:bodyPr rot="0" spcFirstLastPara="0" vertOverflow="overflow" horzOverflow="overflow" vert="horz" wrap="square" lIns="91440" tIns="45720" rIns="91440" bIns="45720" numCol="1" spcCol="0" rtlCol="0" fromWordArt="0" anchor="ctr" anchorCtr="0" forceAA="0" compatLnSpc="1">
-            <a:prstTxWarp prst="textNoShape">
-              <a:avLst/>
-            </a:prstTxWarp>
-            <a:noAutofit/>
-          </a:bodyPr>
-          <a:lstStyle/>
-          <a:p>
-            <a:pPr algn="ctr"/>
-            <a:r>
-              <a:rPr lang="en-US" sz="1800" b="1" dirty="0">
-                <a:solidFill>
-                  <a:schemeClr val="tx1"/>
-                </a:solidFill>
-                <a:latin typeface="Helvetica" pitchFamily="2" charset="0"/>
-                <a:ea typeface="Helvetica Neue Medium" panose="02000503000000020004" pitchFamily="2" charset="0"/>
-                <a:cs typeface="Helvetica Neue Medium" panose="02000503000000020004" pitchFamily="2" charset="0"/>
-              </a:rPr>
-              <a:t>Normal interest rates</a:t>
-            </a:r>
-          </a:p>
-        </p:txBody>
-      </p:sp>
-      <p:cxnSp>
-        <p:nvCxnSpPr>
-          <p:cNvPr id="10" name="Straight Arrow Connector 9">
-            <a:extLst>
-              <a:ext uri="{FF2B5EF4-FFF2-40B4-BE49-F238E27FC236}">
-                <a16:creationId xmlns:a16="http://schemas.microsoft.com/office/drawing/2014/main" id="{4C7C0219-B0CE-8D48-AD4E-6100967E24AC}"/>
-              </a:ext>
-            </a:extLst>
-          </p:cNvPr>
-          <p:cNvCxnSpPr>
-            <a:cxnSpLocks/>
-            <a:stCxn id="8" idx="3"/>
-            <a:endCxn id="6" idx="1"/>
-          </p:cNvCxnSpPr>
-          <p:nvPr/>
-        </p:nvCxnSpPr>
-        <p:spPr>
-          <a:xfrm flipV="1">
-            <a:off x="2559009" y="187095"/>
-            <a:ext cx="900713" cy="307117"/>
-          </a:xfrm>
-          <a:prstGeom prst="straightConnector1">
-            <a:avLst/>
-          </a:prstGeom>
-          <a:ln w="28575">
-            <a:solidFill>
-              <a:schemeClr val="tx1">
-                <a:lumMod val="75000"/>
-                <a:lumOff val="25000"/>
-              </a:schemeClr>
-            </a:solidFill>
-            <a:tailEnd type="triangle"/>
-          </a:ln>
-        </p:spPr>
-        <p:style>
-          <a:lnRef idx="1">
-            <a:schemeClr val="accent1"/>
-          </a:lnRef>
-          <a:fillRef idx="0">
-            <a:schemeClr val="accent1"/>
-          </a:fillRef>
-          <a:effectRef idx="0">
-            <a:schemeClr val="accent1"/>
-          </a:effectRef>
-          <a:fontRef idx="minor">
-            <a:schemeClr val="tx1"/>
-          </a:fontRef>
-        </p:style>
-      </p:cxnSp>
-      <p:cxnSp>
-        <p:nvCxnSpPr>
-          <p:cNvPr id="12" name="Straight Arrow Connector 11">
-            <a:extLst>
-              <a:ext uri="{FF2B5EF4-FFF2-40B4-BE49-F238E27FC236}">
-                <a16:creationId xmlns:a16="http://schemas.microsoft.com/office/drawing/2014/main" id="{722B9279-04EE-964D-87B7-6B94705E504E}"/>
-              </a:ext>
-            </a:extLst>
-          </p:cNvPr>
-          <p:cNvCxnSpPr>
-            <a:cxnSpLocks/>
-            <a:stCxn id="8" idx="3"/>
-            <a:endCxn id="17" idx="1"/>
-          </p:cNvCxnSpPr>
-          <p:nvPr/>
-        </p:nvCxnSpPr>
-        <p:spPr>
-          <a:xfrm>
-            <a:off x="2559008" y="494212"/>
-            <a:ext cx="900712" cy="307117"/>
-          </a:xfrm>
-          <a:prstGeom prst="straightConnector1">
-            <a:avLst/>
-          </a:prstGeom>
-          <a:ln w="28575">
-            <a:solidFill>
-              <a:schemeClr val="tx1">
-                <a:lumMod val="75000"/>
-                <a:lumOff val="25000"/>
-              </a:schemeClr>
-            </a:solidFill>
-            <a:tailEnd type="triangle"/>
-          </a:ln>
-        </p:spPr>
-        <p:style>
-          <a:lnRef idx="1">
-            <a:schemeClr val="accent1"/>
-          </a:lnRef>
-          <a:fillRef idx="0">
-            <a:schemeClr val="accent1"/>
-          </a:fillRef>
-          <a:effectRef idx="0">
-            <a:schemeClr val="accent1"/>
-          </a:effectRef>
-          <a:fontRef idx="minor">
-            <a:schemeClr val="tx1"/>
-          </a:fontRef>
-        </p:style>
-      </p:cxnSp>
-      <p:sp>
-        <p:nvSpPr>
-          <p:cNvPr id="17" name="Rounded Rectangle 16">
-            <a:extLst>
-              <a:ext uri="{FF2B5EF4-FFF2-40B4-BE49-F238E27FC236}">
-                <a16:creationId xmlns:a16="http://schemas.microsoft.com/office/drawing/2014/main" id="{8E9AE9C6-EBE8-8F46-A7A2-D2E2E2C711E9}"/>
-              </a:ext>
-            </a:extLst>
-          </p:cNvPr>
-          <p:cNvSpPr/>
-          <p:nvPr/>
-        </p:nvSpPr>
-        <p:spPr>
-          <a:xfrm>
-            <a:off x="3459721" y="614234"/>
-            <a:ext cx="3206191" cy="374190"/>
-          </a:xfrm>
-          <a:prstGeom prst="roundRect">
-            <a:avLst/>
-          </a:prstGeom>
-          <a:solidFill>
-            <a:schemeClr val="bg1">
-              <a:lumMod val="85000"/>
-            </a:schemeClr>
-          </a:solidFill>
-          <a:ln>
-            <a:noFill/>
-          </a:ln>
-        </p:spPr>
-        <p:style>
-          <a:lnRef idx="2">
-            <a:schemeClr val="accent1">
-              <a:shade val="50000"/>
-            </a:schemeClr>
-          </a:lnRef>
-          <a:fillRef idx="1">
-            <a:schemeClr val="accent1"/>
-          </a:fillRef>
-          <a:effectRef idx="0">
-            <a:schemeClr val="accent1"/>
-          </a:effectRef>
-          <a:fontRef idx="minor">
-            <a:schemeClr val="lt1"/>
-          </a:fontRef>
-        </p:style>
-        <p:txBody>
-          <a:bodyPr rot="0" spcFirstLastPara="0" vertOverflow="overflow" horzOverflow="overflow" vert="horz" wrap="square" lIns="91440" tIns="45720" rIns="91440" bIns="45720" numCol="1" spcCol="0" rtlCol="0" fromWordArt="0" anchor="ctr" anchorCtr="0" forceAA="0" compatLnSpc="1">
-            <a:prstTxWarp prst="textNoShape">
-              <a:avLst/>
-            </a:prstTxWarp>
-            <a:noAutofit/>
-          </a:bodyPr>
-          <a:lstStyle/>
-          <a:p>
-            <a:pPr algn="ctr"/>
-            <a:r>
-              <a:rPr lang="en-US" sz="1800" b="1" dirty="0">
-                <a:solidFill>
-                  <a:schemeClr val="tx1"/>
-                </a:solidFill>
-                <a:latin typeface="Helvetica" pitchFamily="2" charset="0"/>
-                <a:ea typeface="Helvetica Neue Medium" panose="02000503000000020004" pitchFamily="2" charset="0"/>
-                <a:cs typeface="Helvetica Neue Medium" panose="02000503000000020004" pitchFamily="2" charset="0"/>
-              </a:rPr>
-              <a:t>_______</a:t>
+              <a:t>Low retirement savings</a:t>
             </a:r>
           </a:p>
         </p:txBody>
@@ -4445,7 +5064,7 @@
     </p:spTree>
     <p:extLst>
       <p:ext uri="{BB962C8B-B14F-4D97-AF65-F5344CB8AC3E}">
-        <p14:creationId xmlns:p14="http://schemas.microsoft.com/office/powerpoint/2010/main" val="1758836236"/>
+        <p14:creationId xmlns:p14="http://schemas.microsoft.com/office/powerpoint/2010/main" val="1784077048"/>
       </p:ext>
     </p:extLst>
   </p:cSld>

--- a/experiment/materials/images/economies/economies.pptx
+++ b/experiment/materials/images/economies/economies.pptx
@@ -259,7 +259,7 @@
           <a:p>
             <a:fld id="{DA0EE935-E9AF-7B48-BD90-8AB4BA8C33E5}" type="datetimeFigureOut">
               <a:rPr lang="en-US" smtClean="0"/>
-              <a:t>12/23/20</a:t>
+              <a:t>1/4/21</a:t>
             </a:fld>
             <a:endParaRPr lang="en-US"/>
           </a:p>
@@ -429,7 +429,7 @@
           <a:p>
             <a:fld id="{DA0EE935-E9AF-7B48-BD90-8AB4BA8C33E5}" type="datetimeFigureOut">
               <a:rPr lang="en-US" smtClean="0"/>
-              <a:t>12/23/20</a:t>
+              <a:t>1/4/21</a:t>
             </a:fld>
             <a:endParaRPr lang="en-US"/>
           </a:p>
@@ -609,7 +609,7 @@
           <a:p>
             <a:fld id="{DA0EE935-E9AF-7B48-BD90-8AB4BA8C33E5}" type="datetimeFigureOut">
               <a:rPr lang="en-US" smtClean="0"/>
-              <a:t>12/23/20</a:t>
+              <a:t>1/4/21</a:t>
             </a:fld>
             <a:endParaRPr lang="en-US"/>
           </a:p>
@@ -779,7 +779,7 @@
           <a:p>
             <a:fld id="{DA0EE935-E9AF-7B48-BD90-8AB4BA8C33E5}" type="datetimeFigureOut">
               <a:rPr lang="en-US" smtClean="0"/>
-              <a:t>12/23/20</a:t>
+              <a:t>1/4/21</a:t>
             </a:fld>
             <a:endParaRPr lang="en-US"/>
           </a:p>
@@ -1025,7 +1025,7 @@
           <a:p>
             <a:fld id="{DA0EE935-E9AF-7B48-BD90-8AB4BA8C33E5}" type="datetimeFigureOut">
               <a:rPr lang="en-US" smtClean="0"/>
-              <a:t>12/23/20</a:t>
+              <a:t>1/4/21</a:t>
             </a:fld>
             <a:endParaRPr lang="en-US"/>
           </a:p>
@@ -1257,7 +1257,7 @@
           <a:p>
             <a:fld id="{DA0EE935-E9AF-7B48-BD90-8AB4BA8C33E5}" type="datetimeFigureOut">
               <a:rPr lang="en-US" smtClean="0"/>
-              <a:t>12/23/20</a:t>
+              <a:t>1/4/21</a:t>
             </a:fld>
             <a:endParaRPr lang="en-US"/>
           </a:p>
@@ -1624,7 +1624,7 @@
           <a:p>
             <a:fld id="{DA0EE935-E9AF-7B48-BD90-8AB4BA8C33E5}" type="datetimeFigureOut">
               <a:rPr lang="en-US" smtClean="0"/>
-              <a:t>12/23/20</a:t>
+              <a:t>1/4/21</a:t>
             </a:fld>
             <a:endParaRPr lang="en-US"/>
           </a:p>
@@ -1742,7 +1742,7 @@
           <a:p>
             <a:fld id="{DA0EE935-E9AF-7B48-BD90-8AB4BA8C33E5}" type="datetimeFigureOut">
               <a:rPr lang="en-US" smtClean="0"/>
-              <a:t>12/23/20</a:t>
+              <a:t>1/4/21</a:t>
             </a:fld>
             <a:endParaRPr lang="en-US"/>
           </a:p>
@@ -1837,7 +1837,7 @@
           <a:p>
             <a:fld id="{DA0EE935-E9AF-7B48-BD90-8AB4BA8C33E5}" type="datetimeFigureOut">
               <a:rPr lang="en-US" smtClean="0"/>
-              <a:t>12/23/20</a:t>
+              <a:t>1/4/21</a:t>
             </a:fld>
             <a:endParaRPr lang="en-US"/>
           </a:p>
@@ -2114,7 +2114,7 @@
           <a:p>
             <a:fld id="{DA0EE935-E9AF-7B48-BD90-8AB4BA8C33E5}" type="datetimeFigureOut">
               <a:rPr lang="en-US" smtClean="0"/>
-              <a:t>12/23/20</a:t>
+              <a:t>1/4/21</a:t>
             </a:fld>
             <a:endParaRPr lang="en-US"/>
           </a:p>
@@ -2371,7 +2371,7 @@
           <a:p>
             <a:fld id="{DA0EE935-E9AF-7B48-BD90-8AB4BA8C33E5}" type="datetimeFigureOut">
               <a:rPr lang="en-US" smtClean="0"/>
-              <a:t>12/23/20</a:t>
+              <a:t>1/4/21</a:t>
             </a:fld>
             <a:endParaRPr lang="en-US"/>
           </a:p>
@@ -2584,7 +2584,7 @@
           <a:p>
             <a:fld id="{DA0EE935-E9AF-7B48-BD90-8AB4BA8C33E5}" type="datetimeFigureOut">
               <a:rPr lang="en-US" smtClean="0"/>
-              <a:t>12/23/20</a:t>
+              <a:t>1/4/21</a:t>
             </a:fld>
             <a:endParaRPr lang="en-US"/>
           </a:p>
@@ -3773,7 +3773,7 @@
                 <a:ea typeface="Helvetica Neue Medium" panose="02000503000000020004" pitchFamily="2" charset="0"/>
                 <a:cs typeface="Helvetica Neue Medium" panose="02000503000000020004" pitchFamily="2" charset="0"/>
               </a:rPr>
-              <a:t>High trade deficits</a:t>
+              <a:t>Large trade deficits</a:t>
             </a:r>
           </a:p>
         </p:txBody>
@@ -3874,6 +3874,17 @@
           <a:p>
             <a:pPr algn="ctr"/>
             <a:r>
+              <a:rPr lang="en-US" sz="1800" b="1">
+                <a:solidFill>
+                  <a:schemeClr val="tx1"/>
+                </a:solidFill>
+                <a:latin typeface="Helvetica" pitchFamily="2" charset="0"/>
+                <a:ea typeface="Helvetica Neue Medium" panose="02000503000000020004" pitchFamily="2" charset="0"/>
+                <a:cs typeface="Helvetica Neue Medium" panose="02000503000000020004" pitchFamily="2" charset="0"/>
+              </a:rPr>
+              <a:t>Small </a:t>
+            </a:r>
+            <a:r>
               <a:rPr lang="en-US" sz="1800" b="1" dirty="0">
                 <a:solidFill>
                   <a:schemeClr val="tx1"/>
@@ -3882,7 +3893,7 @@
                 <a:ea typeface="Helvetica Neue Medium" panose="02000503000000020004" pitchFamily="2" charset="0"/>
                 <a:cs typeface="Helvetica Neue Medium" panose="02000503000000020004" pitchFamily="2" charset="0"/>
               </a:rPr>
-              <a:t>Low trade deficits</a:t>
+              <a:t>trade deficits</a:t>
             </a:r>
           </a:p>
         </p:txBody>
